--- a/Präsentation.pptx
+++ b/Präsentation.pptx
@@ -5,10 +5,10 @@
     <p:sldMasterId id="2147483648" r:id="rId4"/>
   </p:sldMasterIdLst>
   <p:notesMasterIdLst>
-    <p:notesMasterId r:id="rId18"/>
+    <p:notesMasterId r:id="rId19"/>
   </p:notesMasterIdLst>
   <p:handoutMasterIdLst>
-    <p:handoutMasterId r:id="rId19"/>
+    <p:handoutMasterId r:id="rId20"/>
   </p:handoutMasterIdLst>
   <p:sldIdLst>
     <p:sldId id="256" r:id="rId5"/>
@@ -24,6 +24,7 @@
     <p:sldId id="266" r:id="rId15"/>
     <p:sldId id="267" r:id="rId16"/>
     <p:sldId id="268" r:id="rId17"/>
+    <p:sldId id="269" r:id="rId18"/>
   </p:sldIdLst>
   <p:sldSz cx="9144000" cy="5143500" type="screen16x9"/>
   <p:notesSz cx="6858000" cy="9144000"/>
@@ -407,7 +408,7 @@
           <a:p>
             <a:fld id="{90BC4B87-6123-4AD5-BA18-D0C615F32DE0}" type="datetimeFigureOut">
               <a:rPr lang="de-DE" smtClean="0"/>
-              <a:t>19.02.2022</a:t>
+              <a:t>20.02.2022</a:t>
             </a:fld>
             <a:endParaRPr lang="de-DE"/>
           </a:p>
@@ -672,6 +673,358 @@
     </a:lvl9pPr>
   </p:notesStyle>
 </p:notesMaster>
+</file>
+
+<file path=ppt/notesSlides/notesSlide1.xml><?xml version="1.0" encoding="utf-8"?>
+<p:notes xmlns:a="http://schemas.openxmlformats.org/drawingml/2006/main" xmlns:r="http://schemas.openxmlformats.org/officeDocument/2006/relationships" xmlns:p="http://schemas.openxmlformats.org/presentationml/2006/main">
+  <p:cSld>
+    <p:spTree>
+      <p:nvGrpSpPr>
+        <p:cNvPr id="1" name=""/>
+        <p:cNvGrpSpPr/>
+        <p:nvPr/>
+      </p:nvGrpSpPr>
+      <p:grpSpPr>
+        <a:xfrm>
+          <a:off x="0" y="0"/>
+          <a:ext cx="0" cy="0"/>
+          <a:chOff x="0" y="0"/>
+          <a:chExt cx="0" cy="0"/>
+        </a:xfrm>
+      </p:grpSpPr>
+      <p:sp>
+        <p:nvSpPr>
+          <p:cNvPr id="2" name="Folienbildplatzhalter 1"/>
+          <p:cNvSpPr>
+            <a:spLocks noGrp="1" noRot="1" noChangeAspect="1"/>
+          </p:cNvSpPr>
+          <p:nvPr>
+            <p:ph type="sldImg"/>
+          </p:nvPr>
+        </p:nvSpPr>
+        <p:spPr/>
+      </p:sp>
+      <p:sp>
+        <p:nvSpPr>
+          <p:cNvPr id="3" name="Notizenplatzhalter 2"/>
+          <p:cNvSpPr>
+            <a:spLocks noGrp="1"/>
+          </p:cNvSpPr>
+          <p:nvPr>
+            <p:ph type="body" idx="1"/>
+          </p:nvPr>
+        </p:nvSpPr>
+        <p:spPr/>
+        <p:txBody>
+          <a:bodyPr/>
+          <a:lstStyle/>
+          <a:p>
+            <a:pPr marL="171450" indent="-171450">
+              <a:buFontTx/>
+              <a:buChar char="-"/>
+            </a:pPr>
+            <a:r>
+              <a:rPr lang="de-DE" dirty="0" err="1"/>
+              <a:t>Unlike</a:t>
+            </a:r>
+            <a:r>
+              <a:rPr lang="de-DE" dirty="0"/>
+              <a:t> a VM -&gt; </a:t>
+            </a:r>
+            <a:r>
+              <a:rPr lang="de-DE" dirty="0" err="1"/>
+              <a:t>contaier</a:t>
+            </a:r>
+            <a:r>
+              <a:rPr lang="de-DE" dirty="0"/>
+              <a:t> </a:t>
+            </a:r>
+            <a:r>
+              <a:rPr lang="de-DE" dirty="0" err="1"/>
+              <a:t>don‘t</a:t>
+            </a:r>
+            <a:r>
+              <a:rPr lang="de-DE" dirty="0"/>
+              <a:t> </a:t>
+            </a:r>
+            <a:r>
+              <a:rPr lang="de-DE" dirty="0" err="1"/>
+              <a:t>bundle</a:t>
+            </a:r>
+            <a:r>
+              <a:rPr lang="de-DE" dirty="0"/>
+              <a:t> a </a:t>
+            </a:r>
+            <a:r>
+              <a:rPr lang="de-DE" dirty="0" err="1"/>
+              <a:t>full</a:t>
+            </a:r>
+            <a:r>
+              <a:rPr lang="de-DE" dirty="0"/>
+              <a:t> OS</a:t>
+            </a:r>
+          </a:p>
+          <a:p>
+            <a:pPr marL="685749" lvl="2" indent="0">
+              <a:buFontTx/>
+              <a:buNone/>
+            </a:pPr>
+            <a:r>
+              <a:rPr lang="de-DE" dirty="0"/>
+              <a:t>            - </a:t>
+            </a:r>
+            <a:r>
+              <a:rPr lang="de-DE" dirty="0" err="1"/>
+              <a:t>only</a:t>
+            </a:r>
+            <a:r>
+              <a:rPr lang="de-DE" dirty="0"/>
+              <a:t> </a:t>
+            </a:r>
+            <a:r>
+              <a:rPr lang="de-DE" dirty="0" err="1"/>
+              <a:t>librarys</a:t>
+            </a:r>
+            <a:r>
+              <a:rPr lang="de-DE" dirty="0"/>
+              <a:t> and </a:t>
+            </a:r>
+            <a:r>
+              <a:rPr lang="de-DE" dirty="0" err="1"/>
+              <a:t>settings</a:t>
+            </a:r>
+            <a:r>
+              <a:rPr lang="de-DE" dirty="0"/>
+              <a:t> </a:t>
+            </a:r>
+            <a:r>
+              <a:rPr lang="de-DE" dirty="0" err="1"/>
+              <a:t>to</a:t>
+            </a:r>
+            <a:r>
+              <a:rPr lang="de-DE" dirty="0"/>
+              <a:t> </a:t>
+            </a:r>
+            <a:r>
+              <a:rPr lang="de-DE" dirty="0" err="1"/>
+              <a:t>run</a:t>
+            </a:r>
+            <a:r>
+              <a:rPr lang="de-DE" dirty="0"/>
+              <a:t> </a:t>
+            </a:r>
+            <a:r>
+              <a:rPr lang="de-DE" dirty="0" err="1"/>
+              <a:t>the</a:t>
+            </a:r>
+            <a:r>
+              <a:rPr lang="de-DE" dirty="0"/>
+              <a:t> </a:t>
+            </a:r>
+            <a:r>
+              <a:rPr lang="de-DE" dirty="0" err="1"/>
+              <a:t>app</a:t>
+            </a:r>
+            <a:endParaRPr lang="de-DE" dirty="0"/>
+          </a:p>
+          <a:p>
+            <a:pPr marL="0" lvl="0" indent="0">
+              <a:buFontTx/>
+              <a:buNone/>
+            </a:pPr>
+            <a:r>
+              <a:rPr lang="de-DE" dirty="0"/>
+              <a:t>	            - </a:t>
+            </a:r>
+            <a:r>
+              <a:rPr lang="de-DE" dirty="0" err="1"/>
+              <a:t>containers</a:t>
+            </a:r>
+            <a:r>
+              <a:rPr lang="de-DE" dirty="0"/>
+              <a:t> </a:t>
+            </a:r>
+            <a:r>
+              <a:rPr lang="de-DE" dirty="0" err="1"/>
+              <a:t>are</a:t>
+            </a:r>
+            <a:r>
+              <a:rPr lang="de-DE" dirty="0"/>
+              <a:t> well-</a:t>
+            </a:r>
+            <a:r>
+              <a:rPr lang="de-DE" dirty="0" err="1"/>
+              <a:t>isolated</a:t>
+            </a:r>
+            <a:endParaRPr lang="de-DE" dirty="0"/>
+          </a:p>
+          <a:p>
+            <a:pPr marL="0" lvl="0" indent="0">
+              <a:buFontTx/>
+              <a:buNone/>
+            </a:pPr>
+            <a:endParaRPr lang="de-DE" dirty="0"/>
+          </a:p>
+          <a:p>
+            <a:pPr marL="171450" lvl="0" indent="-171450">
+              <a:buFontTx/>
+              <a:buChar char="-"/>
+            </a:pPr>
+            <a:r>
+              <a:rPr lang="de-DE" dirty="0"/>
+              <a:t>Image </a:t>
+            </a:r>
+            <a:r>
+              <a:rPr lang="de-DE" dirty="0" err="1"/>
+              <a:t>is</a:t>
+            </a:r>
+            <a:r>
+              <a:rPr lang="de-DE" dirty="0"/>
+              <a:t> </a:t>
+            </a:r>
+            <a:r>
+              <a:rPr lang="de-DE" dirty="0" err="1"/>
+              <a:t>build</a:t>
+            </a:r>
+            <a:r>
+              <a:rPr lang="de-DE" dirty="0"/>
+              <a:t> via a </a:t>
+            </a:r>
+            <a:r>
+              <a:rPr lang="de-DE" dirty="0" err="1"/>
+              <a:t>Dockerfile</a:t>
+            </a:r>
+            <a:endParaRPr lang="de-DE" dirty="0"/>
+          </a:p>
+          <a:p>
+            <a:pPr marL="171450" lvl="0" indent="-171450">
+              <a:buFontTx/>
+              <a:buChar char="-"/>
+            </a:pPr>
+            <a:endParaRPr lang="de-DE" dirty="0"/>
+          </a:p>
+          <a:p>
+            <a:pPr marL="171450" lvl="0" indent="-171450">
+              <a:buFontTx/>
+              <a:buChar char="-"/>
+            </a:pPr>
+            <a:r>
+              <a:rPr lang="de-DE" dirty="0" err="1"/>
+              <a:t>Contaiers</a:t>
+            </a:r>
+            <a:r>
+              <a:rPr lang="de-DE" dirty="0"/>
+              <a:t> </a:t>
+            </a:r>
+            <a:r>
+              <a:rPr lang="de-DE" dirty="0" err="1"/>
+              <a:t>holds</a:t>
+            </a:r>
+            <a:r>
+              <a:rPr lang="de-DE" dirty="0"/>
+              <a:t> </a:t>
+            </a:r>
+          </a:p>
+          <a:p>
+            <a:pPr marL="514325" lvl="1" indent="-171450">
+              <a:buFontTx/>
+              <a:buChar char="-"/>
+            </a:pPr>
+            <a:r>
+              <a:rPr lang="de-DE" dirty="0"/>
+              <a:t>Historical </a:t>
+            </a:r>
+            <a:r>
+              <a:rPr lang="de-DE" dirty="0" err="1"/>
+              <a:t>sales</a:t>
+            </a:r>
+            <a:r>
+              <a:rPr lang="de-DE" dirty="0"/>
+              <a:t> </a:t>
+            </a:r>
+            <a:r>
+              <a:rPr lang="de-DE" dirty="0" err="1"/>
+              <a:t>data</a:t>
+            </a:r>
+            <a:r>
+              <a:rPr lang="de-DE" dirty="0"/>
+              <a:t> (CSV)</a:t>
+            </a:r>
+          </a:p>
+          <a:p>
+            <a:pPr marL="514325" lvl="1" indent="-171450">
+              <a:buFontTx/>
+              <a:buChar char="-"/>
+            </a:pPr>
+            <a:r>
+              <a:rPr lang="de-DE" dirty="0"/>
+              <a:t>All </a:t>
+            </a:r>
+            <a:r>
+              <a:rPr lang="de-DE" dirty="0" err="1"/>
+              <a:t>python</a:t>
+            </a:r>
+            <a:r>
+              <a:rPr lang="de-DE" dirty="0"/>
+              <a:t> </a:t>
+            </a:r>
+            <a:r>
+              <a:rPr lang="de-DE" dirty="0" err="1"/>
+              <a:t>sources</a:t>
+            </a:r>
+            <a:endParaRPr lang="de-DE" dirty="0"/>
+          </a:p>
+          <a:p>
+            <a:pPr marL="514325" lvl="1" indent="-171450">
+              <a:buFontTx/>
+              <a:buChar char="-"/>
+            </a:pPr>
+            <a:r>
+              <a:rPr lang="de-DE" dirty="0"/>
+              <a:t>Latex-</a:t>
+            </a:r>
+            <a:r>
+              <a:rPr lang="de-DE" dirty="0" err="1"/>
+              <a:t>doku</a:t>
+            </a:r>
+            <a:endParaRPr lang="de-DE" dirty="0"/>
+          </a:p>
+        </p:txBody>
+      </p:sp>
+      <p:sp>
+        <p:nvSpPr>
+          <p:cNvPr id="4" name="Foliennummernplatzhalter 3"/>
+          <p:cNvSpPr>
+            <a:spLocks noGrp="1"/>
+          </p:cNvSpPr>
+          <p:nvPr>
+            <p:ph type="sldNum" sz="quarter" idx="5"/>
+          </p:nvPr>
+        </p:nvSpPr>
+        <p:spPr/>
+        <p:txBody>
+          <a:bodyPr/>
+          <a:lstStyle/>
+          <a:p>
+            <a:fld id="{5ED54D14-BD7D-4C86-87A4-3C7AAB60AB5B}" type="slidenum">
+              <a:rPr lang="de-DE" smtClean="0"/>
+              <a:t>12</a:t>
+            </a:fld>
+            <a:endParaRPr lang="de-DE"/>
+          </a:p>
+        </p:txBody>
+      </p:sp>
+    </p:spTree>
+    <p:extLst>
+      <p:ext uri="{BB962C8B-B14F-4D97-AF65-F5344CB8AC3E}">
+        <p14:creationId xmlns:p14="http://schemas.microsoft.com/office/powerpoint/2010/main" val="208054719"/>
+      </p:ext>
+    </p:extLst>
+  </p:cSld>
+  <p:clrMapOvr>
+    <a:masterClrMapping/>
+  </p:clrMapOvr>
+</p:notes>
 </file>
 
 <file path=ppt/slideLayouts/slideLayout1.xml><?xml version="1.0" encoding="utf-8"?>
@@ -6982,6 +7335,41 @@
           </a:p>
         </p:txBody>
       </p:sp>
+      <p:sp>
+        <p:nvSpPr>
+          <p:cNvPr id="8" name="Textfeld 7">
+            <a:extLst>
+              <a:ext uri="{FF2B5EF4-FFF2-40B4-BE49-F238E27FC236}">
+                <a16:creationId xmlns:a16="http://schemas.microsoft.com/office/drawing/2014/main" id="{AE9E72B9-3695-4FA7-B8D0-9D67FC5E6807}"/>
+              </a:ext>
+            </a:extLst>
+          </p:cNvPr>
+          <p:cNvSpPr txBox="1"/>
+          <p:nvPr/>
+        </p:nvSpPr>
+        <p:spPr>
+          <a:xfrm>
+            <a:off x="8316416" y="4390169"/>
+            <a:ext cx="643125" cy="307777"/>
+          </a:xfrm>
+          <a:prstGeom prst="rect">
+            <a:avLst/>
+          </a:prstGeom>
+          <a:noFill/>
+        </p:spPr>
+        <p:txBody>
+          <a:bodyPr wrap="none" rtlCol="0">
+            <a:spAutoFit/>
+          </a:bodyPr>
+          <a:lstStyle/>
+          <a:p>
+            <a:r>
+              <a:rPr lang="de-DE" dirty="0"/>
+              <a:t>[2][4]</a:t>
+            </a:r>
+          </a:p>
+        </p:txBody>
+      </p:sp>
     </p:spTree>
     <p:extLst>
       <p:ext uri="{BB962C8B-B14F-4D97-AF65-F5344CB8AC3E}">
@@ -7014,64 +7402,6 @@
       </p:grpSpPr>
       <p:sp>
         <p:nvSpPr>
-          <p:cNvPr id="2" name="Datumsplatzhalter 1">
-            <a:extLst>
-              <a:ext uri="{FF2B5EF4-FFF2-40B4-BE49-F238E27FC236}">
-                <a16:creationId xmlns:a16="http://schemas.microsoft.com/office/drawing/2014/main" id="{4F3840CC-E4CB-4A43-9090-6348EDBF77E7}"/>
-              </a:ext>
-            </a:extLst>
-          </p:cNvPr>
-          <p:cNvSpPr>
-            <a:spLocks noGrp="1"/>
-          </p:cNvSpPr>
-          <p:nvPr>
-            <p:ph type="dt" sz="half" idx="10"/>
-          </p:nvPr>
-        </p:nvSpPr>
-        <p:spPr/>
-        <p:txBody>
-          <a:bodyPr/>
-          <a:lstStyle/>
-          <a:p>
-            <a:r>
-              <a:rPr lang="de-DE"/>
-              <a:t>14.07.2016</a:t>
-            </a:r>
-            <a:endParaRPr lang="de-DE" dirty="0"/>
-          </a:p>
-        </p:txBody>
-      </p:sp>
-      <p:sp>
-        <p:nvSpPr>
-          <p:cNvPr id="3" name="Fußzeilenplatzhalter 2">
-            <a:extLst>
-              <a:ext uri="{FF2B5EF4-FFF2-40B4-BE49-F238E27FC236}">
-                <a16:creationId xmlns:a16="http://schemas.microsoft.com/office/drawing/2014/main" id="{C4CD6D14-D0BA-44C1-9F09-D76F2A85C432}"/>
-              </a:ext>
-            </a:extLst>
-          </p:cNvPr>
-          <p:cNvSpPr>
-            <a:spLocks noGrp="1"/>
-          </p:cNvSpPr>
-          <p:nvPr>
-            <p:ph type="ftr" sz="quarter" idx="11"/>
-          </p:nvPr>
-        </p:nvSpPr>
-        <p:spPr/>
-        <p:txBody>
-          <a:bodyPr/>
-          <a:lstStyle/>
-          <a:p>
-            <a:r>
-              <a:rPr lang="de-DE"/>
-              <a:t>Vorlagen PPT der OTH Regensburg - Format 16x9</a:t>
-            </a:r>
-            <a:endParaRPr lang="de-DE" dirty="0"/>
-          </a:p>
-        </p:txBody>
-      </p:sp>
-      <p:sp>
-        <p:nvSpPr>
           <p:cNvPr id="4" name="Foliennummernplatzhalter 3">
             <a:extLst>
               <a:ext uri="{FF2B5EF4-FFF2-40B4-BE49-F238E27FC236}">
@@ -7125,10 +7455,512 @@
           <a:bodyPr/>
           <a:lstStyle/>
           <a:p>
-            <a:r>
-              <a:rPr lang="de-DE" dirty="0"/>
-              <a:t>- </a:t>
-            </a:r>
+            <a:pPr marL="285750" indent="-285750">
+              <a:buFontTx/>
+              <a:buChar char="-"/>
+            </a:pPr>
+            <a:r>
+              <a:rPr lang="de-DE" dirty="0"/>
+              <a:t>Docker </a:t>
+            </a:r>
+            <a:r>
+              <a:rPr lang="de-DE" dirty="0" err="1"/>
+              <a:t>is</a:t>
+            </a:r>
+            <a:r>
+              <a:rPr lang="de-DE" dirty="0"/>
+              <a:t> </a:t>
+            </a:r>
+            <a:r>
+              <a:rPr lang="de-DE" dirty="0" err="1"/>
+              <a:t>used</a:t>
+            </a:r>
+            <a:r>
+              <a:rPr lang="de-DE" dirty="0"/>
+              <a:t> </a:t>
+            </a:r>
+            <a:r>
+              <a:rPr lang="de-DE" dirty="0" err="1"/>
+              <a:t>as</a:t>
+            </a:r>
+            <a:r>
+              <a:rPr lang="de-DE" dirty="0"/>
+              <a:t> </a:t>
+            </a:r>
+            <a:r>
+              <a:rPr lang="de-DE" dirty="0" err="1"/>
+              <a:t>encapsulated</a:t>
+            </a:r>
+            <a:r>
+              <a:rPr lang="de-DE" dirty="0"/>
+              <a:t> </a:t>
+            </a:r>
+            <a:r>
+              <a:rPr lang="de-DE" dirty="0" err="1"/>
+              <a:t>envirement</a:t>
+            </a:r>
+            <a:r>
+              <a:rPr lang="de-DE" dirty="0"/>
+              <a:t> (</a:t>
+            </a:r>
+            <a:r>
+              <a:rPr lang="de-DE" dirty="0" err="1"/>
+              <a:t>container</a:t>
+            </a:r>
+            <a:r>
+              <a:rPr lang="de-DE" dirty="0"/>
+              <a:t>)</a:t>
+            </a:r>
+          </a:p>
+          <a:p>
+            <a:pPr marL="652436" lvl="1" indent="-285750">
+              <a:buFontTx/>
+              <a:buChar char="-"/>
+            </a:pPr>
+            <a:r>
+              <a:rPr lang="de-DE" dirty="0" err="1"/>
+              <a:t>For</a:t>
+            </a:r>
+            <a:r>
+              <a:rPr lang="de-DE" dirty="0"/>
+              <a:t> </a:t>
+            </a:r>
+            <a:r>
+              <a:rPr lang="de-DE" dirty="0" err="1"/>
+              <a:t>developing</a:t>
+            </a:r>
+            <a:r>
+              <a:rPr lang="de-DE" dirty="0"/>
+              <a:t>, </a:t>
+            </a:r>
+            <a:r>
+              <a:rPr lang="de-DE" dirty="0" err="1"/>
+              <a:t>shipping</a:t>
+            </a:r>
+            <a:r>
+              <a:rPr lang="de-DE" dirty="0"/>
+              <a:t> and </a:t>
+            </a:r>
+            <a:r>
+              <a:rPr lang="de-DE" dirty="0" err="1"/>
+              <a:t>running</a:t>
+            </a:r>
+            <a:r>
+              <a:rPr lang="de-DE" dirty="0"/>
+              <a:t> </a:t>
+            </a:r>
+            <a:r>
+              <a:rPr lang="de-DE" dirty="0" err="1"/>
+              <a:t>applications</a:t>
+            </a:r>
+            <a:endParaRPr lang="de-DE" dirty="0"/>
+          </a:p>
+          <a:p>
+            <a:pPr marL="652436" lvl="1" indent="-285750">
+              <a:buFontTx/>
+              <a:buChar char="-"/>
+            </a:pPr>
+            <a:r>
+              <a:rPr lang="de-DE" dirty="0"/>
+              <a:t>Easy </a:t>
+            </a:r>
+            <a:r>
+              <a:rPr lang="de-DE" dirty="0" err="1"/>
+              <a:t>to</a:t>
+            </a:r>
+            <a:r>
+              <a:rPr lang="de-DE" dirty="0"/>
+              <a:t> </a:t>
+            </a:r>
+            <a:r>
+              <a:rPr lang="de-DE" dirty="0" err="1"/>
+              <a:t>share</a:t>
+            </a:r>
+            <a:r>
+              <a:rPr lang="de-DE" dirty="0"/>
+              <a:t> </a:t>
+            </a:r>
+            <a:r>
+              <a:rPr lang="de-DE" dirty="0" err="1"/>
+              <a:t>the</a:t>
+            </a:r>
+            <a:r>
+              <a:rPr lang="de-DE" dirty="0"/>
+              <a:t> same </a:t>
+            </a:r>
+            <a:r>
+              <a:rPr lang="de-DE" dirty="0" err="1"/>
+              <a:t>contend</a:t>
+            </a:r>
+            <a:r>
+              <a:rPr lang="de-DE" dirty="0"/>
+              <a:t> 	</a:t>
+            </a:r>
+          </a:p>
+          <a:p>
+            <a:pPr marL="652436" lvl="1" indent="-285750">
+              <a:buFontTx/>
+              <a:buChar char="-"/>
+            </a:pPr>
+            <a:r>
+              <a:rPr lang="de-DE" dirty="0"/>
+              <a:t>An </a:t>
+            </a:r>
+            <a:r>
+              <a:rPr lang="de-DE" dirty="0" err="1"/>
+              <a:t>image</a:t>
+            </a:r>
+            <a:r>
+              <a:rPr lang="de-DE" dirty="0"/>
+              <a:t> </a:t>
+            </a:r>
+            <a:r>
+              <a:rPr lang="de-DE" dirty="0" err="1"/>
+              <a:t>is</a:t>
+            </a:r>
+            <a:r>
+              <a:rPr lang="de-DE" dirty="0"/>
+              <a:t> a </a:t>
+            </a:r>
+            <a:r>
+              <a:rPr lang="de-DE" dirty="0" err="1"/>
+              <a:t>read</a:t>
+            </a:r>
+            <a:r>
+              <a:rPr lang="de-DE" dirty="0"/>
+              <a:t> </a:t>
+            </a:r>
+            <a:r>
+              <a:rPr lang="de-DE" dirty="0" err="1"/>
+              <a:t>only</a:t>
+            </a:r>
+            <a:r>
+              <a:rPr lang="de-DE" dirty="0"/>
+              <a:t> </a:t>
+            </a:r>
+            <a:r>
+              <a:rPr lang="de-DE" dirty="0" err="1"/>
+              <a:t>template</a:t>
+            </a:r>
+            <a:endParaRPr lang="de-DE" dirty="0"/>
+          </a:p>
+          <a:p>
+            <a:pPr marL="652436" lvl="1" indent="-285750">
+              <a:buFontTx/>
+              <a:buChar char="-"/>
+            </a:pPr>
+            <a:r>
+              <a:rPr lang="de-DE" dirty="0"/>
+              <a:t>A </a:t>
+            </a:r>
+            <a:r>
+              <a:rPr lang="de-DE" dirty="0" err="1"/>
+              <a:t>container</a:t>
+            </a:r>
+            <a:r>
+              <a:rPr lang="de-DE" dirty="0"/>
+              <a:t> </a:t>
+            </a:r>
+            <a:r>
+              <a:rPr lang="de-DE" dirty="0" err="1"/>
+              <a:t>is</a:t>
+            </a:r>
+            <a:r>
+              <a:rPr lang="de-DE" dirty="0"/>
+              <a:t> a </a:t>
+            </a:r>
+            <a:r>
+              <a:rPr lang="de-DE" dirty="0" err="1"/>
+              <a:t>runable</a:t>
+            </a:r>
+            <a:r>
+              <a:rPr lang="de-DE" dirty="0"/>
+              <a:t> </a:t>
+            </a:r>
+            <a:r>
+              <a:rPr lang="de-DE" dirty="0" err="1"/>
+              <a:t>instance</a:t>
+            </a:r>
+            <a:r>
+              <a:rPr lang="de-DE" dirty="0"/>
+              <a:t> </a:t>
+            </a:r>
+            <a:r>
+              <a:rPr lang="de-DE" dirty="0" err="1"/>
+              <a:t>of</a:t>
+            </a:r>
+            <a:r>
+              <a:rPr lang="de-DE" dirty="0"/>
+              <a:t> </a:t>
+            </a:r>
+            <a:r>
+              <a:rPr lang="de-DE" dirty="0" err="1"/>
+              <a:t>the</a:t>
+            </a:r>
+            <a:r>
+              <a:rPr lang="de-DE" dirty="0"/>
+              <a:t> </a:t>
+            </a:r>
+            <a:r>
+              <a:rPr lang="de-DE" dirty="0" err="1"/>
+              <a:t>image</a:t>
+            </a:r>
+            <a:endParaRPr lang="de-DE" dirty="0"/>
+          </a:p>
+          <a:p>
+            <a:pPr marL="652436" lvl="1" indent="-285750">
+              <a:buFontTx/>
+              <a:buChar char="-"/>
+            </a:pPr>
+            <a:endParaRPr lang="de-DE" dirty="0"/>
+          </a:p>
+          <a:p>
+            <a:pPr marL="285750" indent="-285750">
+              <a:buFontTx/>
+              <a:buChar char="-"/>
+            </a:pPr>
+            <a:r>
+              <a:rPr lang="de-DE" dirty="0"/>
+              <a:t>The </a:t>
+            </a:r>
+            <a:r>
+              <a:rPr lang="de-DE" dirty="0" err="1"/>
+              <a:t>container</a:t>
+            </a:r>
+            <a:r>
+              <a:rPr lang="de-DE" dirty="0"/>
+              <a:t> </a:t>
+            </a:r>
+            <a:r>
+              <a:rPr lang="de-DE" dirty="0" err="1"/>
+              <a:t>of</a:t>
+            </a:r>
+            <a:r>
+              <a:rPr lang="de-DE" dirty="0"/>
+              <a:t> </a:t>
+            </a:r>
+            <a:r>
+              <a:rPr lang="de-DE" dirty="0" err="1"/>
+              <a:t>the</a:t>
+            </a:r>
+            <a:r>
+              <a:rPr lang="de-DE" dirty="0"/>
+              <a:t> repro-</a:t>
+            </a:r>
+            <a:r>
+              <a:rPr lang="de-DE" dirty="0" err="1"/>
+              <a:t>package</a:t>
+            </a:r>
+            <a:r>
+              <a:rPr lang="de-DE" dirty="0"/>
+              <a:t>:</a:t>
+            </a:r>
+          </a:p>
+          <a:p>
+            <a:pPr marL="652436" lvl="1" indent="-285750">
+              <a:buFontTx/>
+              <a:buChar char="-"/>
+            </a:pPr>
+            <a:r>
+              <a:rPr lang="de-DE" dirty="0"/>
+              <a:t>Holds </a:t>
+            </a:r>
+            <a:r>
+              <a:rPr lang="de-DE" dirty="0" err="1"/>
+              <a:t>the</a:t>
+            </a:r>
+            <a:r>
+              <a:rPr lang="de-DE" dirty="0"/>
+              <a:t> hole </a:t>
+            </a:r>
+            <a:r>
+              <a:rPr lang="de-DE" dirty="0" err="1"/>
+              <a:t>setup</a:t>
+            </a:r>
+            <a:r>
+              <a:rPr lang="de-DE" dirty="0"/>
+              <a:t> (</a:t>
+            </a:r>
+            <a:r>
+              <a:rPr lang="de-DE" dirty="0" err="1"/>
+              <a:t>data</a:t>
+            </a:r>
+            <a:r>
+              <a:rPr lang="de-DE" dirty="0"/>
+              <a:t>, </a:t>
+            </a:r>
+            <a:r>
+              <a:rPr lang="de-DE" dirty="0" err="1"/>
+              <a:t>sourcecode</a:t>
+            </a:r>
+            <a:r>
+              <a:rPr lang="de-DE" dirty="0"/>
+              <a:t>, </a:t>
+            </a:r>
+            <a:r>
+              <a:rPr lang="de-DE" dirty="0" err="1"/>
+              <a:t>doku</a:t>
+            </a:r>
+            <a:r>
+              <a:rPr lang="de-DE" dirty="0"/>
+              <a:t>) </a:t>
+            </a:r>
+          </a:p>
+          <a:p>
+            <a:pPr marL="652436" lvl="1" indent="-285750">
+              <a:buFontTx/>
+              <a:buChar char="-"/>
+            </a:pPr>
+            <a:r>
+              <a:rPr lang="de-DE" dirty="0" err="1"/>
+              <a:t>During</a:t>
+            </a:r>
+            <a:r>
+              <a:rPr lang="de-DE" dirty="0"/>
+              <a:t> </a:t>
+            </a:r>
+            <a:r>
+              <a:rPr lang="de-DE" dirty="0" err="1"/>
+              <a:t>build</a:t>
+            </a:r>
+            <a:r>
+              <a:rPr lang="de-DE" dirty="0"/>
+              <a:t>-prozess all </a:t>
+            </a:r>
+            <a:r>
+              <a:rPr lang="de-DE" dirty="0" err="1"/>
+              <a:t>tools</a:t>
+            </a:r>
+            <a:r>
+              <a:rPr lang="de-DE" dirty="0"/>
+              <a:t> </a:t>
+            </a:r>
+            <a:r>
+              <a:rPr lang="de-DE" dirty="0" err="1"/>
+              <a:t>are</a:t>
+            </a:r>
+            <a:r>
+              <a:rPr lang="de-DE" dirty="0"/>
+              <a:t> </a:t>
+            </a:r>
+            <a:r>
+              <a:rPr lang="de-DE" dirty="0" err="1"/>
+              <a:t>installed</a:t>
+            </a:r>
+            <a:r>
+              <a:rPr lang="de-DE" dirty="0"/>
+              <a:t> and </a:t>
+            </a:r>
+            <a:r>
+              <a:rPr lang="de-DE" dirty="0" err="1"/>
+              <a:t>the</a:t>
+            </a:r>
+            <a:r>
+              <a:rPr lang="de-DE" dirty="0"/>
+              <a:t> </a:t>
+            </a:r>
+            <a:r>
+              <a:rPr lang="de-DE" dirty="0" err="1"/>
+              <a:t>setup</a:t>
+            </a:r>
+            <a:r>
+              <a:rPr lang="de-DE" dirty="0"/>
+              <a:t> </a:t>
+            </a:r>
+            <a:r>
+              <a:rPr lang="de-DE" dirty="0" err="1"/>
+              <a:t>is</a:t>
+            </a:r>
+            <a:r>
+              <a:rPr lang="de-DE" dirty="0"/>
+              <a:t> </a:t>
+            </a:r>
+            <a:r>
+              <a:rPr lang="de-DE" dirty="0" err="1"/>
+              <a:t>copied</a:t>
+            </a:r>
+            <a:r>
+              <a:rPr lang="de-DE" dirty="0"/>
+              <a:t> </a:t>
+            </a:r>
+            <a:r>
+              <a:rPr lang="de-DE" dirty="0" err="1"/>
+              <a:t>into</a:t>
+            </a:r>
+            <a:r>
+              <a:rPr lang="de-DE" dirty="0"/>
+              <a:t> </a:t>
+            </a:r>
+          </a:p>
+          <a:p>
+            <a:pPr marL="652436" lvl="1" indent="-285750">
+              <a:buFontTx/>
+              <a:buChar char="-"/>
+            </a:pPr>
+            <a:r>
+              <a:rPr lang="de-DE" dirty="0"/>
+              <a:t>The </a:t>
+            </a:r>
+            <a:r>
+              <a:rPr lang="de-DE" dirty="0" err="1"/>
+              <a:t>experiment</a:t>
+            </a:r>
+            <a:r>
+              <a:rPr lang="de-DE" dirty="0"/>
+              <a:t> </a:t>
+            </a:r>
+            <a:r>
+              <a:rPr lang="de-DE" dirty="0" err="1"/>
+              <a:t>starts</a:t>
+            </a:r>
+            <a:r>
+              <a:rPr lang="de-DE" dirty="0"/>
+              <a:t> </a:t>
+            </a:r>
+            <a:r>
+              <a:rPr lang="de-DE" dirty="0" err="1"/>
+              <a:t>automaticly</a:t>
+            </a:r>
+            <a:endParaRPr lang="de-DE" dirty="0"/>
+          </a:p>
+          <a:p>
+            <a:pPr marL="652436" lvl="1" indent="-285750">
+              <a:buFontTx/>
+              <a:buChar char="-"/>
+            </a:pPr>
+            <a:r>
+              <a:rPr lang="de-DE" dirty="0"/>
+              <a:t>The </a:t>
+            </a:r>
+            <a:r>
+              <a:rPr lang="de-DE" dirty="0" err="1"/>
+              <a:t>dokumentation</a:t>
+            </a:r>
+            <a:r>
+              <a:rPr lang="de-DE" dirty="0"/>
+              <a:t> </a:t>
+            </a:r>
+            <a:r>
+              <a:rPr lang="de-DE" dirty="0" err="1"/>
+              <a:t>are</a:t>
+            </a:r>
+            <a:r>
+              <a:rPr lang="de-DE" dirty="0"/>
+              <a:t> </a:t>
+            </a:r>
+            <a:r>
+              <a:rPr lang="de-DE" dirty="0" err="1"/>
+              <a:t>generated</a:t>
+            </a:r>
+            <a:r>
+              <a:rPr lang="de-DE" dirty="0"/>
+              <a:t> after </a:t>
+            </a:r>
+            <a:r>
+              <a:rPr lang="de-DE" dirty="0" err="1"/>
+              <a:t>that</a:t>
+            </a:r>
+            <a:endParaRPr lang="de-DE" dirty="0"/>
           </a:p>
         </p:txBody>
       </p:sp>
@@ -7153,6 +7985,34 @@
           <a:bodyPr/>
           <a:lstStyle/>
           <a:p>
+            <a:r>
+              <a:rPr lang="de-DE" dirty="0" err="1"/>
+              <a:t>Build</a:t>
+            </a:r>
+            <a:r>
+              <a:rPr lang="de-DE" dirty="0"/>
+              <a:t> and </a:t>
+            </a:r>
+            <a:r>
+              <a:rPr lang="de-DE" dirty="0" err="1"/>
+              <a:t>run</a:t>
+            </a:r>
+            <a:r>
+              <a:rPr lang="de-DE" dirty="0"/>
+              <a:t> </a:t>
+            </a:r>
+            <a:r>
+              <a:rPr lang="de-DE" dirty="0" err="1"/>
+              <a:t>the</a:t>
+            </a:r>
+            <a:r>
+              <a:rPr lang="de-DE" dirty="0"/>
+              <a:t> </a:t>
+            </a:r>
+            <a:r>
+              <a:rPr lang="de-DE" dirty="0" err="1"/>
+              <a:t>experiment</a:t>
+            </a:r>
             <a:endParaRPr lang="de-DE" dirty="0"/>
           </a:p>
         </p:txBody>
@@ -7181,6 +8041,41 @@
             <a:r>
               <a:rPr lang="de-DE" dirty="0"/>
               <a:t>Docker</a:t>
+            </a:r>
+          </a:p>
+        </p:txBody>
+      </p:sp>
+      <p:sp>
+        <p:nvSpPr>
+          <p:cNvPr id="8" name="Textfeld 7">
+            <a:extLst>
+              <a:ext uri="{FF2B5EF4-FFF2-40B4-BE49-F238E27FC236}">
+                <a16:creationId xmlns:a16="http://schemas.microsoft.com/office/drawing/2014/main" id="{A9C85F14-7823-49DC-9FFC-1244E26D38F1}"/>
+              </a:ext>
+            </a:extLst>
+          </p:cNvPr>
+          <p:cNvSpPr txBox="1"/>
+          <p:nvPr/>
+        </p:nvSpPr>
+        <p:spPr>
+          <a:xfrm>
+            <a:off x="8455816" y="4390169"/>
+            <a:ext cx="413896" cy="307777"/>
+          </a:xfrm>
+          <a:prstGeom prst="rect">
+            <a:avLst/>
+          </a:prstGeom>
+          <a:noFill/>
+        </p:spPr>
+        <p:txBody>
+          <a:bodyPr wrap="none" rtlCol="0">
+            <a:spAutoFit/>
+          </a:bodyPr>
+          <a:lstStyle/>
+          <a:p>
+            <a:r>
+              <a:rPr lang="de-DE" dirty="0"/>
+              <a:t>[3]</a:t>
             </a:r>
           </a:p>
         </p:txBody>
@@ -7270,7 +8165,197 @@
           <a:bodyPr/>
           <a:lstStyle/>
           <a:p>
-            <a:endParaRPr lang="de-DE"/>
+            <a:r>
+              <a:rPr lang="de-DE" dirty="0" err="1"/>
+              <a:t>Git</a:t>
+            </a:r>
+            <a:r>
+              <a:rPr lang="de-DE" dirty="0"/>
+              <a:t> and GitHub:</a:t>
+            </a:r>
+          </a:p>
+          <a:p>
+            <a:pPr marL="285750" indent="-285750">
+              <a:buFont typeface="Symbol" panose="05050102010706020507" pitchFamily="18" charset="2"/>
+              <a:buChar char="-"/>
+            </a:pPr>
+            <a:r>
+              <a:rPr lang="de-DE" dirty="0" err="1"/>
+              <a:t>For</a:t>
+            </a:r>
+            <a:r>
+              <a:rPr lang="de-DE" dirty="0"/>
+              <a:t> a </a:t>
+            </a:r>
+            <a:r>
+              <a:rPr lang="de-DE" dirty="0" err="1"/>
+              <a:t>traceable</a:t>
+            </a:r>
+            <a:r>
+              <a:rPr lang="de-DE" dirty="0"/>
+              <a:t> </a:t>
+            </a:r>
+            <a:r>
+              <a:rPr lang="de-DE" dirty="0" err="1"/>
+              <a:t>project</a:t>
+            </a:r>
+            <a:r>
+              <a:rPr lang="de-DE" dirty="0"/>
+              <a:t> </a:t>
+            </a:r>
+            <a:r>
+              <a:rPr lang="de-DE" dirty="0" err="1"/>
+              <a:t>history</a:t>
+            </a:r>
+            <a:endParaRPr lang="de-DE" dirty="0"/>
+          </a:p>
+          <a:p>
+            <a:pPr marL="285750" indent="-285750">
+              <a:buFont typeface="Symbol" panose="05050102010706020507" pitchFamily="18" charset="2"/>
+              <a:buChar char="-"/>
+            </a:pPr>
+            <a:r>
+              <a:rPr lang="de-DE" dirty="0" err="1"/>
+              <a:t>To</a:t>
+            </a:r>
+            <a:r>
+              <a:rPr lang="de-DE" dirty="0"/>
+              <a:t> </a:t>
+            </a:r>
+            <a:r>
+              <a:rPr lang="de-DE" dirty="0" err="1"/>
+              <a:t>organize</a:t>
+            </a:r>
+            <a:r>
+              <a:rPr lang="de-DE" dirty="0"/>
+              <a:t> </a:t>
+            </a:r>
+            <a:r>
+              <a:rPr lang="de-DE" dirty="0" err="1"/>
+              <a:t>the</a:t>
+            </a:r>
+            <a:r>
+              <a:rPr lang="de-DE" dirty="0"/>
+              <a:t> </a:t>
+            </a:r>
+            <a:r>
+              <a:rPr lang="de-DE" dirty="0" err="1"/>
+              <a:t>project</a:t>
+            </a:r>
+            <a:r>
+              <a:rPr lang="de-DE" dirty="0"/>
+              <a:t> in </a:t>
+            </a:r>
+            <a:r>
+              <a:rPr lang="de-DE" dirty="0" err="1"/>
+              <a:t>the</a:t>
+            </a:r>
+            <a:r>
+              <a:rPr lang="de-DE" dirty="0"/>
+              <a:t> </a:t>
+            </a:r>
+            <a:r>
+              <a:rPr lang="de-DE" dirty="0" err="1"/>
+              <a:t>team</a:t>
+            </a:r>
+            <a:endParaRPr lang="de-DE" dirty="0"/>
+          </a:p>
+          <a:p>
+            <a:pPr marL="285750" indent="-285750">
+              <a:buFont typeface="Symbol" panose="05050102010706020507" pitchFamily="18" charset="2"/>
+              <a:buChar char="-"/>
+            </a:pPr>
+            <a:r>
+              <a:rPr lang="de-DE" dirty="0" err="1"/>
+              <a:t>No</a:t>
+            </a:r>
+            <a:r>
+              <a:rPr lang="de-DE" dirty="0"/>
+              <a:t> </a:t>
+            </a:r>
+            <a:r>
+              <a:rPr lang="de-DE" dirty="0" err="1"/>
+              <a:t>garantee</a:t>
+            </a:r>
+            <a:r>
+              <a:rPr lang="de-DE" dirty="0"/>
+              <a:t> </a:t>
+            </a:r>
+            <a:r>
+              <a:rPr lang="de-DE" dirty="0" err="1"/>
+              <a:t>for</a:t>
+            </a:r>
+            <a:r>
+              <a:rPr lang="de-DE" dirty="0"/>
+              <a:t> </a:t>
+            </a:r>
+            <a:r>
+              <a:rPr lang="de-DE" dirty="0" err="1"/>
+              <a:t>long</a:t>
+            </a:r>
+            <a:r>
+              <a:rPr lang="de-DE" dirty="0"/>
+              <a:t>-term </a:t>
+            </a:r>
+            <a:r>
+              <a:rPr lang="de-DE" dirty="0" err="1"/>
+              <a:t>documentation</a:t>
+            </a:r>
+            <a:r>
+              <a:rPr lang="de-DE" dirty="0"/>
+              <a:t> at GitHub</a:t>
+            </a:r>
+          </a:p>
+          <a:p>
+            <a:pPr marL="285750" indent="-285750">
+              <a:buFont typeface="Symbol" panose="05050102010706020507" pitchFamily="18" charset="2"/>
+              <a:buChar char="-"/>
+            </a:pPr>
+            <a:endParaRPr lang="de-DE" dirty="0"/>
+          </a:p>
+          <a:p>
+            <a:r>
+              <a:rPr lang="de-DE" dirty="0" err="1"/>
+              <a:t>Zenodo</a:t>
+            </a:r>
+            <a:endParaRPr lang="de-DE" dirty="0"/>
+          </a:p>
+          <a:p>
+            <a:pPr marL="285750" indent="-285750">
+              <a:buFont typeface="Symbol" panose="05050102010706020507" pitchFamily="18" charset="2"/>
+              <a:buChar char="-"/>
+            </a:pPr>
+            <a:r>
+              <a:rPr lang="en-US" dirty="0"/>
+              <a:t>financed by public funds from the EU</a:t>
+            </a:r>
+          </a:p>
+          <a:p>
+            <a:pPr marL="285750" indent="-285750">
+              <a:buFont typeface="Symbol" panose="05050102010706020507" pitchFamily="18" charset="2"/>
+              <a:buChar char="-"/>
+            </a:pPr>
+            <a:r>
+              <a:rPr lang="en-US" dirty="0"/>
+              <a:t>Link to a releases of the project/experiment</a:t>
+            </a:r>
+          </a:p>
+          <a:p>
+            <a:pPr marL="285750" indent="-285750">
+              <a:buFont typeface="Symbol" panose="05050102010706020507" pitchFamily="18" charset="2"/>
+              <a:buChar char="-"/>
+            </a:pPr>
+            <a:r>
+              <a:rPr lang="en-US" dirty="0"/>
+              <a:t>referenceable by other researchers with a DOI </a:t>
+            </a:r>
+          </a:p>
+          <a:p>
+            <a:pPr marL="285750" indent="-285750">
+              <a:buFontTx/>
+              <a:buChar char="-"/>
+            </a:pPr>
+            <a:endParaRPr lang="de-DE" dirty="0"/>
           </a:p>
         </p:txBody>
       </p:sp>
@@ -7295,7 +8380,35 @@
           <a:bodyPr/>
           <a:lstStyle/>
           <a:p>
-            <a:endParaRPr lang="de-DE"/>
+            <a:r>
+              <a:rPr lang="de-DE" dirty="0" err="1"/>
+              <a:t>History</a:t>
+            </a:r>
+            <a:r>
+              <a:rPr lang="de-DE" dirty="0"/>
+              <a:t> and </a:t>
+            </a:r>
+            <a:r>
+              <a:rPr lang="de-DE" dirty="0" err="1"/>
+              <a:t>long</a:t>
+            </a:r>
+            <a:r>
+              <a:rPr lang="de-DE" dirty="0"/>
+              <a:t> </a:t>
+            </a:r>
+            <a:r>
+              <a:rPr lang="de-DE" dirty="0" err="1"/>
+              <a:t>term</a:t>
+            </a:r>
+            <a:r>
+              <a:rPr lang="de-DE" dirty="0"/>
+              <a:t> </a:t>
+            </a:r>
+            <a:r>
+              <a:rPr lang="de-DE" dirty="0" err="1"/>
+              <a:t>availability</a:t>
+            </a:r>
+            <a:endParaRPr lang="de-DE" dirty="0"/>
           </a:p>
         </p:txBody>
       </p:sp>
@@ -7331,10 +8444,349 @@
           </a:p>
         </p:txBody>
       </p:sp>
+      <p:sp>
+        <p:nvSpPr>
+          <p:cNvPr id="2" name="Textfeld 1">
+            <a:extLst>
+              <a:ext uri="{FF2B5EF4-FFF2-40B4-BE49-F238E27FC236}">
+                <a16:creationId xmlns:a16="http://schemas.microsoft.com/office/drawing/2014/main" id="{6300362B-B779-45DA-BB3D-72F44E925707}"/>
+              </a:ext>
+            </a:extLst>
+          </p:cNvPr>
+          <p:cNvSpPr txBox="1"/>
+          <p:nvPr/>
+        </p:nvSpPr>
+        <p:spPr>
+          <a:xfrm>
+            <a:off x="8316416" y="4390169"/>
+            <a:ext cx="720080" cy="307777"/>
+          </a:xfrm>
+          <a:prstGeom prst="rect">
+            <a:avLst/>
+          </a:prstGeom>
+          <a:noFill/>
+        </p:spPr>
+        <p:txBody>
+          <a:bodyPr wrap="square" rtlCol="0">
+            <a:spAutoFit/>
+          </a:bodyPr>
+          <a:lstStyle/>
+          <a:p>
+            <a:r>
+              <a:rPr lang="de-DE" dirty="0"/>
+              <a:t>[5][6]</a:t>
+            </a:r>
+          </a:p>
+        </p:txBody>
+      </p:sp>
     </p:spTree>
     <p:extLst>
       <p:ext uri="{BB962C8B-B14F-4D97-AF65-F5344CB8AC3E}">
         <p14:creationId xmlns:p14="http://schemas.microsoft.com/office/powerpoint/2010/main" val="2544547574"/>
+      </p:ext>
+    </p:extLst>
+  </p:cSld>
+  <p:clrMapOvr>
+    <a:masterClrMapping/>
+  </p:clrMapOvr>
+</p:sld>
+</file>
+
+<file path=ppt/slides/slide14.xml><?xml version="1.0" encoding="utf-8"?>
+<p:sld xmlns:a="http://schemas.openxmlformats.org/drawingml/2006/main" xmlns:r="http://schemas.openxmlformats.org/officeDocument/2006/relationships" xmlns:p="http://schemas.openxmlformats.org/presentationml/2006/main">
+  <p:cSld>
+    <p:spTree>
+      <p:nvGrpSpPr>
+        <p:cNvPr id="1" name=""/>
+        <p:cNvGrpSpPr/>
+        <p:nvPr/>
+      </p:nvGrpSpPr>
+      <p:grpSpPr>
+        <a:xfrm>
+          <a:off x="0" y="0"/>
+          <a:ext cx="0" cy="0"/>
+          <a:chOff x="0" y="0"/>
+          <a:chExt cx="0" cy="0"/>
+        </a:xfrm>
+      </p:grpSpPr>
+      <p:sp>
+        <p:nvSpPr>
+          <p:cNvPr id="4" name="Foliennummernplatzhalter 3">
+            <a:extLst>
+              <a:ext uri="{FF2B5EF4-FFF2-40B4-BE49-F238E27FC236}">
+                <a16:creationId xmlns:a16="http://schemas.microsoft.com/office/drawing/2014/main" id="{E4AE2414-31B0-4AFA-92DB-FC56DB203B61}"/>
+              </a:ext>
+            </a:extLst>
+          </p:cNvPr>
+          <p:cNvSpPr>
+            <a:spLocks noGrp="1"/>
+          </p:cNvSpPr>
+          <p:nvPr>
+            <p:ph type="sldNum" sz="quarter" idx="12"/>
+          </p:nvPr>
+        </p:nvSpPr>
+        <p:spPr/>
+        <p:txBody>
+          <a:bodyPr/>
+          <a:lstStyle/>
+          <a:p>
+            <a:r>
+              <a:rPr lang="de-DE"/>
+              <a:t>S. </a:t>
+            </a:r>
+            <a:fld id="{D7EFD9E5-FB44-4C01-A2C2-48348664E7CC}" type="slidenum">
+              <a:rPr lang="de-DE" smtClean="0"/>
+              <a:pPr/>
+              <a:t>14</a:t>
+            </a:fld>
+            <a:endParaRPr lang="de-DE" dirty="0"/>
+          </a:p>
+        </p:txBody>
+      </p:sp>
+      <p:sp>
+        <p:nvSpPr>
+          <p:cNvPr id="5" name="Inhaltsplatzhalter 4">
+            <a:extLst>
+              <a:ext uri="{FF2B5EF4-FFF2-40B4-BE49-F238E27FC236}">
+                <a16:creationId xmlns:a16="http://schemas.microsoft.com/office/drawing/2014/main" id="{050FA6EC-7EFF-4BD5-B8B6-2BEEE1EF47B5}"/>
+              </a:ext>
+            </a:extLst>
+          </p:cNvPr>
+          <p:cNvSpPr>
+            <a:spLocks noGrp="1"/>
+          </p:cNvSpPr>
+          <p:nvPr>
+            <p:ph idx="1"/>
+          </p:nvPr>
+        </p:nvSpPr>
+        <p:spPr/>
+        <p:txBody>
+          <a:bodyPr>
+            <a:normAutofit fontScale="92500"/>
+          </a:bodyPr>
+          <a:lstStyle/>
+          <a:p>
+            <a:r>
+              <a:rPr lang="de-DE" dirty="0"/>
+              <a:t>[1] Michael Milton, ”</a:t>
+            </a:r>
+            <a:r>
+              <a:rPr lang="de-DE" dirty="0" err="1"/>
+              <a:t>Optimization</a:t>
+            </a:r>
+            <a:r>
+              <a:rPr lang="de-DE" dirty="0"/>
+              <a:t>: Take </a:t>
+            </a:r>
+            <a:r>
+              <a:rPr lang="de-DE" dirty="0" err="1"/>
+              <a:t>It</a:t>
+            </a:r>
+            <a:r>
+              <a:rPr lang="de-DE" dirty="0"/>
+              <a:t> </a:t>
+            </a:r>
+            <a:r>
+              <a:rPr lang="de-DE" dirty="0" err="1"/>
+              <a:t>to</a:t>
+            </a:r>
+            <a:r>
+              <a:rPr lang="de-DE" dirty="0"/>
+              <a:t> </a:t>
+            </a:r>
+            <a:r>
+              <a:rPr lang="de-DE" dirty="0" err="1"/>
+              <a:t>the</a:t>
+            </a:r>
+            <a:r>
+              <a:rPr lang="de-DE" dirty="0"/>
+              <a:t> Max,” in Head First Data Analysis, O’Reilly Media </a:t>
+            </a:r>
+            <a:r>
+              <a:rPr lang="de-DE" dirty="0" err="1"/>
+              <a:t>Inc</a:t>
+            </a:r>
+            <a:r>
+              <a:rPr lang="de-DE" dirty="0"/>
+              <a:t>, 2009, pp. 75-109</a:t>
+            </a:r>
+          </a:p>
+          <a:p>
+            <a:endParaRPr lang="de-DE" dirty="0"/>
+          </a:p>
+          <a:p>
+            <a:r>
+              <a:rPr lang="de-DE" dirty="0"/>
+              <a:t>[2] Microsoft, 2022, https://support.microsoft.com/enus/office/define-and-solve-a problem-by-usingsolver-5d1a388f-079d-43ac-a7eb-f63e45925040 (</a:t>
+            </a:r>
+            <a:r>
+              <a:rPr lang="de-DE" dirty="0" err="1"/>
+              <a:t>accessed</a:t>
+            </a:r>
+            <a:r>
+              <a:rPr lang="de-DE" dirty="0"/>
+              <a:t> on 03.02.2022)</a:t>
+            </a:r>
+          </a:p>
+          <a:p>
+            <a:endParaRPr lang="de-DE" dirty="0"/>
+          </a:p>
+          <a:p>
+            <a:r>
+              <a:rPr lang="de-DE" dirty="0"/>
+              <a:t>[3] Docker Docs, 2021, https://docs.docker.com/getstarted/overview/ (</a:t>
+            </a:r>
+            <a:r>
+              <a:rPr lang="de-DE" dirty="0" err="1"/>
+              <a:t>accessed</a:t>
+            </a:r>
+            <a:r>
+              <a:rPr lang="de-DE" dirty="0"/>
+              <a:t> on 13.02.2022)</a:t>
+            </a:r>
+          </a:p>
+          <a:p>
+            <a:endParaRPr lang="de-DE" dirty="0"/>
+          </a:p>
+          <a:p>
+            <a:r>
+              <a:rPr lang="de-DE" dirty="0"/>
+              <a:t>[4] The </a:t>
+            </a:r>
+            <a:r>
+              <a:rPr lang="de-DE" dirty="0" err="1"/>
+              <a:t>Matplotlib</a:t>
+            </a:r>
+            <a:r>
+              <a:rPr lang="de-DE" dirty="0"/>
+              <a:t> Development </a:t>
+            </a:r>
+            <a:r>
+              <a:rPr lang="de-DE" dirty="0" err="1"/>
+              <a:t>team</a:t>
+            </a:r>
+            <a:r>
+              <a:rPr lang="de-DE" dirty="0"/>
+              <a:t>, 2021 https://matplotlib.org/ (</a:t>
+            </a:r>
+            <a:r>
+              <a:rPr lang="de-DE" dirty="0" err="1"/>
+              <a:t>accesed</a:t>
+            </a:r>
+            <a:r>
+              <a:rPr lang="de-DE" dirty="0"/>
+              <a:t> on 17.02.2022)</a:t>
+            </a:r>
+          </a:p>
+          <a:p>
+            <a:endParaRPr lang="de-DE" dirty="0"/>
+          </a:p>
+          <a:p>
+            <a:r>
+              <a:rPr lang="de-DE" dirty="0"/>
+              <a:t>[5] GitHub, Inc., 2022, https://github.com/ (</a:t>
+            </a:r>
+            <a:r>
+              <a:rPr lang="de-DE" dirty="0" err="1"/>
+              <a:t>accesed</a:t>
+            </a:r>
+            <a:r>
+              <a:rPr lang="de-DE" dirty="0"/>
+              <a:t> on 17.02.2022)</a:t>
+            </a:r>
+          </a:p>
+          <a:p>
+            <a:endParaRPr lang="de-DE" dirty="0"/>
+          </a:p>
+          <a:p>
+            <a:r>
+              <a:rPr lang="de-DE" dirty="0"/>
+              <a:t>[6] CERN Data </a:t>
+            </a:r>
+            <a:r>
+              <a:rPr lang="de-DE" dirty="0" err="1"/>
+              <a:t>Centre</a:t>
+            </a:r>
+            <a:r>
+              <a:rPr lang="de-DE" dirty="0"/>
+              <a:t> </a:t>
+            </a:r>
+            <a:r>
+              <a:rPr lang="de-DE" dirty="0" err="1"/>
+              <a:t>Invenio</a:t>
+            </a:r>
+            <a:r>
+              <a:rPr lang="de-DE" dirty="0"/>
+              <a:t>., 2022, https://zenodo.org/ (</a:t>
+            </a:r>
+            <a:r>
+              <a:rPr lang="de-DE" dirty="0" err="1"/>
+              <a:t>accessed</a:t>
+            </a:r>
+            <a:r>
+              <a:rPr lang="de-DE" dirty="0"/>
+              <a:t> on 17.02.2022)</a:t>
+            </a:r>
+          </a:p>
+        </p:txBody>
+      </p:sp>
+      <p:sp>
+        <p:nvSpPr>
+          <p:cNvPr id="6" name="Textplatzhalter 5">
+            <a:extLst>
+              <a:ext uri="{FF2B5EF4-FFF2-40B4-BE49-F238E27FC236}">
+                <a16:creationId xmlns:a16="http://schemas.microsoft.com/office/drawing/2014/main" id="{95465E67-55AF-4FCD-8AEF-62010190B39C}"/>
+              </a:ext>
+            </a:extLst>
+          </p:cNvPr>
+          <p:cNvSpPr>
+            <a:spLocks noGrp="1"/>
+          </p:cNvSpPr>
+          <p:nvPr>
+            <p:ph type="body" sz="quarter" idx="13"/>
+          </p:nvPr>
+        </p:nvSpPr>
+        <p:spPr/>
+        <p:txBody>
+          <a:bodyPr/>
+          <a:lstStyle/>
+          <a:p>
+            <a:r>
+              <a:rPr lang="de-DE" dirty="0"/>
+              <a:t>References</a:t>
+            </a:r>
+          </a:p>
+        </p:txBody>
+      </p:sp>
+      <p:sp>
+        <p:nvSpPr>
+          <p:cNvPr id="7" name="Titel 6">
+            <a:extLst>
+              <a:ext uri="{FF2B5EF4-FFF2-40B4-BE49-F238E27FC236}">
+                <a16:creationId xmlns:a16="http://schemas.microsoft.com/office/drawing/2014/main" id="{8A944A5E-ADFE-4036-A931-019387067829}"/>
+              </a:ext>
+            </a:extLst>
+          </p:cNvPr>
+          <p:cNvSpPr>
+            <a:spLocks noGrp="1"/>
+          </p:cNvSpPr>
+          <p:nvPr>
+            <p:ph type="title"/>
+          </p:nvPr>
+        </p:nvSpPr>
+        <p:spPr/>
+        <p:txBody>
+          <a:bodyPr/>
+          <a:lstStyle/>
+          <a:p>
+            <a:endParaRPr lang="de-DE" dirty="0"/>
+          </a:p>
+        </p:txBody>
+      </p:sp>
+    </p:spTree>
+    <p:extLst>
+      <p:ext uri="{BB962C8B-B14F-4D97-AF65-F5344CB8AC3E}">
+        <p14:creationId xmlns:p14="http://schemas.microsoft.com/office/powerpoint/2010/main" val="3521396617"/>
       </p:ext>
     </p:extLst>
   </p:cSld>
@@ -7456,15 +8908,7 @@
             </a:pPr>
             <a:r>
               <a:rPr lang="en-US" dirty="0"/>
-              <a:t>Feasible Region &amp; </a:t>
-            </a:r>
-            <a:r>
-              <a:rPr lang="en-US" dirty="0" err="1"/>
-              <a:t>Exel</a:t>
-            </a:r>
-            <a:r>
-              <a:rPr lang="en-US" dirty="0"/>
-              <a:t> Solver</a:t>
+              <a:t>Feasible Region &amp; Excel Solver</a:t>
             </a:r>
           </a:p>
           <a:p>
@@ -7792,8 +9236,8 @@
           </a:p>
         </p:txBody>
       </p:sp>
-      <mc:AlternateContent xmlns:mc="http://schemas.openxmlformats.org/markup-compatibility/2006">
-        <mc:Choice xmlns:a14="http://schemas.microsoft.com/office/drawing/2010/main" Requires="a14">
+      <mc:AlternateContent xmlns:mc="http://schemas.openxmlformats.org/markup-compatibility/2006" xmlns:a14="http://schemas.microsoft.com/office/drawing/2010/main">
+        <mc:Choice Requires="a14">
           <p:sp>
             <p:nvSpPr>
               <p:cNvPr id="5" name="Inhaltsplatzhalter 4">
@@ -8162,7 +9606,7 @@
             </p:txBody>
           </p:sp>
         </mc:Choice>
-        <mc:Fallback>
+        <mc:Fallback xmlns="">
           <p:sp>
             <p:nvSpPr>
               <p:cNvPr id="5" name="Inhaltsplatzhalter 4">
@@ -8260,8 +9704,8 @@
           </a:p>
         </p:txBody>
       </p:sp>
-      <mc:AlternateContent xmlns:mc="http://schemas.openxmlformats.org/markup-compatibility/2006">
-        <mc:Choice xmlns:a14="http://schemas.microsoft.com/office/drawing/2010/main" Requires="a14">
+      <mc:AlternateContent xmlns:mc="http://schemas.openxmlformats.org/markup-compatibility/2006" xmlns:a14="http://schemas.microsoft.com/office/drawing/2010/main">
+        <mc:Choice Requires="a14">
           <p:sp>
             <p:nvSpPr>
               <p:cNvPr id="9" name="Textfeld 8">
@@ -8398,7 +9842,7 @@
             </p:txBody>
           </p:sp>
         </mc:Choice>
-        <mc:Fallback>
+        <mc:Fallback xmlns="">
           <p:sp>
             <p:nvSpPr>
               <p:cNvPr id="9" name="Textfeld 8">
@@ -8443,6 +9887,41 @@
           </p:sp>
         </mc:Fallback>
       </mc:AlternateContent>
+      <p:sp>
+        <p:nvSpPr>
+          <p:cNvPr id="2" name="Textfeld 1">
+            <a:extLst>
+              <a:ext uri="{FF2B5EF4-FFF2-40B4-BE49-F238E27FC236}">
+                <a16:creationId xmlns:a16="http://schemas.microsoft.com/office/drawing/2014/main" id="{CA2B64B9-87B0-428E-A7F7-96AB073B538A}"/>
+              </a:ext>
+            </a:extLst>
+          </p:cNvPr>
+          <p:cNvSpPr txBox="1"/>
+          <p:nvPr/>
+        </p:nvSpPr>
+        <p:spPr>
+          <a:xfrm>
+            <a:off x="8469203" y="4390169"/>
+            <a:ext cx="413896" cy="307777"/>
+          </a:xfrm>
+          <a:prstGeom prst="rect">
+            <a:avLst/>
+          </a:prstGeom>
+          <a:noFill/>
+        </p:spPr>
+        <p:txBody>
+          <a:bodyPr wrap="none" rtlCol="0">
+            <a:spAutoFit/>
+          </a:bodyPr>
+          <a:lstStyle/>
+          <a:p>
+            <a:r>
+              <a:rPr lang="de-DE" dirty="0"/>
+              <a:t>[1]</a:t>
+            </a:r>
+          </a:p>
+        </p:txBody>
+      </p:sp>
     </p:spTree>
     <p:extLst>
       <p:ext uri="{BB962C8B-B14F-4D97-AF65-F5344CB8AC3E}">
@@ -8694,8 +10173,8 @@
         </p:nvSpPr>
         <p:spPr>
           <a:xfrm>
-            <a:off x="4283968" y="3894144"/>
-            <a:ext cx="4996880" cy="523220"/>
+            <a:off x="4644008" y="3894144"/>
+            <a:ext cx="4636840" cy="523220"/>
           </a:xfrm>
           <a:prstGeom prst="rect">
             <a:avLst/>
@@ -8716,7 +10195,105 @@
           <a:p>
             <a:r>
               <a:rPr lang="en-US" dirty="0"/>
-              <a:t>	80 fishes * 4$ + 400 ducks * 5$ = 2320$</a:t>
+              <a:t>80 fishes * 4$ + 400 ducks * 5$ = 2320$</a:t>
+            </a:r>
+          </a:p>
+        </p:txBody>
+      </p:sp>
+      <p:graphicFrame>
+        <p:nvGraphicFramePr>
+          <p:cNvPr id="2" name="Objekt 1">
+            <a:extLst>
+              <a:ext uri="{FF2B5EF4-FFF2-40B4-BE49-F238E27FC236}">
+                <a16:creationId xmlns:a16="http://schemas.microsoft.com/office/drawing/2014/main" id="{DD2E6E04-1C6E-4D6F-B7E8-37A5E08CABAA}"/>
+              </a:ext>
+            </a:extLst>
+          </p:cNvPr>
+          <p:cNvGraphicFramePr>
+            <a:graphicFrameLocks noChangeAspect="1"/>
+          </p:cNvGraphicFramePr>
+          <p:nvPr>
+            <p:extLst>
+              <p:ext uri="{D42A27DB-BD31-4B8C-83A1-F6EECF244321}">
+                <p14:modId xmlns:p14="http://schemas.microsoft.com/office/powerpoint/2010/main" val="3572271794"/>
+              </p:ext>
+            </p:extLst>
+          </p:nvPr>
+        </p:nvGraphicFramePr>
+        <p:xfrm>
+          <a:off x="4204722" y="598494"/>
+          <a:ext cx="4391025" cy="3295650"/>
+        </p:xfrm>
+        <a:graphic>
+          <a:graphicData uri="http://schemas.openxmlformats.org/presentationml/2006/ole">
+            <mc:AlternateContent xmlns:mc="http://schemas.openxmlformats.org/markup-compatibility/2006">
+              <mc:Choice xmlns:v="urn:schemas-microsoft-com:vml" Requires="v">
+                <p:oleObj spid="_x0000_s3075" name="Acrobat Document" r:id="rId3" imgW="4390760" imgH="3295344" progId="Acrobat.Document.DC">
+                  <p:embed/>
+                </p:oleObj>
+              </mc:Choice>
+              <mc:Fallback>
+                <p:oleObj name="Acrobat Document" r:id="rId3" imgW="4390760" imgH="3295344" progId="Acrobat.Document.DC">
+                  <p:embed/>
+                  <p:pic>
+                    <p:nvPicPr>
+                      <p:cNvPr id="0" name=""/>
+                      <p:cNvPicPr/>
+                      <p:nvPr/>
+                    </p:nvPicPr>
+                    <p:blipFill>
+                      <a:blip r:embed="rId4"/>
+                      <a:stretch>
+                        <a:fillRect/>
+                      </a:stretch>
+                    </p:blipFill>
+                    <p:spPr>
+                      <a:xfrm>
+                        <a:off x="4204722" y="598494"/>
+                        <a:ext cx="4391025" cy="3295650"/>
+                      </a:xfrm>
+                      <a:prstGeom prst="rect">
+                        <a:avLst/>
+                      </a:prstGeom>
+                    </p:spPr>
+                  </p:pic>
+                </p:oleObj>
+              </mc:Fallback>
+            </mc:AlternateContent>
+          </a:graphicData>
+        </a:graphic>
+      </p:graphicFrame>
+      <p:sp>
+        <p:nvSpPr>
+          <p:cNvPr id="8" name="Textfeld 7">
+            <a:extLst>
+              <a:ext uri="{FF2B5EF4-FFF2-40B4-BE49-F238E27FC236}">
+                <a16:creationId xmlns:a16="http://schemas.microsoft.com/office/drawing/2014/main" id="{DDB0F1E5-0AF5-41E7-93A8-BBED5B6FCF21}"/>
+              </a:ext>
+            </a:extLst>
+          </p:cNvPr>
+          <p:cNvSpPr txBox="1"/>
+          <p:nvPr/>
+        </p:nvSpPr>
+        <p:spPr>
+          <a:xfrm>
+            <a:off x="8469203" y="4390169"/>
+            <a:ext cx="413896" cy="307777"/>
+          </a:xfrm>
+          <a:prstGeom prst="rect">
+            <a:avLst/>
+          </a:prstGeom>
+          <a:noFill/>
+        </p:spPr>
+        <p:txBody>
+          <a:bodyPr wrap="none" rtlCol="0">
+            <a:spAutoFit/>
+          </a:bodyPr>
+          <a:lstStyle/>
+          <a:p>
+            <a:r>
+              <a:rPr lang="de-DE" dirty="0"/>
+              <a:t>[1]</a:t>
             </a:r>
           </a:p>
         </p:txBody>
@@ -8780,7 +10357,7 @@
           <a:graphicData uri="http://schemas.openxmlformats.org/presentationml/2006/ole">
             <mc:AlternateContent xmlns:mc="http://schemas.openxmlformats.org/markup-compatibility/2006">
               <mc:Choice xmlns:v="urn:schemas-microsoft-com:vml" Requires="v">
-                <p:oleObj spid="_x0000_s2050" name="Acrobat Document" r:id="rId3" imgW="4390760" imgH="3295344" progId="Acrobat.Document.DC">
+                <p:oleObj spid="_x0000_s2052" name="Acrobat Document" r:id="rId3" imgW="4390760" imgH="3295344" progId="Acrobat.Document.DC">
                   <p:embed/>
                 </p:oleObj>
               </mc:Choice>
@@ -9008,6 +10585,41 @@
           </a:p>
         </p:txBody>
       </p:sp>
+      <p:sp>
+        <p:nvSpPr>
+          <p:cNvPr id="10" name="Textfeld 9">
+            <a:extLst>
+              <a:ext uri="{FF2B5EF4-FFF2-40B4-BE49-F238E27FC236}">
+                <a16:creationId xmlns:a16="http://schemas.microsoft.com/office/drawing/2014/main" id="{CFCBCB74-FD75-4FB6-A935-13CAFD6B251A}"/>
+              </a:ext>
+            </a:extLst>
+          </p:cNvPr>
+          <p:cNvSpPr txBox="1"/>
+          <p:nvPr/>
+        </p:nvSpPr>
+        <p:spPr>
+          <a:xfrm>
+            <a:off x="8469203" y="4390169"/>
+            <a:ext cx="413896" cy="307777"/>
+          </a:xfrm>
+          <a:prstGeom prst="rect">
+            <a:avLst/>
+          </a:prstGeom>
+          <a:noFill/>
+        </p:spPr>
+        <p:txBody>
+          <a:bodyPr wrap="none" rtlCol="0">
+            <a:spAutoFit/>
+          </a:bodyPr>
+          <a:lstStyle/>
+          <a:p>
+            <a:r>
+              <a:rPr lang="de-DE" dirty="0"/>
+              <a:t>[1]</a:t>
+            </a:r>
+          </a:p>
+        </p:txBody>
+      </p:sp>
     </p:spTree>
     <p:extLst>
       <p:ext uri="{BB962C8B-B14F-4D97-AF65-F5344CB8AC3E}">
@@ -10315,13 +11927,8 @@
             </a:pPr>
             <a:r>
               <a:rPr lang="en-US" dirty="0"/>
-              <a:t>MS-Word -&gt; </a:t>
-            </a:r>
-            <a:r>
-              <a:rPr lang="en-US" dirty="0" err="1"/>
-              <a:t>LaTex</a:t>
-            </a:r>
-            <a:endParaRPr lang="en-US" dirty="0"/>
+              <a:t>MS-Word -&gt; LaTeX</a:t>
+            </a:r>
           </a:p>
           <a:p>
             <a:pPr marL="652436" lvl="1" indent="-285750">
@@ -11284,12 +12891,6 @@
 </file>
 
 <file path=customXml/item1.xml><?xml version="1.0" encoding="utf-8"?>
-<p:properties xmlns:p="http://schemas.microsoft.com/office/2006/metadata/properties" xmlns:xsi="http://www.w3.org/2001/XMLSchema-instance" xmlns:pc="http://schemas.microsoft.com/office/infopath/2007/PartnerControls">
-  <documentManagement/>
-</p:properties>
-</file>
-
-<file path=customXml/item2.xml><?xml version="1.0" encoding="utf-8"?>
 <ct:contentTypeSchema xmlns:ct="http://schemas.microsoft.com/office/2006/metadata/contentType" xmlns:ma="http://schemas.microsoft.com/office/2006/metadata/properties/metaAttributes" ct:_="" ma:_="" ma:contentTypeName="Dokument" ma:contentTypeID="0x0101003DC6390AE56B35438C65966F635EAD35" ma:contentTypeVersion="0" ma:contentTypeDescription="Ein neues Dokument erstellen." ma:contentTypeScope="" ma:versionID="4f3286d4674dd6d9e62b4ad622de0e43">
   <xsd:schema xmlns:xsd="http://www.w3.org/2001/XMLSchema" xmlns:xs="http://www.w3.org/2001/XMLSchema" xmlns:p="http://schemas.microsoft.com/office/2006/metadata/properties" targetNamespace="http://schemas.microsoft.com/office/2006/metadata/properties" ma:root="true" ma:fieldsID="b4f5dc90cf06628c3b90945c8266c24d">
     <xsd:element name="properties">
@@ -11403,6 +13004,12 @@
 </ct:contentTypeSchema>
 </file>
 
+<file path=customXml/item2.xml><?xml version="1.0" encoding="utf-8"?>
+<p:properties xmlns:p="http://schemas.microsoft.com/office/2006/metadata/properties" xmlns:xsi="http://www.w3.org/2001/XMLSchema-instance" xmlns:pc="http://schemas.microsoft.com/office/infopath/2007/PartnerControls">
+  <documentManagement/>
+</p:properties>
+</file>
+
 <file path=customXml/item3.xml><?xml version="1.0" encoding="utf-8"?>
 <?mso-contentType ?>
 <FormTemplates xmlns="http://schemas.microsoft.com/sharepoint/v3/contenttype/forms">
@@ -11413,21 +13020,6 @@
 </file>
 
 <file path=customXml/itemProps1.xml><?xml version="1.0" encoding="utf-8"?>
-<ds:datastoreItem xmlns:ds="http://schemas.openxmlformats.org/officeDocument/2006/customXml" ds:itemID="{6F65AD01-48E5-4010-AD48-B7D7CFBD789F}">
-  <ds:schemaRefs>
-    <ds:schemaRef ds:uri="http://schemas.microsoft.com/office/2006/documentManagement/types"/>
-    <ds:schemaRef ds:uri="http://schemas.microsoft.com/office/infopath/2007/PartnerControls"/>
-    <ds:schemaRef ds:uri="http://www.w3.org/XML/1998/namespace"/>
-    <ds:schemaRef ds:uri="http://schemas.microsoft.com/office/2006/metadata/properties"/>
-    <ds:schemaRef ds:uri="http://purl.org/dc/elements/1.1/"/>
-    <ds:schemaRef ds:uri="http://purl.org/dc/dcmitype/"/>
-    <ds:schemaRef ds:uri="http://schemas.openxmlformats.org/package/2006/metadata/core-properties"/>
-    <ds:schemaRef ds:uri="http://purl.org/dc/terms/"/>
-  </ds:schemaRefs>
-</ds:datastoreItem>
-</file>
-
-<file path=customXml/itemProps2.xml><?xml version="1.0" encoding="utf-8"?>
 <ds:datastoreItem xmlns:ds="http://schemas.openxmlformats.org/officeDocument/2006/customXml" ds:itemID="{2566FAE7-B46A-4DFD-AC4F-E088CCE66172}">
   <ds:schemaRefs>
     <ds:schemaRef ds:uri="http://schemas.microsoft.com/office/2006/metadata/contentType"/>
@@ -11443,6 +13035,21 @@
 </ds:datastoreItem>
 </file>
 
+<file path=customXml/itemProps2.xml><?xml version="1.0" encoding="utf-8"?>
+<ds:datastoreItem xmlns:ds="http://schemas.openxmlformats.org/officeDocument/2006/customXml" ds:itemID="{6F65AD01-48E5-4010-AD48-B7D7CFBD789F}">
+  <ds:schemaRefs>
+    <ds:schemaRef ds:uri="http://schemas.microsoft.com/office/2006/documentManagement/types"/>
+    <ds:schemaRef ds:uri="http://schemas.microsoft.com/office/infopath/2007/PartnerControls"/>
+    <ds:schemaRef ds:uri="http://www.w3.org/XML/1998/namespace"/>
+    <ds:schemaRef ds:uri="http://schemas.microsoft.com/office/2006/metadata/properties"/>
+    <ds:schemaRef ds:uri="http://purl.org/dc/elements/1.1/"/>
+    <ds:schemaRef ds:uri="http://purl.org/dc/dcmitype/"/>
+    <ds:schemaRef ds:uri="http://schemas.openxmlformats.org/package/2006/metadata/core-properties"/>
+    <ds:schemaRef ds:uri="http://purl.org/dc/terms/"/>
+  </ds:schemaRefs>
+</ds:datastoreItem>
+</file>
+
 <file path=customXml/itemProps3.xml><?xml version="1.0" encoding="utf-8"?>
 <ds:datastoreItem xmlns:ds="http://schemas.openxmlformats.org/officeDocument/2006/customXml" ds:itemID="{20CAF0C3-C893-4631-969E-805C1C12F17E}">
   <ds:schemaRefs>

--- a/Präsentation.pptx
+++ b/Präsentation.pptx
@@ -9109,37 +9109,60 @@
             <p:ph idx="1"/>
           </p:nvPr>
         </p:nvSpPr>
-        <p:spPr/>
-        <p:txBody>
-          <a:bodyPr/>
-          <a:lstStyle/>
-          <a:p>
-            <a:endParaRPr lang="de-DE" dirty="0"/>
-          </a:p>
-        </p:txBody>
-      </p:sp>
-      <p:sp>
-        <p:nvSpPr>
-          <p:cNvPr id="6" name="Textplatzhalter 5">
-            <a:extLst>
-              <a:ext uri="{FF2B5EF4-FFF2-40B4-BE49-F238E27FC236}">
-                <a16:creationId xmlns:a16="http://schemas.microsoft.com/office/drawing/2014/main" id="{DFFD9E42-6E86-4278-B620-C92B9798201C}"/>
-              </a:ext>
-            </a:extLst>
-          </p:cNvPr>
-          <p:cNvSpPr>
-            <a:spLocks noGrp="1"/>
-          </p:cNvSpPr>
-          <p:nvPr>
-            <p:ph type="body" sz="quarter" idx="13"/>
-          </p:nvPr>
-        </p:nvSpPr>
-        <p:spPr/>
-        <p:txBody>
-          <a:bodyPr/>
-          <a:lstStyle/>
-          <a:p>
-            <a:endParaRPr lang="de-DE" dirty="0"/>
+        <p:spPr>
+          <a:xfrm>
+            <a:off x="279167" y="2211710"/>
+            <a:ext cx="8568000" cy="2332348"/>
+          </a:xfrm>
+        </p:spPr>
+        <p:txBody>
+          <a:bodyPr>
+            <a:normAutofit/>
+          </a:bodyPr>
+          <a:lstStyle/>
+          <a:p>
+            <a:pPr algn="ctr"/>
+            <a:r>
+              <a:rPr lang="de-DE" sz="2800" dirty="0"/>
+              <a:t>An </a:t>
+            </a:r>
+            <a:r>
+              <a:rPr lang="de-DE" sz="2800" dirty="0" err="1"/>
+              <a:t>overview</a:t>
+            </a:r>
+            <a:r>
+              <a:rPr lang="de-DE" sz="2800" dirty="0"/>
+              <a:t> </a:t>
+            </a:r>
+            <a:r>
+              <a:rPr lang="de-DE" sz="2800" dirty="0" err="1"/>
+              <a:t>of</a:t>
+            </a:r>
+            <a:r>
+              <a:rPr lang="de-DE" sz="2800" dirty="0"/>
+              <a:t> </a:t>
+            </a:r>
+            <a:r>
+              <a:rPr lang="de-DE" sz="2800" dirty="0" err="1"/>
+              <a:t>the</a:t>
+            </a:r>
+            <a:r>
+              <a:rPr lang="de-DE" sz="2800" dirty="0"/>
+              <a:t> </a:t>
+            </a:r>
+            <a:r>
+              <a:rPr lang="de-DE" sz="2800" dirty="0" err="1"/>
+              <a:t>portfolio</a:t>
+            </a:r>
+            <a:r>
+              <a:rPr lang="de-DE" sz="2800" dirty="0"/>
+              <a:t> </a:t>
+            </a:r>
+            <a:r>
+              <a:rPr lang="de-DE" sz="2800" dirty="0" err="1"/>
+              <a:t>exame</a:t>
+            </a:r>
+            <a:endParaRPr lang="de-DE" sz="2800" dirty="0"/>
           </a:p>
         </p:txBody>
       </p:sp>
@@ -10228,7 +10251,7 @@
           <a:graphicData uri="http://schemas.openxmlformats.org/presentationml/2006/ole">
             <mc:AlternateContent xmlns:mc="http://schemas.openxmlformats.org/markup-compatibility/2006">
               <mc:Choice xmlns:v="urn:schemas-microsoft-com:vml" Requires="v">
-                <p:oleObj spid="_x0000_s3075" name="Acrobat Document" r:id="rId3" imgW="4390760" imgH="3295344" progId="Acrobat.Document.DC">
+                <p:oleObj spid="_x0000_s3076" name="Acrobat Document" r:id="rId3" imgW="4390760" imgH="3295344" progId="Acrobat.Document.DC">
                   <p:embed/>
                 </p:oleObj>
               </mc:Choice>
@@ -10357,7 +10380,7 @@
           <a:graphicData uri="http://schemas.openxmlformats.org/presentationml/2006/ole">
             <mc:AlternateContent xmlns:mc="http://schemas.openxmlformats.org/markup-compatibility/2006">
               <mc:Choice xmlns:v="urn:schemas-microsoft-com:vml" Requires="v">
-                <p:oleObj spid="_x0000_s2052" name="Acrobat Document" r:id="rId3" imgW="4390760" imgH="3295344" progId="Acrobat.Document.DC">
+                <p:oleObj spid="_x0000_s2053" name="Acrobat Document" r:id="rId3" imgW="4390760" imgH="3295344" progId="Acrobat.Document.DC">
                   <p:embed/>
                 </p:oleObj>
               </mc:Choice>
@@ -12891,6 +12914,12 @@
 </file>
 
 <file path=customXml/item1.xml><?xml version="1.0" encoding="utf-8"?>
+<p:properties xmlns:p="http://schemas.microsoft.com/office/2006/metadata/properties" xmlns:xsi="http://www.w3.org/2001/XMLSchema-instance" xmlns:pc="http://schemas.microsoft.com/office/infopath/2007/PartnerControls">
+  <documentManagement/>
+</p:properties>
+</file>
+
+<file path=customXml/item2.xml><?xml version="1.0" encoding="utf-8"?>
 <ct:contentTypeSchema xmlns:ct="http://schemas.microsoft.com/office/2006/metadata/contentType" xmlns:ma="http://schemas.microsoft.com/office/2006/metadata/properties/metaAttributes" ct:_="" ma:_="" ma:contentTypeName="Dokument" ma:contentTypeID="0x0101003DC6390AE56B35438C65966F635EAD35" ma:contentTypeVersion="0" ma:contentTypeDescription="Ein neues Dokument erstellen." ma:contentTypeScope="" ma:versionID="4f3286d4674dd6d9e62b4ad622de0e43">
   <xsd:schema xmlns:xsd="http://www.w3.org/2001/XMLSchema" xmlns:xs="http://www.w3.org/2001/XMLSchema" xmlns:p="http://schemas.microsoft.com/office/2006/metadata/properties" targetNamespace="http://schemas.microsoft.com/office/2006/metadata/properties" ma:root="true" ma:fieldsID="b4f5dc90cf06628c3b90945c8266c24d">
     <xsd:element name="properties">
@@ -13004,12 +13033,6 @@
 </ct:contentTypeSchema>
 </file>
 
-<file path=customXml/item2.xml><?xml version="1.0" encoding="utf-8"?>
-<p:properties xmlns:p="http://schemas.microsoft.com/office/2006/metadata/properties" xmlns:xsi="http://www.w3.org/2001/XMLSchema-instance" xmlns:pc="http://schemas.microsoft.com/office/infopath/2007/PartnerControls">
-  <documentManagement/>
-</p:properties>
-</file>
-
 <file path=customXml/item3.xml><?xml version="1.0" encoding="utf-8"?>
 <?mso-contentType ?>
 <FormTemplates xmlns="http://schemas.microsoft.com/sharepoint/v3/contenttype/forms">
@@ -13020,6 +13043,21 @@
 </file>
 
 <file path=customXml/itemProps1.xml><?xml version="1.0" encoding="utf-8"?>
+<ds:datastoreItem xmlns:ds="http://schemas.openxmlformats.org/officeDocument/2006/customXml" ds:itemID="{6F65AD01-48E5-4010-AD48-B7D7CFBD789F}">
+  <ds:schemaRefs>
+    <ds:schemaRef ds:uri="http://schemas.microsoft.com/office/2006/documentManagement/types"/>
+    <ds:schemaRef ds:uri="http://schemas.microsoft.com/office/infopath/2007/PartnerControls"/>
+    <ds:schemaRef ds:uri="http://www.w3.org/XML/1998/namespace"/>
+    <ds:schemaRef ds:uri="http://schemas.microsoft.com/office/2006/metadata/properties"/>
+    <ds:schemaRef ds:uri="http://purl.org/dc/elements/1.1/"/>
+    <ds:schemaRef ds:uri="http://purl.org/dc/dcmitype/"/>
+    <ds:schemaRef ds:uri="http://schemas.openxmlformats.org/package/2006/metadata/core-properties"/>
+    <ds:schemaRef ds:uri="http://purl.org/dc/terms/"/>
+  </ds:schemaRefs>
+</ds:datastoreItem>
+</file>
+
+<file path=customXml/itemProps2.xml><?xml version="1.0" encoding="utf-8"?>
 <ds:datastoreItem xmlns:ds="http://schemas.openxmlformats.org/officeDocument/2006/customXml" ds:itemID="{2566FAE7-B46A-4DFD-AC4F-E088CCE66172}">
   <ds:schemaRefs>
     <ds:schemaRef ds:uri="http://schemas.microsoft.com/office/2006/metadata/contentType"/>
@@ -13035,21 +13073,6 @@
 </ds:datastoreItem>
 </file>
 
-<file path=customXml/itemProps2.xml><?xml version="1.0" encoding="utf-8"?>
-<ds:datastoreItem xmlns:ds="http://schemas.openxmlformats.org/officeDocument/2006/customXml" ds:itemID="{6F65AD01-48E5-4010-AD48-B7D7CFBD789F}">
-  <ds:schemaRefs>
-    <ds:schemaRef ds:uri="http://schemas.microsoft.com/office/2006/documentManagement/types"/>
-    <ds:schemaRef ds:uri="http://schemas.microsoft.com/office/infopath/2007/PartnerControls"/>
-    <ds:schemaRef ds:uri="http://www.w3.org/XML/1998/namespace"/>
-    <ds:schemaRef ds:uri="http://schemas.microsoft.com/office/2006/metadata/properties"/>
-    <ds:schemaRef ds:uri="http://purl.org/dc/elements/1.1/"/>
-    <ds:schemaRef ds:uri="http://purl.org/dc/dcmitype/"/>
-    <ds:schemaRef ds:uri="http://schemas.openxmlformats.org/package/2006/metadata/core-properties"/>
-    <ds:schemaRef ds:uri="http://purl.org/dc/terms/"/>
-  </ds:schemaRefs>
-</ds:datastoreItem>
-</file>
-
 <file path=customXml/itemProps3.xml><?xml version="1.0" encoding="utf-8"?>
 <ds:datastoreItem xmlns:ds="http://schemas.openxmlformats.org/officeDocument/2006/customXml" ds:itemID="{20CAF0C3-C893-4631-969E-805C1C12F17E}">
   <ds:schemaRefs>

--- a/Präsentation.pptx
+++ b/Präsentation.pptx
@@ -13,17 +13,17 @@
   <p:sldIdLst>
     <p:sldId id="256" r:id="rId5"/>
     <p:sldId id="257" r:id="rId6"/>
-    <p:sldId id="258" r:id="rId7"/>
-    <p:sldId id="259" r:id="rId8"/>
-    <p:sldId id="260" r:id="rId9"/>
-    <p:sldId id="261" r:id="rId10"/>
-    <p:sldId id="262" r:id="rId11"/>
-    <p:sldId id="263" r:id="rId12"/>
-    <p:sldId id="264" r:id="rId13"/>
-    <p:sldId id="265" r:id="rId14"/>
-    <p:sldId id="266" r:id="rId15"/>
-    <p:sldId id="267" r:id="rId16"/>
-    <p:sldId id="268" r:id="rId17"/>
+    <p:sldId id="259" r:id="rId7"/>
+    <p:sldId id="260" r:id="rId8"/>
+    <p:sldId id="261" r:id="rId9"/>
+    <p:sldId id="262" r:id="rId10"/>
+    <p:sldId id="263" r:id="rId11"/>
+    <p:sldId id="264" r:id="rId12"/>
+    <p:sldId id="265" r:id="rId13"/>
+    <p:sldId id="266" r:id="rId14"/>
+    <p:sldId id="267" r:id="rId15"/>
+    <p:sldId id="268" r:id="rId16"/>
+    <p:sldId id="270" r:id="rId17"/>
     <p:sldId id="269" r:id="rId18"/>
   </p:sldIdLst>
   <p:sldSz cx="9144000" cy="5143500" type="screen16x9"/>
@@ -408,7 +408,7 @@
           <a:p>
             <a:fld id="{90BC4B87-6123-4AD5-BA18-D0C615F32DE0}" type="datetimeFigureOut">
               <a:rPr lang="de-DE" smtClean="0"/>
-              <a:t>20.02.2022</a:t>
+              <a:t>22.02.2022</a:t>
             </a:fld>
             <a:endParaRPr lang="de-DE"/>
           </a:p>
@@ -719,6 +719,103 @@
           <a:bodyPr/>
           <a:lstStyle/>
           <a:p>
+            <a:r>
+              <a:rPr lang="de-DE" dirty="0"/>
+              <a:t>Basti</a:t>
+            </a:r>
+          </a:p>
+        </p:txBody>
+      </p:sp>
+      <p:sp>
+        <p:nvSpPr>
+          <p:cNvPr id="4" name="Foliennummernplatzhalter 3"/>
+          <p:cNvSpPr>
+            <a:spLocks noGrp="1"/>
+          </p:cNvSpPr>
+          <p:nvPr>
+            <p:ph type="sldNum" sz="quarter" idx="5"/>
+          </p:nvPr>
+        </p:nvSpPr>
+        <p:spPr/>
+        <p:txBody>
+          <a:bodyPr/>
+          <a:lstStyle/>
+          <a:p>
+            <a:fld id="{5ED54D14-BD7D-4C86-87A4-3C7AAB60AB5B}" type="slidenum">
+              <a:rPr lang="de-DE" smtClean="0"/>
+              <a:t>2</a:t>
+            </a:fld>
+            <a:endParaRPr lang="de-DE"/>
+          </a:p>
+        </p:txBody>
+      </p:sp>
+    </p:spTree>
+    <p:extLst>
+      <p:ext uri="{BB962C8B-B14F-4D97-AF65-F5344CB8AC3E}">
+        <p14:creationId xmlns:p14="http://schemas.microsoft.com/office/powerpoint/2010/main" val="197255656"/>
+      </p:ext>
+    </p:extLst>
+  </p:cSld>
+  <p:clrMapOvr>
+    <a:masterClrMapping/>
+  </p:clrMapOvr>
+</p:notes>
+</file>
+
+<file path=ppt/notesSlides/notesSlide10.xml><?xml version="1.0" encoding="utf-8"?>
+<p:notes xmlns:a="http://schemas.openxmlformats.org/drawingml/2006/main" xmlns:r="http://schemas.openxmlformats.org/officeDocument/2006/relationships" xmlns:p="http://schemas.openxmlformats.org/presentationml/2006/main">
+  <p:cSld>
+    <p:spTree>
+      <p:nvGrpSpPr>
+        <p:cNvPr id="1" name=""/>
+        <p:cNvGrpSpPr/>
+        <p:nvPr/>
+      </p:nvGrpSpPr>
+      <p:grpSpPr>
+        <a:xfrm>
+          <a:off x="0" y="0"/>
+          <a:ext cx="0" cy="0"/>
+          <a:chOff x="0" y="0"/>
+          <a:chExt cx="0" cy="0"/>
+        </a:xfrm>
+      </p:grpSpPr>
+      <p:sp>
+        <p:nvSpPr>
+          <p:cNvPr id="2" name="Folienbildplatzhalter 1"/>
+          <p:cNvSpPr>
+            <a:spLocks noGrp="1" noRot="1" noChangeAspect="1"/>
+          </p:cNvSpPr>
+          <p:nvPr>
+            <p:ph type="sldImg"/>
+          </p:nvPr>
+        </p:nvSpPr>
+        <p:spPr/>
+      </p:sp>
+      <p:sp>
+        <p:nvSpPr>
+          <p:cNvPr id="3" name="Notizenplatzhalter 2"/>
+          <p:cNvSpPr>
+            <a:spLocks noGrp="1"/>
+          </p:cNvSpPr>
+          <p:nvPr>
+            <p:ph type="body" idx="1"/>
+          </p:nvPr>
+        </p:nvSpPr>
+        <p:spPr/>
+        <p:txBody>
+          <a:bodyPr/>
+          <a:lstStyle/>
+          <a:p>
+            <a:pPr marL="0" indent="0">
+              <a:buFontTx/>
+              <a:buNone/>
+            </a:pPr>
+            <a:r>
+              <a:rPr lang="de-DE" dirty="0"/>
+              <a:t>Tom</a:t>
+            </a:r>
+          </a:p>
+          <a:p>
             <a:pPr marL="171450" indent="-171450">
               <a:buFontTx/>
               <a:buChar char="-"/>
@@ -1008,7 +1105,7 @@
           <a:p>
             <a:fld id="{5ED54D14-BD7D-4C86-87A4-3C7AAB60AB5B}" type="slidenum">
               <a:rPr lang="de-DE" smtClean="0"/>
-              <a:t>12</a:t>
+              <a:t>11</a:t>
             </a:fld>
             <a:endParaRPr lang="de-DE"/>
           </a:p>
@@ -1018,6 +1115,876 @@
     <p:extLst>
       <p:ext uri="{BB962C8B-B14F-4D97-AF65-F5344CB8AC3E}">
         <p14:creationId xmlns:p14="http://schemas.microsoft.com/office/powerpoint/2010/main" val="208054719"/>
+      </p:ext>
+    </p:extLst>
+  </p:cSld>
+  <p:clrMapOvr>
+    <a:masterClrMapping/>
+  </p:clrMapOvr>
+</p:notes>
+</file>
+
+<file path=ppt/notesSlides/notesSlide11.xml><?xml version="1.0" encoding="utf-8"?>
+<p:notes xmlns:a="http://schemas.openxmlformats.org/drawingml/2006/main" xmlns:r="http://schemas.openxmlformats.org/officeDocument/2006/relationships" xmlns:p="http://schemas.openxmlformats.org/presentationml/2006/main">
+  <p:cSld>
+    <p:spTree>
+      <p:nvGrpSpPr>
+        <p:cNvPr id="1" name=""/>
+        <p:cNvGrpSpPr/>
+        <p:nvPr/>
+      </p:nvGrpSpPr>
+      <p:grpSpPr>
+        <a:xfrm>
+          <a:off x="0" y="0"/>
+          <a:ext cx="0" cy="0"/>
+          <a:chOff x="0" y="0"/>
+          <a:chExt cx="0" cy="0"/>
+        </a:xfrm>
+      </p:grpSpPr>
+      <p:sp>
+        <p:nvSpPr>
+          <p:cNvPr id="2" name="Folienbildplatzhalter 1"/>
+          <p:cNvSpPr>
+            <a:spLocks noGrp="1" noRot="1" noChangeAspect="1"/>
+          </p:cNvSpPr>
+          <p:nvPr>
+            <p:ph type="sldImg"/>
+          </p:nvPr>
+        </p:nvSpPr>
+        <p:spPr/>
+      </p:sp>
+      <p:sp>
+        <p:nvSpPr>
+          <p:cNvPr id="3" name="Notizenplatzhalter 2"/>
+          <p:cNvSpPr>
+            <a:spLocks noGrp="1"/>
+          </p:cNvSpPr>
+          <p:nvPr>
+            <p:ph type="body" idx="1"/>
+          </p:nvPr>
+        </p:nvSpPr>
+        <p:spPr/>
+        <p:txBody>
+          <a:bodyPr/>
+          <a:lstStyle/>
+          <a:p>
+            <a:r>
+              <a:rPr lang="de-DE" dirty="0"/>
+              <a:t>Tom</a:t>
+            </a:r>
+          </a:p>
+        </p:txBody>
+      </p:sp>
+      <p:sp>
+        <p:nvSpPr>
+          <p:cNvPr id="4" name="Foliennummernplatzhalter 3"/>
+          <p:cNvSpPr>
+            <a:spLocks noGrp="1"/>
+          </p:cNvSpPr>
+          <p:nvPr>
+            <p:ph type="sldNum" sz="quarter" idx="5"/>
+          </p:nvPr>
+        </p:nvSpPr>
+        <p:spPr/>
+        <p:txBody>
+          <a:bodyPr/>
+          <a:lstStyle/>
+          <a:p>
+            <a:fld id="{5ED54D14-BD7D-4C86-87A4-3C7AAB60AB5B}" type="slidenum">
+              <a:rPr lang="de-DE" smtClean="0"/>
+              <a:t>12</a:t>
+            </a:fld>
+            <a:endParaRPr lang="de-DE"/>
+          </a:p>
+        </p:txBody>
+      </p:sp>
+    </p:spTree>
+    <p:extLst>
+      <p:ext uri="{BB962C8B-B14F-4D97-AF65-F5344CB8AC3E}">
+        <p14:creationId xmlns:p14="http://schemas.microsoft.com/office/powerpoint/2010/main" val="1136193763"/>
+      </p:ext>
+    </p:extLst>
+  </p:cSld>
+  <p:clrMapOvr>
+    <a:masterClrMapping/>
+  </p:clrMapOvr>
+</p:notes>
+</file>
+
+<file path=ppt/notesSlides/notesSlide12.xml><?xml version="1.0" encoding="utf-8"?>
+<p:notes xmlns:a="http://schemas.openxmlformats.org/drawingml/2006/main" xmlns:r="http://schemas.openxmlformats.org/officeDocument/2006/relationships" xmlns:p="http://schemas.openxmlformats.org/presentationml/2006/main">
+  <p:cSld>
+    <p:spTree>
+      <p:nvGrpSpPr>
+        <p:cNvPr id="1" name=""/>
+        <p:cNvGrpSpPr/>
+        <p:nvPr/>
+      </p:nvGrpSpPr>
+      <p:grpSpPr>
+        <a:xfrm>
+          <a:off x="0" y="0"/>
+          <a:ext cx="0" cy="0"/>
+          <a:chOff x="0" y="0"/>
+          <a:chExt cx="0" cy="0"/>
+        </a:xfrm>
+      </p:grpSpPr>
+      <p:sp>
+        <p:nvSpPr>
+          <p:cNvPr id="2" name="Folienbildplatzhalter 1"/>
+          <p:cNvSpPr>
+            <a:spLocks noGrp="1" noRot="1" noChangeAspect="1"/>
+          </p:cNvSpPr>
+          <p:nvPr>
+            <p:ph type="sldImg"/>
+          </p:nvPr>
+        </p:nvSpPr>
+        <p:spPr/>
+      </p:sp>
+      <p:sp>
+        <p:nvSpPr>
+          <p:cNvPr id="3" name="Notizenplatzhalter 2"/>
+          <p:cNvSpPr>
+            <a:spLocks noGrp="1"/>
+          </p:cNvSpPr>
+          <p:nvPr>
+            <p:ph type="body" idx="1"/>
+          </p:nvPr>
+        </p:nvSpPr>
+        <p:spPr/>
+        <p:txBody>
+          <a:bodyPr/>
+          <a:lstStyle/>
+          <a:p>
+            <a:r>
+              <a:rPr lang="de-DE" dirty="0"/>
+              <a:t>Basti</a:t>
+            </a:r>
+          </a:p>
+        </p:txBody>
+      </p:sp>
+      <p:sp>
+        <p:nvSpPr>
+          <p:cNvPr id="4" name="Foliennummernplatzhalter 3"/>
+          <p:cNvSpPr>
+            <a:spLocks noGrp="1"/>
+          </p:cNvSpPr>
+          <p:nvPr>
+            <p:ph type="sldNum" sz="quarter" idx="5"/>
+          </p:nvPr>
+        </p:nvSpPr>
+        <p:spPr/>
+        <p:txBody>
+          <a:bodyPr/>
+          <a:lstStyle/>
+          <a:p>
+            <a:fld id="{5ED54D14-BD7D-4C86-87A4-3C7AAB60AB5B}" type="slidenum">
+              <a:rPr lang="de-DE" smtClean="0"/>
+              <a:t>13</a:t>
+            </a:fld>
+            <a:endParaRPr lang="de-DE"/>
+          </a:p>
+        </p:txBody>
+      </p:sp>
+    </p:spTree>
+    <p:extLst>
+      <p:ext uri="{BB962C8B-B14F-4D97-AF65-F5344CB8AC3E}">
+        <p14:creationId xmlns:p14="http://schemas.microsoft.com/office/powerpoint/2010/main" val="2648895030"/>
+      </p:ext>
+    </p:extLst>
+  </p:cSld>
+  <p:clrMapOvr>
+    <a:masterClrMapping/>
+  </p:clrMapOvr>
+</p:notes>
+</file>
+
+<file path=ppt/notesSlides/notesSlide2.xml><?xml version="1.0" encoding="utf-8"?>
+<p:notes xmlns:a="http://schemas.openxmlformats.org/drawingml/2006/main" xmlns:r="http://schemas.openxmlformats.org/officeDocument/2006/relationships" xmlns:p="http://schemas.openxmlformats.org/presentationml/2006/main">
+  <p:cSld>
+    <p:spTree>
+      <p:nvGrpSpPr>
+        <p:cNvPr id="1" name=""/>
+        <p:cNvGrpSpPr/>
+        <p:nvPr/>
+      </p:nvGrpSpPr>
+      <p:grpSpPr>
+        <a:xfrm>
+          <a:off x="0" y="0"/>
+          <a:ext cx="0" cy="0"/>
+          <a:chOff x="0" y="0"/>
+          <a:chExt cx="0" cy="0"/>
+        </a:xfrm>
+      </p:grpSpPr>
+      <p:sp>
+        <p:nvSpPr>
+          <p:cNvPr id="2" name="Folienbildplatzhalter 1"/>
+          <p:cNvSpPr>
+            <a:spLocks noGrp="1" noRot="1" noChangeAspect="1"/>
+          </p:cNvSpPr>
+          <p:nvPr>
+            <p:ph type="sldImg"/>
+          </p:nvPr>
+        </p:nvSpPr>
+        <p:spPr/>
+      </p:sp>
+      <p:sp>
+        <p:nvSpPr>
+          <p:cNvPr id="3" name="Notizenplatzhalter 2"/>
+          <p:cNvSpPr>
+            <a:spLocks noGrp="1"/>
+          </p:cNvSpPr>
+          <p:nvPr>
+            <p:ph type="body" idx="1"/>
+          </p:nvPr>
+        </p:nvSpPr>
+        <p:spPr/>
+        <p:txBody>
+          <a:bodyPr/>
+          <a:lstStyle/>
+          <a:p>
+            <a:r>
+              <a:rPr lang="de-DE" dirty="0"/>
+              <a:t>Basti</a:t>
+            </a:r>
+          </a:p>
+        </p:txBody>
+      </p:sp>
+      <p:sp>
+        <p:nvSpPr>
+          <p:cNvPr id="4" name="Foliennummernplatzhalter 3"/>
+          <p:cNvSpPr>
+            <a:spLocks noGrp="1"/>
+          </p:cNvSpPr>
+          <p:nvPr>
+            <p:ph type="sldNum" sz="quarter" idx="5"/>
+          </p:nvPr>
+        </p:nvSpPr>
+        <p:spPr/>
+        <p:txBody>
+          <a:bodyPr/>
+          <a:lstStyle/>
+          <a:p>
+            <a:fld id="{5ED54D14-BD7D-4C86-87A4-3C7AAB60AB5B}" type="slidenum">
+              <a:rPr lang="de-DE" smtClean="0"/>
+              <a:t>3</a:t>
+            </a:fld>
+            <a:endParaRPr lang="de-DE"/>
+          </a:p>
+        </p:txBody>
+      </p:sp>
+    </p:spTree>
+    <p:extLst>
+      <p:ext uri="{BB962C8B-B14F-4D97-AF65-F5344CB8AC3E}">
+        <p14:creationId xmlns:p14="http://schemas.microsoft.com/office/powerpoint/2010/main" val="4112496896"/>
+      </p:ext>
+    </p:extLst>
+  </p:cSld>
+  <p:clrMapOvr>
+    <a:masterClrMapping/>
+  </p:clrMapOvr>
+</p:notes>
+</file>
+
+<file path=ppt/notesSlides/notesSlide3.xml><?xml version="1.0" encoding="utf-8"?>
+<p:notes xmlns:a="http://schemas.openxmlformats.org/drawingml/2006/main" xmlns:r="http://schemas.openxmlformats.org/officeDocument/2006/relationships" xmlns:p="http://schemas.openxmlformats.org/presentationml/2006/main">
+  <p:cSld>
+    <p:spTree>
+      <p:nvGrpSpPr>
+        <p:cNvPr id="1" name=""/>
+        <p:cNvGrpSpPr/>
+        <p:nvPr/>
+      </p:nvGrpSpPr>
+      <p:grpSpPr>
+        <a:xfrm>
+          <a:off x="0" y="0"/>
+          <a:ext cx="0" cy="0"/>
+          <a:chOff x="0" y="0"/>
+          <a:chExt cx="0" cy="0"/>
+        </a:xfrm>
+      </p:grpSpPr>
+      <p:sp>
+        <p:nvSpPr>
+          <p:cNvPr id="2" name="Folienbildplatzhalter 1"/>
+          <p:cNvSpPr>
+            <a:spLocks noGrp="1" noRot="1" noChangeAspect="1"/>
+          </p:cNvSpPr>
+          <p:nvPr>
+            <p:ph type="sldImg"/>
+          </p:nvPr>
+        </p:nvSpPr>
+        <p:spPr/>
+      </p:sp>
+      <p:sp>
+        <p:nvSpPr>
+          <p:cNvPr id="3" name="Notizenplatzhalter 2"/>
+          <p:cNvSpPr>
+            <a:spLocks noGrp="1"/>
+          </p:cNvSpPr>
+          <p:nvPr>
+            <p:ph type="body" idx="1"/>
+          </p:nvPr>
+        </p:nvSpPr>
+        <p:spPr/>
+        <p:txBody>
+          <a:bodyPr/>
+          <a:lstStyle/>
+          <a:p>
+            <a:r>
+              <a:rPr lang="de-DE" dirty="0"/>
+              <a:t>Tom</a:t>
+            </a:r>
+          </a:p>
+        </p:txBody>
+      </p:sp>
+      <p:sp>
+        <p:nvSpPr>
+          <p:cNvPr id="4" name="Foliennummernplatzhalter 3"/>
+          <p:cNvSpPr>
+            <a:spLocks noGrp="1"/>
+          </p:cNvSpPr>
+          <p:nvPr>
+            <p:ph type="sldNum" sz="quarter" idx="5"/>
+          </p:nvPr>
+        </p:nvSpPr>
+        <p:spPr/>
+        <p:txBody>
+          <a:bodyPr/>
+          <a:lstStyle/>
+          <a:p>
+            <a:fld id="{5ED54D14-BD7D-4C86-87A4-3C7AAB60AB5B}" type="slidenum">
+              <a:rPr lang="de-DE" smtClean="0"/>
+              <a:t>4</a:t>
+            </a:fld>
+            <a:endParaRPr lang="de-DE"/>
+          </a:p>
+        </p:txBody>
+      </p:sp>
+    </p:spTree>
+    <p:extLst>
+      <p:ext uri="{BB962C8B-B14F-4D97-AF65-F5344CB8AC3E}">
+        <p14:creationId xmlns:p14="http://schemas.microsoft.com/office/powerpoint/2010/main" val="1567100312"/>
+      </p:ext>
+    </p:extLst>
+  </p:cSld>
+  <p:clrMapOvr>
+    <a:masterClrMapping/>
+  </p:clrMapOvr>
+</p:notes>
+</file>
+
+<file path=ppt/notesSlides/notesSlide4.xml><?xml version="1.0" encoding="utf-8"?>
+<p:notes xmlns:a="http://schemas.openxmlformats.org/drawingml/2006/main" xmlns:r="http://schemas.openxmlformats.org/officeDocument/2006/relationships" xmlns:p="http://schemas.openxmlformats.org/presentationml/2006/main">
+  <p:cSld>
+    <p:spTree>
+      <p:nvGrpSpPr>
+        <p:cNvPr id="1" name=""/>
+        <p:cNvGrpSpPr/>
+        <p:nvPr/>
+      </p:nvGrpSpPr>
+      <p:grpSpPr>
+        <a:xfrm>
+          <a:off x="0" y="0"/>
+          <a:ext cx="0" cy="0"/>
+          <a:chOff x="0" y="0"/>
+          <a:chExt cx="0" cy="0"/>
+        </a:xfrm>
+      </p:grpSpPr>
+      <p:sp>
+        <p:nvSpPr>
+          <p:cNvPr id="2" name="Folienbildplatzhalter 1"/>
+          <p:cNvSpPr>
+            <a:spLocks noGrp="1" noRot="1" noChangeAspect="1"/>
+          </p:cNvSpPr>
+          <p:nvPr>
+            <p:ph type="sldImg"/>
+          </p:nvPr>
+        </p:nvSpPr>
+        <p:spPr/>
+      </p:sp>
+      <p:sp>
+        <p:nvSpPr>
+          <p:cNvPr id="3" name="Notizenplatzhalter 2"/>
+          <p:cNvSpPr>
+            <a:spLocks noGrp="1"/>
+          </p:cNvSpPr>
+          <p:nvPr>
+            <p:ph type="body" idx="1"/>
+          </p:nvPr>
+        </p:nvSpPr>
+        <p:spPr/>
+        <p:txBody>
+          <a:bodyPr/>
+          <a:lstStyle/>
+          <a:p>
+            <a:r>
+              <a:rPr lang="de-DE" dirty="0"/>
+              <a:t>Tom</a:t>
+            </a:r>
+          </a:p>
+        </p:txBody>
+      </p:sp>
+      <p:sp>
+        <p:nvSpPr>
+          <p:cNvPr id="4" name="Foliennummernplatzhalter 3"/>
+          <p:cNvSpPr>
+            <a:spLocks noGrp="1"/>
+          </p:cNvSpPr>
+          <p:nvPr>
+            <p:ph type="sldNum" sz="quarter" idx="5"/>
+          </p:nvPr>
+        </p:nvSpPr>
+        <p:spPr/>
+        <p:txBody>
+          <a:bodyPr/>
+          <a:lstStyle/>
+          <a:p>
+            <a:fld id="{5ED54D14-BD7D-4C86-87A4-3C7AAB60AB5B}" type="slidenum">
+              <a:rPr lang="de-DE" smtClean="0"/>
+              <a:t>5</a:t>
+            </a:fld>
+            <a:endParaRPr lang="de-DE"/>
+          </a:p>
+        </p:txBody>
+      </p:sp>
+    </p:spTree>
+    <p:extLst>
+      <p:ext uri="{BB962C8B-B14F-4D97-AF65-F5344CB8AC3E}">
+        <p14:creationId xmlns:p14="http://schemas.microsoft.com/office/powerpoint/2010/main" val="2485595251"/>
+      </p:ext>
+    </p:extLst>
+  </p:cSld>
+  <p:clrMapOvr>
+    <a:masterClrMapping/>
+  </p:clrMapOvr>
+</p:notes>
+</file>
+
+<file path=ppt/notesSlides/notesSlide5.xml><?xml version="1.0" encoding="utf-8"?>
+<p:notes xmlns:a="http://schemas.openxmlformats.org/drawingml/2006/main" xmlns:r="http://schemas.openxmlformats.org/officeDocument/2006/relationships" xmlns:p="http://schemas.openxmlformats.org/presentationml/2006/main">
+  <p:cSld>
+    <p:spTree>
+      <p:nvGrpSpPr>
+        <p:cNvPr id="1" name=""/>
+        <p:cNvGrpSpPr/>
+        <p:nvPr/>
+      </p:nvGrpSpPr>
+      <p:grpSpPr>
+        <a:xfrm>
+          <a:off x="0" y="0"/>
+          <a:ext cx="0" cy="0"/>
+          <a:chOff x="0" y="0"/>
+          <a:chExt cx="0" cy="0"/>
+        </a:xfrm>
+      </p:grpSpPr>
+      <p:sp>
+        <p:nvSpPr>
+          <p:cNvPr id="2" name="Folienbildplatzhalter 1"/>
+          <p:cNvSpPr>
+            <a:spLocks noGrp="1" noRot="1" noChangeAspect="1"/>
+          </p:cNvSpPr>
+          <p:nvPr>
+            <p:ph type="sldImg"/>
+          </p:nvPr>
+        </p:nvSpPr>
+        <p:spPr/>
+      </p:sp>
+      <p:sp>
+        <p:nvSpPr>
+          <p:cNvPr id="3" name="Notizenplatzhalter 2"/>
+          <p:cNvSpPr>
+            <a:spLocks noGrp="1"/>
+          </p:cNvSpPr>
+          <p:nvPr>
+            <p:ph type="body" idx="1"/>
+          </p:nvPr>
+        </p:nvSpPr>
+        <p:spPr/>
+        <p:txBody>
+          <a:bodyPr/>
+          <a:lstStyle/>
+          <a:p>
+            <a:r>
+              <a:rPr lang="de-DE" dirty="0"/>
+              <a:t>Tom</a:t>
+            </a:r>
+          </a:p>
+        </p:txBody>
+      </p:sp>
+      <p:sp>
+        <p:nvSpPr>
+          <p:cNvPr id="4" name="Foliennummernplatzhalter 3"/>
+          <p:cNvSpPr>
+            <a:spLocks noGrp="1"/>
+          </p:cNvSpPr>
+          <p:nvPr>
+            <p:ph type="sldNum" sz="quarter" idx="5"/>
+          </p:nvPr>
+        </p:nvSpPr>
+        <p:spPr/>
+        <p:txBody>
+          <a:bodyPr/>
+          <a:lstStyle/>
+          <a:p>
+            <a:fld id="{5ED54D14-BD7D-4C86-87A4-3C7AAB60AB5B}" type="slidenum">
+              <a:rPr lang="de-DE" smtClean="0"/>
+              <a:t>6</a:t>
+            </a:fld>
+            <a:endParaRPr lang="de-DE"/>
+          </a:p>
+        </p:txBody>
+      </p:sp>
+    </p:spTree>
+    <p:extLst>
+      <p:ext uri="{BB962C8B-B14F-4D97-AF65-F5344CB8AC3E}">
+        <p14:creationId xmlns:p14="http://schemas.microsoft.com/office/powerpoint/2010/main" val="234046523"/>
+      </p:ext>
+    </p:extLst>
+  </p:cSld>
+  <p:clrMapOvr>
+    <a:masterClrMapping/>
+  </p:clrMapOvr>
+</p:notes>
+</file>
+
+<file path=ppt/notesSlides/notesSlide6.xml><?xml version="1.0" encoding="utf-8"?>
+<p:notes xmlns:a="http://schemas.openxmlformats.org/drawingml/2006/main" xmlns:r="http://schemas.openxmlformats.org/officeDocument/2006/relationships" xmlns:p="http://schemas.openxmlformats.org/presentationml/2006/main">
+  <p:cSld>
+    <p:spTree>
+      <p:nvGrpSpPr>
+        <p:cNvPr id="1" name=""/>
+        <p:cNvGrpSpPr/>
+        <p:nvPr/>
+      </p:nvGrpSpPr>
+      <p:grpSpPr>
+        <a:xfrm>
+          <a:off x="0" y="0"/>
+          <a:ext cx="0" cy="0"/>
+          <a:chOff x="0" y="0"/>
+          <a:chExt cx="0" cy="0"/>
+        </a:xfrm>
+      </p:grpSpPr>
+      <p:sp>
+        <p:nvSpPr>
+          <p:cNvPr id="2" name="Folienbildplatzhalter 1"/>
+          <p:cNvSpPr>
+            <a:spLocks noGrp="1" noRot="1" noChangeAspect="1"/>
+          </p:cNvSpPr>
+          <p:nvPr>
+            <p:ph type="sldImg"/>
+          </p:nvPr>
+        </p:nvSpPr>
+        <p:spPr/>
+      </p:sp>
+      <p:sp>
+        <p:nvSpPr>
+          <p:cNvPr id="3" name="Notizenplatzhalter 2"/>
+          <p:cNvSpPr>
+            <a:spLocks noGrp="1"/>
+          </p:cNvSpPr>
+          <p:nvPr>
+            <p:ph type="body" idx="1"/>
+          </p:nvPr>
+        </p:nvSpPr>
+        <p:spPr/>
+        <p:txBody>
+          <a:bodyPr/>
+          <a:lstStyle/>
+          <a:p>
+            <a:r>
+              <a:rPr lang="de-DE" dirty="0"/>
+              <a:t>Tom</a:t>
+            </a:r>
+          </a:p>
+        </p:txBody>
+      </p:sp>
+      <p:sp>
+        <p:nvSpPr>
+          <p:cNvPr id="4" name="Foliennummernplatzhalter 3"/>
+          <p:cNvSpPr>
+            <a:spLocks noGrp="1"/>
+          </p:cNvSpPr>
+          <p:nvPr>
+            <p:ph type="sldNum" sz="quarter" idx="5"/>
+          </p:nvPr>
+        </p:nvSpPr>
+        <p:spPr/>
+        <p:txBody>
+          <a:bodyPr/>
+          <a:lstStyle/>
+          <a:p>
+            <a:fld id="{5ED54D14-BD7D-4C86-87A4-3C7AAB60AB5B}" type="slidenum">
+              <a:rPr lang="de-DE" smtClean="0"/>
+              <a:t>7</a:t>
+            </a:fld>
+            <a:endParaRPr lang="de-DE"/>
+          </a:p>
+        </p:txBody>
+      </p:sp>
+    </p:spTree>
+    <p:extLst>
+      <p:ext uri="{BB962C8B-B14F-4D97-AF65-F5344CB8AC3E}">
+        <p14:creationId xmlns:p14="http://schemas.microsoft.com/office/powerpoint/2010/main" val="2412939092"/>
+      </p:ext>
+    </p:extLst>
+  </p:cSld>
+  <p:clrMapOvr>
+    <a:masterClrMapping/>
+  </p:clrMapOvr>
+</p:notes>
+</file>
+
+<file path=ppt/notesSlides/notesSlide7.xml><?xml version="1.0" encoding="utf-8"?>
+<p:notes xmlns:a="http://schemas.openxmlformats.org/drawingml/2006/main" xmlns:r="http://schemas.openxmlformats.org/officeDocument/2006/relationships" xmlns:p="http://schemas.openxmlformats.org/presentationml/2006/main">
+  <p:cSld>
+    <p:spTree>
+      <p:nvGrpSpPr>
+        <p:cNvPr id="1" name=""/>
+        <p:cNvGrpSpPr/>
+        <p:nvPr/>
+      </p:nvGrpSpPr>
+      <p:grpSpPr>
+        <a:xfrm>
+          <a:off x="0" y="0"/>
+          <a:ext cx="0" cy="0"/>
+          <a:chOff x="0" y="0"/>
+          <a:chExt cx="0" cy="0"/>
+        </a:xfrm>
+      </p:grpSpPr>
+      <p:sp>
+        <p:nvSpPr>
+          <p:cNvPr id="2" name="Folienbildplatzhalter 1"/>
+          <p:cNvSpPr>
+            <a:spLocks noGrp="1" noRot="1" noChangeAspect="1"/>
+          </p:cNvSpPr>
+          <p:nvPr>
+            <p:ph type="sldImg"/>
+          </p:nvPr>
+        </p:nvSpPr>
+        <p:spPr/>
+      </p:sp>
+      <p:sp>
+        <p:nvSpPr>
+          <p:cNvPr id="3" name="Notizenplatzhalter 2"/>
+          <p:cNvSpPr>
+            <a:spLocks noGrp="1"/>
+          </p:cNvSpPr>
+          <p:nvPr>
+            <p:ph type="body" idx="1"/>
+          </p:nvPr>
+        </p:nvSpPr>
+        <p:spPr/>
+        <p:txBody>
+          <a:bodyPr/>
+          <a:lstStyle/>
+          <a:p>
+            <a:r>
+              <a:rPr lang="de-DE" dirty="0"/>
+              <a:t>Basti</a:t>
+            </a:r>
+          </a:p>
+        </p:txBody>
+      </p:sp>
+      <p:sp>
+        <p:nvSpPr>
+          <p:cNvPr id="4" name="Foliennummernplatzhalter 3"/>
+          <p:cNvSpPr>
+            <a:spLocks noGrp="1"/>
+          </p:cNvSpPr>
+          <p:nvPr>
+            <p:ph type="sldNum" sz="quarter" idx="5"/>
+          </p:nvPr>
+        </p:nvSpPr>
+        <p:spPr/>
+        <p:txBody>
+          <a:bodyPr/>
+          <a:lstStyle/>
+          <a:p>
+            <a:fld id="{5ED54D14-BD7D-4C86-87A4-3C7AAB60AB5B}" type="slidenum">
+              <a:rPr lang="de-DE" smtClean="0"/>
+              <a:t>8</a:t>
+            </a:fld>
+            <a:endParaRPr lang="de-DE"/>
+          </a:p>
+        </p:txBody>
+      </p:sp>
+    </p:spTree>
+    <p:extLst>
+      <p:ext uri="{BB962C8B-B14F-4D97-AF65-F5344CB8AC3E}">
+        <p14:creationId xmlns:p14="http://schemas.microsoft.com/office/powerpoint/2010/main" val="4272932880"/>
+      </p:ext>
+    </p:extLst>
+  </p:cSld>
+  <p:clrMapOvr>
+    <a:masterClrMapping/>
+  </p:clrMapOvr>
+</p:notes>
+</file>
+
+<file path=ppt/notesSlides/notesSlide8.xml><?xml version="1.0" encoding="utf-8"?>
+<p:notes xmlns:a="http://schemas.openxmlformats.org/drawingml/2006/main" xmlns:r="http://schemas.openxmlformats.org/officeDocument/2006/relationships" xmlns:p="http://schemas.openxmlformats.org/presentationml/2006/main">
+  <p:cSld>
+    <p:spTree>
+      <p:nvGrpSpPr>
+        <p:cNvPr id="1" name=""/>
+        <p:cNvGrpSpPr/>
+        <p:nvPr/>
+      </p:nvGrpSpPr>
+      <p:grpSpPr>
+        <a:xfrm>
+          <a:off x="0" y="0"/>
+          <a:ext cx="0" cy="0"/>
+          <a:chOff x="0" y="0"/>
+          <a:chExt cx="0" cy="0"/>
+        </a:xfrm>
+      </p:grpSpPr>
+      <p:sp>
+        <p:nvSpPr>
+          <p:cNvPr id="2" name="Folienbildplatzhalter 1"/>
+          <p:cNvSpPr>
+            <a:spLocks noGrp="1" noRot="1" noChangeAspect="1"/>
+          </p:cNvSpPr>
+          <p:nvPr>
+            <p:ph type="sldImg"/>
+          </p:nvPr>
+        </p:nvSpPr>
+        <p:spPr/>
+      </p:sp>
+      <p:sp>
+        <p:nvSpPr>
+          <p:cNvPr id="3" name="Notizenplatzhalter 2"/>
+          <p:cNvSpPr>
+            <a:spLocks noGrp="1"/>
+          </p:cNvSpPr>
+          <p:nvPr>
+            <p:ph type="body" idx="1"/>
+          </p:nvPr>
+        </p:nvSpPr>
+        <p:spPr/>
+        <p:txBody>
+          <a:bodyPr/>
+          <a:lstStyle/>
+          <a:p>
+            <a:r>
+              <a:rPr lang="de-DE" dirty="0"/>
+              <a:t>Basti</a:t>
+            </a:r>
+          </a:p>
+        </p:txBody>
+      </p:sp>
+      <p:sp>
+        <p:nvSpPr>
+          <p:cNvPr id="4" name="Foliennummernplatzhalter 3"/>
+          <p:cNvSpPr>
+            <a:spLocks noGrp="1"/>
+          </p:cNvSpPr>
+          <p:nvPr>
+            <p:ph type="sldNum" sz="quarter" idx="5"/>
+          </p:nvPr>
+        </p:nvSpPr>
+        <p:spPr/>
+        <p:txBody>
+          <a:bodyPr/>
+          <a:lstStyle/>
+          <a:p>
+            <a:fld id="{5ED54D14-BD7D-4C86-87A4-3C7AAB60AB5B}" type="slidenum">
+              <a:rPr lang="de-DE" smtClean="0"/>
+              <a:t>9</a:t>
+            </a:fld>
+            <a:endParaRPr lang="de-DE"/>
+          </a:p>
+        </p:txBody>
+      </p:sp>
+    </p:spTree>
+    <p:extLst>
+      <p:ext uri="{BB962C8B-B14F-4D97-AF65-F5344CB8AC3E}">
+        <p14:creationId xmlns:p14="http://schemas.microsoft.com/office/powerpoint/2010/main" val="4187891696"/>
+      </p:ext>
+    </p:extLst>
+  </p:cSld>
+  <p:clrMapOvr>
+    <a:masterClrMapping/>
+  </p:clrMapOvr>
+</p:notes>
+</file>
+
+<file path=ppt/notesSlides/notesSlide9.xml><?xml version="1.0" encoding="utf-8"?>
+<p:notes xmlns:a="http://schemas.openxmlformats.org/drawingml/2006/main" xmlns:r="http://schemas.openxmlformats.org/officeDocument/2006/relationships" xmlns:p="http://schemas.openxmlformats.org/presentationml/2006/main">
+  <p:cSld>
+    <p:spTree>
+      <p:nvGrpSpPr>
+        <p:cNvPr id="1" name=""/>
+        <p:cNvGrpSpPr/>
+        <p:nvPr/>
+      </p:nvGrpSpPr>
+      <p:grpSpPr>
+        <a:xfrm>
+          <a:off x="0" y="0"/>
+          <a:ext cx="0" cy="0"/>
+          <a:chOff x="0" y="0"/>
+          <a:chExt cx="0" cy="0"/>
+        </a:xfrm>
+      </p:grpSpPr>
+      <p:sp>
+        <p:nvSpPr>
+          <p:cNvPr id="2" name="Folienbildplatzhalter 1"/>
+          <p:cNvSpPr>
+            <a:spLocks noGrp="1" noRot="1" noChangeAspect="1"/>
+          </p:cNvSpPr>
+          <p:nvPr>
+            <p:ph type="sldImg"/>
+          </p:nvPr>
+        </p:nvSpPr>
+        <p:spPr/>
+      </p:sp>
+      <p:sp>
+        <p:nvSpPr>
+          <p:cNvPr id="3" name="Notizenplatzhalter 2"/>
+          <p:cNvSpPr>
+            <a:spLocks noGrp="1"/>
+          </p:cNvSpPr>
+          <p:nvPr>
+            <p:ph type="body" idx="1"/>
+          </p:nvPr>
+        </p:nvSpPr>
+        <p:spPr/>
+        <p:txBody>
+          <a:bodyPr/>
+          <a:lstStyle/>
+          <a:p>
+            <a:r>
+              <a:rPr lang="de-DE" dirty="0"/>
+              <a:t>Basti</a:t>
+            </a:r>
+          </a:p>
+        </p:txBody>
+      </p:sp>
+      <p:sp>
+        <p:nvSpPr>
+          <p:cNvPr id="4" name="Foliennummernplatzhalter 3"/>
+          <p:cNvSpPr>
+            <a:spLocks noGrp="1"/>
+          </p:cNvSpPr>
+          <p:nvPr>
+            <p:ph type="sldNum" sz="quarter" idx="5"/>
+          </p:nvPr>
+        </p:nvSpPr>
+        <p:spPr/>
+        <p:txBody>
+          <a:bodyPr/>
+          <a:lstStyle/>
+          <a:p>
+            <a:fld id="{5ED54D14-BD7D-4C86-87A4-3C7AAB60AB5B}" type="slidenum">
+              <a:rPr lang="de-DE" smtClean="0"/>
+              <a:t>10</a:t>
+            </a:fld>
+            <a:endParaRPr lang="de-DE"/>
+          </a:p>
+        </p:txBody>
+      </p:sp>
+    </p:spTree>
+    <p:extLst>
+      <p:ext uri="{BB962C8B-B14F-4D97-AF65-F5344CB8AC3E}">
+        <p14:creationId xmlns:p14="http://schemas.microsoft.com/office/powerpoint/2010/main" val="679940554"/>
       </p:ext>
     </p:extLst>
   </p:cSld>
@@ -6922,7 +7889,7 @@
           <p:cNvPr id="4" name="Foliennummernplatzhalter 3">
             <a:extLst>
               <a:ext uri="{FF2B5EF4-FFF2-40B4-BE49-F238E27FC236}">
-                <a16:creationId xmlns:a16="http://schemas.microsoft.com/office/drawing/2014/main" id="{FD6FA2E9-CE11-4C98-8964-580B4E5962A0}"/>
+                <a16:creationId xmlns:a16="http://schemas.microsoft.com/office/drawing/2014/main" id="{FCA2A928-951F-431D-B0A3-3B8F6524A01F}"/>
               </a:ext>
             </a:extLst>
           </p:cNvPr>
@@ -6956,7 +7923,7 @@
           <p:cNvPr id="5" name="Inhaltsplatzhalter 4">
             <a:extLst>
               <a:ext uri="{FF2B5EF4-FFF2-40B4-BE49-F238E27FC236}">
-                <a16:creationId xmlns:a16="http://schemas.microsoft.com/office/drawing/2014/main" id="{B59043E2-3FD5-4C75-8E8C-AB6BB2D2314B}"/>
+                <a16:creationId xmlns:a16="http://schemas.microsoft.com/office/drawing/2014/main" id="{F6ADC04E-776E-4160-BC8E-456C44C78991}"/>
               </a:ext>
             </a:extLst>
           </p:cNvPr>
@@ -6967,17 +7934,30 @@
             <p:ph idx="1"/>
           </p:nvPr>
         </p:nvSpPr>
-        <p:spPr/>
-        <p:txBody>
-          <a:bodyPr/>
-          <a:lstStyle/>
-          <a:p>
+        <p:spPr>
+          <a:xfrm>
+            <a:off x="279167" y="1563638"/>
+            <a:ext cx="4868897" cy="2980420"/>
+          </a:xfrm>
+        </p:spPr>
+        <p:txBody>
+          <a:bodyPr/>
+          <a:lstStyle/>
+          <a:p>
+            <a:pPr marL="285750" indent="-285750">
+              <a:buFontTx/>
+              <a:buChar char="-"/>
+            </a:pPr>
             <a:endParaRPr lang="de-DE" dirty="0"/>
           </a:p>
           <a:p>
-            <a:r>
-              <a:rPr lang="de-DE" dirty="0" err="1"/>
-              <a:t>Realize</a:t>
+            <a:pPr marL="285750" indent="-285750">
+              <a:buFontTx/>
+              <a:buChar char="-"/>
+            </a:pPr>
+            <a:r>
+              <a:rPr lang="de-DE" dirty="0" err="1"/>
+              <a:t>Solved</a:t>
             </a:r>
             <a:r>
               <a:rPr lang="de-DE" dirty="0"/>
@@ -6985,26 +7965,102 @@
             </a:r>
             <a:r>
               <a:rPr lang="de-DE" dirty="0" err="1"/>
+              <a:t>with</a:t>
+            </a:r>
+            <a:r>
+              <a:rPr lang="de-DE" dirty="0"/>
+              <a:t> </a:t>
+            </a:r>
+            <a:r>
+              <a:rPr lang="de-DE" dirty="0" err="1"/>
+              <a:t>python-script</a:t>
+            </a:r>
+            <a:endParaRPr lang="de-DE" dirty="0"/>
+          </a:p>
+          <a:p>
+            <a:endParaRPr lang="de-DE" dirty="0"/>
+          </a:p>
+          <a:p>
+            <a:pPr marL="285750" indent="-285750">
+              <a:buFontTx/>
+              <a:buChar char="-"/>
+            </a:pPr>
+            <a:r>
+              <a:rPr lang="de-DE" dirty="0"/>
+              <a:t>Able </a:t>
+            </a:r>
+            <a:r>
+              <a:rPr lang="de-DE" dirty="0" err="1"/>
+              <a:t>to</a:t>
+            </a:r>
+            <a:r>
+              <a:rPr lang="de-DE" dirty="0"/>
+              <a:t> </a:t>
+            </a:r>
+            <a:r>
+              <a:rPr lang="de-DE" dirty="0" err="1"/>
+              <a:t>edit</a:t>
+            </a:r>
+            <a:r>
+              <a:rPr lang="de-DE" dirty="0"/>
+              <a:t> </a:t>
+            </a:r>
+            <a:r>
+              <a:rPr lang="de-DE" dirty="0" err="1"/>
               <a:t>the</a:t>
             </a:r>
             <a:r>
               <a:rPr lang="de-DE" dirty="0"/>
-              <a:t> Excel Solver via </a:t>
-            </a:r>
-            <a:r>
-              <a:rPr lang="de-DE" dirty="0" err="1"/>
-              <a:t>python</a:t>
-            </a:r>
+              <a:t> </a:t>
+            </a:r>
+            <a:r>
+              <a:rPr lang="de-DE" dirty="0" err="1"/>
+              <a:t>constraints</a:t>
+            </a:r>
+            <a:r>
+              <a:rPr lang="de-DE" dirty="0"/>
+              <a:t> via </a:t>
+            </a:r>
+            <a:r>
+              <a:rPr lang="de-DE" dirty="0" err="1"/>
+              <a:t>comand</a:t>
+            </a:r>
+            <a:r>
+              <a:rPr lang="de-DE" dirty="0"/>
+              <a:t> </a:t>
+            </a:r>
+            <a:r>
+              <a:rPr lang="de-DE" dirty="0" err="1"/>
+              <a:t>line</a:t>
+            </a:r>
+            <a:r>
+              <a:rPr lang="de-DE" dirty="0"/>
+              <a:t> interface</a:t>
+            </a:r>
+          </a:p>
+          <a:p>
             <a:endParaRPr lang="de-DE" dirty="0"/>
           </a:p>
           <a:p>
-            <a:r>
-              <a:rPr lang="de-DE" dirty="0"/>
-              <a:t>	- source code </a:t>
-            </a:r>
-            <a:r>
-              <a:rPr lang="de-DE" dirty="0" err="1"/>
-              <a:t>of</a:t>
+            <a:pPr marL="285750" indent="-285750">
+              <a:buFontTx/>
+              <a:buChar char="-"/>
+            </a:pPr>
+            <a:r>
+              <a:rPr lang="de-DE" dirty="0"/>
+              <a:t>Same </a:t>
+            </a:r>
+            <a:r>
+              <a:rPr lang="de-DE" dirty="0" err="1"/>
+              <a:t>constraints</a:t>
+            </a:r>
+            <a:r>
+              <a:rPr lang="de-DE" dirty="0"/>
+              <a:t> like </a:t>
+            </a:r>
+            <a:r>
+              <a:rPr lang="de-DE" dirty="0" err="1"/>
+              <a:t>the</a:t>
             </a:r>
             <a:r>
               <a:rPr lang="de-DE" dirty="0"/>
@@ -7012,7 +8068,7 @@
             </a:r>
             <a:r>
               <a:rPr lang="de-DE" dirty="0" err="1"/>
-              <a:t>the</a:t>
+              <a:t>origin</a:t>
             </a:r>
             <a:r>
               <a:rPr lang="de-DE" dirty="0"/>
@@ -7020,7 +8076,18 @@
             </a:r>
             <a:r>
               <a:rPr lang="de-DE" dirty="0" err="1"/>
-              <a:t>python-solver</a:t>
+              <a:t>experiment</a:t>
+            </a:r>
+            <a:endParaRPr lang="de-DE" dirty="0"/>
+          </a:p>
+          <a:p>
+            <a:r>
+              <a:rPr lang="de-DE" dirty="0"/>
+              <a:t>     + </a:t>
+            </a:r>
+            <a:r>
+              <a:rPr lang="de-DE" dirty="0" err="1"/>
+              <a:t>prediction</a:t>
             </a:r>
             <a:r>
               <a:rPr lang="de-DE" dirty="0"/>
@@ -7028,68 +8095,38 @@
             </a:r>
             <a:r>
               <a:rPr lang="de-DE" dirty="0" err="1"/>
-              <a:t>available</a:t>
-            </a:r>
-            <a:r>
-              <a:rPr lang="de-DE" dirty="0"/>
-              <a:t> in </a:t>
-            </a:r>
-            <a:r>
-              <a:rPr lang="de-DE" dirty="0" err="1"/>
-              <a:t>repository</a:t>
+              <a:t>constraint</a:t>
+            </a:r>
+            <a:r>
+              <a:rPr lang="de-DE" dirty="0"/>
+              <a:t> </a:t>
+            </a:r>
+            <a:r>
+              <a:rPr lang="de-DE" dirty="0" err="1"/>
+              <a:t>from</a:t>
+            </a:r>
+            <a:r>
+              <a:rPr lang="de-DE" dirty="0"/>
+              <a:t> </a:t>
+            </a:r>
+            <a:r>
+              <a:rPr lang="de-DE" dirty="0" err="1"/>
+              <a:t>historical</a:t>
+            </a:r>
+            <a:r>
+              <a:rPr lang="de-DE" dirty="0"/>
+              <a:t> </a:t>
+            </a:r>
+            <a:r>
+              <a:rPr lang="de-DE" dirty="0" err="1"/>
+              <a:t>data</a:t>
             </a:r>
             <a:endParaRPr lang="de-DE" dirty="0"/>
           </a:p>
           <a:p>
-            <a:r>
-              <a:rPr lang="de-DE" dirty="0"/>
-              <a:t>	- </a:t>
-            </a:r>
-            <a:r>
-              <a:rPr lang="en-US" dirty="0"/>
-              <a:t>Beneficial for researchers who repeat our experiment</a:t>
-            </a:r>
-          </a:p>
-          <a:p>
-            <a:endParaRPr lang="en-US" dirty="0"/>
-          </a:p>
-          <a:p>
-            <a:endParaRPr lang="en-US" dirty="0"/>
-          </a:p>
-          <a:p>
-            <a:r>
-              <a:rPr lang="en-US" dirty="0"/>
-              <a:t>Realize the documentation via LaTeX</a:t>
-            </a:r>
-          </a:p>
-          <a:p>
-            <a:r>
-              <a:rPr lang="en-US" dirty="0"/>
-              <a:t>	- Documentation is generate automatically </a:t>
-            </a:r>
-          </a:p>
-          <a:p>
-            <a:r>
-              <a:rPr lang="en-US" dirty="0"/>
-              <a:t>	- best look for scientific Papers</a:t>
-            </a:r>
-          </a:p>
-          <a:p>
-            <a:r>
-              <a:rPr lang="en-US" dirty="0"/>
-              <a:t>	- automatically import of </a:t>
-            </a:r>
-            <a:r>
-              <a:rPr lang="en-US" dirty="0" err="1"/>
-              <a:t>figtures</a:t>
-            </a:r>
-            <a:endParaRPr lang="en-US" dirty="0"/>
-          </a:p>
-          <a:p>
-            <a:r>
-              <a:rPr lang="en-US" dirty="0"/>
-              <a:t>	- (Output as PDF-File)</a:t>
-            </a:r>
+            <a:endParaRPr lang="de-DE" dirty="0"/>
+          </a:p>
+          <a:p>
             <a:endParaRPr lang="de-DE" dirty="0"/>
           </a:p>
         </p:txBody>
@@ -7099,7 +8136,7 @@
           <p:cNvPr id="6" name="Textplatzhalter 5">
             <a:extLst>
               <a:ext uri="{FF2B5EF4-FFF2-40B4-BE49-F238E27FC236}">
-                <a16:creationId xmlns:a16="http://schemas.microsoft.com/office/drawing/2014/main" id="{5DABE3BD-90FE-4A8A-BAA3-0CC28343E955}"/>
+                <a16:creationId xmlns:a16="http://schemas.microsoft.com/office/drawing/2014/main" id="{67895B57-FD4E-4D32-8FCD-1EEB6750D6FC}"/>
               </a:ext>
             </a:extLst>
           </p:cNvPr>
@@ -7116,12 +8153,8 @@
           <a:lstStyle/>
           <a:p>
             <a:r>
-              <a:rPr lang="de-DE" dirty="0"/>
-              <a:t>Tools in </a:t>
-            </a:r>
-            <a:r>
-              <a:rPr lang="de-DE" dirty="0" err="1"/>
-              <a:t>our</a:t>
+              <a:rPr lang="en-US" dirty="0"/>
+              <a:t>Reproducibility</a:t>
             </a:r>
             <a:r>
               <a:rPr lang="de-DE" dirty="0"/>
@@ -7129,7 +8162,7 @@
             </a:r>
             <a:r>
               <a:rPr lang="de-DE" dirty="0" err="1"/>
-              <a:t>experiment</a:t>
+              <a:t>results</a:t>
             </a:r>
             <a:endParaRPr lang="de-DE" dirty="0"/>
           </a:p>
@@ -7140,7 +8173,7 @@
           <p:cNvPr id="7" name="Titel 6">
             <a:extLst>
               <a:ext uri="{FF2B5EF4-FFF2-40B4-BE49-F238E27FC236}">
-                <a16:creationId xmlns:a16="http://schemas.microsoft.com/office/drawing/2014/main" id="{AE1D8EBA-52F2-4067-A44F-5F75E34496B7}"/>
+                <a16:creationId xmlns:a16="http://schemas.microsoft.com/office/drawing/2014/main" id="{FBBEDBA6-8DE0-42BF-AA1D-F79969837E33}"/>
               </a:ext>
             </a:extLst>
           </p:cNvPr>
@@ -7172,10 +8205,108 @@
           </a:p>
         </p:txBody>
       </p:sp>
+      <p:sp>
+        <p:nvSpPr>
+          <p:cNvPr id="8" name="Textfeld 7">
+            <a:extLst>
+              <a:ext uri="{FF2B5EF4-FFF2-40B4-BE49-F238E27FC236}">
+                <a16:creationId xmlns:a16="http://schemas.microsoft.com/office/drawing/2014/main" id="{AE9E72B9-3695-4FA7-B8D0-9D67FC5E6807}"/>
+              </a:ext>
+            </a:extLst>
+          </p:cNvPr>
+          <p:cNvSpPr txBox="1"/>
+          <p:nvPr/>
+        </p:nvSpPr>
+        <p:spPr>
+          <a:xfrm>
+            <a:off x="8316416" y="4390169"/>
+            <a:ext cx="643125" cy="307777"/>
+          </a:xfrm>
+          <a:prstGeom prst="rect">
+            <a:avLst/>
+          </a:prstGeom>
+          <a:noFill/>
+        </p:spPr>
+        <p:txBody>
+          <a:bodyPr wrap="none" rtlCol="0">
+            <a:spAutoFit/>
+          </a:bodyPr>
+          <a:lstStyle/>
+          <a:p>
+            <a:r>
+              <a:rPr lang="de-DE" dirty="0"/>
+              <a:t>[2][4]</a:t>
+            </a:r>
+          </a:p>
+        </p:txBody>
+      </p:sp>
+      <p:graphicFrame>
+        <p:nvGraphicFramePr>
+          <p:cNvPr id="2" name="Objekt 1">
+            <a:extLst>
+              <a:ext uri="{FF2B5EF4-FFF2-40B4-BE49-F238E27FC236}">
+                <a16:creationId xmlns:a16="http://schemas.microsoft.com/office/drawing/2014/main" id="{6EFBDD85-BE0B-4F3A-9F82-69B60123DE96}"/>
+              </a:ext>
+            </a:extLst>
+          </p:cNvPr>
+          <p:cNvGraphicFramePr>
+            <a:graphicFrameLocks noChangeAspect="1"/>
+          </p:cNvGraphicFramePr>
+          <p:nvPr>
+            <p:extLst>
+              <p:ext uri="{D42A27DB-BD31-4B8C-83A1-F6EECF244321}">
+                <p14:modId xmlns:p14="http://schemas.microsoft.com/office/powerpoint/2010/main" val="2851813601"/>
+              </p:ext>
+            </p:extLst>
+          </p:nvPr>
+        </p:nvGraphicFramePr>
+        <p:xfrm>
+          <a:off x="4860032" y="902274"/>
+          <a:ext cx="4391025" cy="3295650"/>
+        </p:xfrm>
+        <a:graphic>
+          <a:graphicData uri="http://schemas.openxmlformats.org/presentationml/2006/ole">
+            <mc:AlternateContent xmlns:mc="http://schemas.openxmlformats.org/markup-compatibility/2006">
+              <mc:Choice xmlns:v="urn:schemas-microsoft-com:vml" Requires="v">
+                <p:oleObj spid="_x0000_s4098" name="Acrobat Document" r:id="rId4" imgW="4390760" imgH="3295344" progId="Acrobat.Document.DC">
+                  <p:embed/>
+                </p:oleObj>
+              </mc:Choice>
+              <mc:Fallback>
+                <p:oleObj name="Acrobat Document" r:id="rId4" imgW="4390760" imgH="3295344" progId="Acrobat.Document.DC">
+                  <p:embed/>
+                  <p:pic>
+                    <p:nvPicPr>
+                      <p:cNvPr id="0" name=""/>
+                      <p:cNvPicPr/>
+                      <p:nvPr/>
+                    </p:nvPicPr>
+                    <p:blipFill>
+                      <a:blip r:embed="rId5"/>
+                      <a:stretch>
+                        <a:fillRect/>
+                      </a:stretch>
+                    </p:blipFill>
+                    <p:spPr>
+                      <a:xfrm>
+                        <a:off x="4860032" y="902274"/>
+                        <a:ext cx="4391025" cy="3295650"/>
+                      </a:xfrm>
+                      <a:prstGeom prst="rect">
+                        <a:avLst/>
+                      </a:prstGeom>
+                    </p:spPr>
+                  </p:pic>
+                </p:oleObj>
+              </mc:Fallback>
+            </mc:AlternateContent>
+          </a:graphicData>
+        </a:graphic>
+      </p:graphicFrame>
     </p:spTree>
     <p:extLst>
       <p:ext uri="{BB962C8B-B14F-4D97-AF65-F5344CB8AC3E}">
-        <p14:creationId xmlns:p14="http://schemas.microsoft.com/office/powerpoint/2010/main" val="1270263777"/>
+        <p14:creationId xmlns:p14="http://schemas.microsoft.com/office/powerpoint/2010/main" val="2619176930"/>
       </p:ext>
     </p:extLst>
   </p:cSld>
@@ -7207,7 +8338,7 @@
           <p:cNvPr id="4" name="Foliennummernplatzhalter 3">
             <a:extLst>
               <a:ext uri="{FF2B5EF4-FFF2-40B4-BE49-F238E27FC236}">
-                <a16:creationId xmlns:a16="http://schemas.microsoft.com/office/drawing/2014/main" id="{FCA2A928-951F-431D-B0A3-3B8F6524A01F}"/>
+                <a16:creationId xmlns:a16="http://schemas.microsoft.com/office/drawing/2014/main" id="{4ACC42FE-0514-43E1-9346-E6BF7CAEFEF6}"/>
               </a:ext>
             </a:extLst>
           </p:cNvPr>
@@ -7241,7 +8372,7 @@
           <p:cNvPr id="5" name="Inhaltsplatzhalter 4">
             <a:extLst>
               <a:ext uri="{FF2B5EF4-FFF2-40B4-BE49-F238E27FC236}">
-                <a16:creationId xmlns:a16="http://schemas.microsoft.com/office/drawing/2014/main" id="{F6ADC04E-776E-4160-BC8E-456C44C78991}"/>
+                <a16:creationId xmlns:a16="http://schemas.microsoft.com/office/drawing/2014/main" id="{02121EEB-4CD9-44DE-A987-64A022A871FD}"/>
               </a:ext>
             </a:extLst>
           </p:cNvPr>
@@ -7257,6 +8388,511 @@
           <a:bodyPr/>
           <a:lstStyle/>
           <a:p>
+            <a:pPr marL="285750" indent="-285750">
+              <a:buFontTx/>
+              <a:buChar char="-"/>
+            </a:pPr>
+            <a:r>
+              <a:rPr lang="de-DE" dirty="0"/>
+              <a:t>Docker </a:t>
+            </a:r>
+            <a:r>
+              <a:rPr lang="de-DE" dirty="0" err="1"/>
+              <a:t>is</a:t>
+            </a:r>
+            <a:r>
+              <a:rPr lang="de-DE" dirty="0"/>
+              <a:t> </a:t>
+            </a:r>
+            <a:r>
+              <a:rPr lang="de-DE" dirty="0" err="1"/>
+              <a:t>used</a:t>
+            </a:r>
+            <a:r>
+              <a:rPr lang="de-DE" dirty="0"/>
+              <a:t> </a:t>
+            </a:r>
+            <a:r>
+              <a:rPr lang="de-DE" dirty="0" err="1"/>
+              <a:t>as</a:t>
+            </a:r>
+            <a:r>
+              <a:rPr lang="de-DE" dirty="0"/>
+              <a:t> </a:t>
+            </a:r>
+            <a:r>
+              <a:rPr lang="de-DE" dirty="0" err="1"/>
+              <a:t>encapsulated</a:t>
+            </a:r>
+            <a:r>
+              <a:rPr lang="de-DE" dirty="0"/>
+              <a:t> </a:t>
+            </a:r>
+            <a:r>
+              <a:rPr lang="de-DE" dirty="0" err="1"/>
+              <a:t>envirement</a:t>
+            </a:r>
+            <a:r>
+              <a:rPr lang="de-DE" dirty="0"/>
+              <a:t> (</a:t>
+            </a:r>
+            <a:r>
+              <a:rPr lang="de-DE" dirty="0" err="1"/>
+              <a:t>container</a:t>
+            </a:r>
+            <a:r>
+              <a:rPr lang="de-DE" dirty="0"/>
+              <a:t>)</a:t>
+            </a:r>
+          </a:p>
+          <a:p>
+            <a:pPr marL="652436" lvl="1" indent="-285750">
+              <a:buFontTx/>
+              <a:buChar char="-"/>
+            </a:pPr>
+            <a:r>
+              <a:rPr lang="de-DE" dirty="0" err="1"/>
+              <a:t>For</a:t>
+            </a:r>
+            <a:r>
+              <a:rPr lang="de-DE" dirty="0"/>
+              <a:t> </a:t>
+            </a:r>
+            <a:r>
+              <a:rPr lang="de-DE" dirty="0" err="1"/>
+              <a:t>developing</a:t>
+            </a:r>
+            <a:r>
+              <a:rPr lang="de-DE" dirty="0"/>
+              <a:t>, </a:t>
+            </a:r>
+            <a:r>
+              <a:rPr lang="de-DE" dirty="0" err="1"/>
+              <a:t>shipping</a:t>
+            </a:r>
+            <a:r>
+              <a:rPr lang="de-DE" dirty="0"/>
+              <a:t> and </a:t>
+            </a:r>
+            <a:r>
+              <a:rPr lang="de-DE" dirty="0" err="1"/>
+              <a:t>running</a:t>
+            </a:r>
+            <a:r>
+              <a:rPr lang="de-DE" dirty="0"/>
+              <a:t> </a:t>
+            </a:r>
+            <a:r>
+              <a:rPr lang="de-DE" dirty="0" err="1"/>
+              <a:t>applications</a:t>
+            </a:r>
+            <a:endParaRPr lang="de-DE" dirty="0"/>
+          </a:p>
+          <a:p>
+            <a:pPr marL="652436" lvl="1" indent="-285750">
+              <a:buFontTx/>
+              <a:buChar char="-"/>
+            </a:pPr>
+            <a:r>
+              <a:rPr lang="de-DE" dirty="0"/>
+              <a:t>Easy </a:t>
+            </a:r>
+            <a:r>
+              <a:rPr lang="de-DE" dirty="0" err="1"/>
+              <a:t>to</a:t>
+            </a:r>
+            <a:r>
+              <a:rPr lang="de-DE" dirty="0"/>
+              <a:t> </a:t>
+            </a:r>
+            <a:r>
+              <a:rPr lang="de-DE" dirty="0" err="1"/>
+              <a:t>share</a:t>
+            </a:r>
+            <a:r>
+              <a:rPr lang="de-DE" dirty="0"/>
+              <a:t> </a:t>
+            </a:r>
+            <a:r>
+              <a:rPr lang="de-DE" dirty="0" err="1"/>
+              <a:t>the</a:t>
+            </a:r>
+            <a:r>
+              <a:rPr lang="de-DE" dirty="0"/>
+              <a:t> same </a:t>
+            </a:r>
+            <a:r>
+              <a:rPr lang="de-DE" dirty="0" err="1"/>
+              <a:t>contend</a:t>
+            </a:r>
+            <a:r>
+              <a:rPr lang="de-DE" dirty="0"/>
+              <a:t> 	</a:t>
+            </a:r>
+          </a:p>
+          <a:p>
+            <a:pPr marL="652436" lvl="1" indent="-285750">
+              <a:buFontTx/>
+              <a:buChar char="-"/>
+            </a:pPr>
+            <a:r>
+              <a:rPr lang="de-DE" dirty="0"/>
+              <a:t>An </a:t>
+            </a:r>
+            <a:r>
+              <a:rPr lang="de-DE" dirty="0" err="1"/>
+              <a:t>image</a:t>
+            </a:r>
+            <a:r>
+              <a:rPr lang="de-DE" dirty="0"/>
+              <a:t> </a:t>
+            </a:r>
+            <a:r>
+              <a:rPr lang="de-DE" dirty="0" err="1"/>
+              <a:t>is</a:t>
+            </a:r>
+            <a:r>
+              <a:rPr lang="de-DE" dirty="0"/>
+              <a:t> a </a:t>
+            </a:r>
+            <a:r>
+              <a:rPr lang="de-DE" dirty="0" err="1"/>
+              <a:t>read</a:t>
+            </a:r>
+            <a:r>
+              <a:rPr lang="de-DE" dirty="0"/>
+              <a:t> </a:t>
+            </a:r>
+            <a:r>
+              <a:rPr lang="de-DE" dirty="0" err="1"/>
+              <a:t>only</a:t>
+            </a:r>
+            <a:r>
+              <a:rPr lang="de-DE" dirty="0"/>
+              <a:t> </a:t>
+            </a:r>
+            <a:r>
+              <a:rPr lang="de-DE" dirty="0" err="1"/>
+              <a:t>template</a:t>
+            </a:r>
+            <a:endParaRPr lang="de-DE" dirty="0"/>
+          </a:p>
+          <a:p>
+            <a:pPr marL="652436" lvl="1" indent="-285750">
+              <a:buFontTx/>
+              <a:buChar char="-"/>
+            </a:pPr>
+            <a:r>
+              <a:rPr lang="de-DE" dirty="0"/>
+              <a:t>A </a:t>
+            </a:r>
+            <a:r>
+              <a:rPr lang="de-DE" dirty="0" err="1"/>
+              <a:t>container</a:t>
+            </a:r>
+            <a:r>
+              <a:rPr lang="de-DE" dirty="0"/>
+              <a:t> </a:t>
+            </a:r>
+            <a:r>
+              <a:rPr lang="de-DE" dirty="0" err="1"/>
+              <a:t>is</a:t>
+            </a:r>
+            <a:r>
+              <a:rPr lang="de-DE" dirty="0"/>
+              <a:t> a </a:t>
+            </a:r>
+            <a:r>
+              <a:rPr lang="de-DE" dirty="0" err="1"/>
+              <a:t>runable</a:t>
+            </a:r>
+            <a:r>
+              <a:rPr lang="de-DE" dirty="0"/>
+              <a:t> </a:t>
+            </a:r>
+            <a:r>
+              <a:rPr lang="de-DE" dirty="0" err="1"/>
+              <a:t>instance</a:t>
+            </a:r>
+            <a:r>
+              <a:rPr lang="de-DE" dirty="0"/>
+              <a:t> </a:t>
+            </a:r>
+            <a:r>
+              <a:rPr lang="de-DE" dirty="0" err="1"/>
+              <a:t>of</a:t>
+            </a:r>
+            <a:r>
+              <a:rPr lang="de-DE" dirty="0"/>
+              <a:t> </a:t>
+            </a:r>
+            <a:r>
+              <a:rPr lang="de-DE" dirty="0" err="1"/>
+              <a:t>the</a:t>
+            </a:r>
+            <a:r>
+              <a:rPr lang="de-DE" dirty="0"/>
+              <a:t> </a:t>
+            </a:r>
+            <a:r>
+              <a:rPr lang="de-DE" dirty="0" err="1"/>
+              <a:t>image</a:t>
+            </a:r>
+            <a:endParaRPr lang="de-DE" dirty="0"/>
+          </a:p>
+          <a:p>
+            <a:pPr marL="652436" lvl="1" indent="-285750">
+              <a:buFontTx/>
+              <a:buChar char="-"/>
+            </a:pPr>
+            <a:endParaRPr lang="de-DE" dirty="0"/>
+          </a:p>
+          <a:p>
+            <a:pPr marL="285750" indent="-285750">
+              <a:buFontTx/>
+              <a:buChar char="-"/>
+            </a:pPr>
+            <a:r>
+              <a:rPr lang="de-DE" dirty="0"/>
+              <a:t>The </a:t>
+            </a:r>
+            <a:r>
+              <a:rPr lang="de-DE" dirty="0" err="1"/>
+              <a:t>container</a:t>
+            </a:r>
+            <a:r>
+              <a:rPr lang="de-DE" dirty="0"/>
+              <a:t> </a:t>
+            </a:r>
+            <a:r>
+              <a:rPr lang="de-DE" dirty="0" err="1"/>
+              <a:t>of</a:t>
+            </a:r>
+            <a:r>
+              <a:rPr lang="de-DE" dirty="0"/>
+              <a:t> </a:t>
+            </a:r>
+            <a:r>
+              <a:rPr lang="de-DE" dirty="0" err="1"/>
+              <a:t>the</a:t>
+            </a:r>
+            <a:r>
+              <a:rPr lang="de-DE" dirty="0"/>
+              <a:t> repro-</a:t>
+            </a:r>
+            <a:r>
+              <a:rPr lang="de-DE" dirty="0" err="1"/>
+              <a:t>package</a:t>
+            </a:r>
+            <a:r>
+              <a:rPr lang="de-DE" dirty="0"/>
+              <a:t>:</a:t>
+            </a:r>
+          </a:p>
+          <a:p>
+            <a:pPr marL="652436" lvl="1" indent="-285750">
+              <a:buFontTx/>
+              <a:buChar char="-"/>
+            </a:pPr>
+            <a:r>
+              <a:rPr lang="de-DE" dirty="0"/>
+              <a:t>Holds </a:t>
+            </a:r>
+            <a:r>
+              <a:rPr lang="de-DE" dirty="0" err="1"/>
+              <a:t>the</a:t>
+            </a:r>
+            <a:r>
+              <a:rPr lang="de-DE" dirty="0"/>
+              <a:t> hole </a:t>
+            </a:r>
+            <a:r>
+              <a:rPr lang="de-DE" dirty="0" err="1"/>
+              <a:t>setup</a:t>
+            </a:r>
+            <a:r>
+              <a:rPr lang="de-DE" dirty="0"/>
+              <a:t> (</a:t>
+            </a:r>
+            <a:r>
+              <a:rPr lang="de-DE" dirty="0" err="1"/>
+              <a:t>data</a:t>
+            </a:r>
+            <a:r>
+              <a:rPr lang="de-DE" dirty="0"/>
+              <a:t>, </a:t>
+            </a:r>
+            <a:r>
+              <a:rPr lang="de-DE" dirty="0" err="1"/>
+              <a:t>sourcecode</a:t>
+            </a:r>
+            <a:r>
+              <a:rPr lang="de-DE" dirty="0"/>
+              <a:t>, </a:t>
+            </a:r>
+            <a:r>
+              <a:rPr lang="de-DE" dirty="0" err="1"/>
+              <a:t>doku</a:t>
+            </a:r>
+            <a:r>
+              <a:rPr lang="de-DE" dirty="0"/>
+              <a:t>) </a:t>
+            </a:r>
+          </a:p>
+          <a:p>
+            <a:pPr marL="652436" lvl="1" indent="-285750">
+              <a:buFontTx/>
+              <a:buChar char="-"/>
+            </a:pPr>
+            <a:r>
+              <a:rPr lang="de-DE" dirty="0" err="1"/>
+              <a:t>During</a:t>
+            </a:r>
+            <a:r>
+              <a:rPr lang="de-DE" dirty="0"/>
+              <a:t> </a:t>
+            </a:r>
+            <a:r>
+              <a:rPr lang="de-DE" dirty="0" err="1"/>
+              <a:t>build</a:t>
+            </a:r>
+            <a:r>
+              <a:rPr lang="de-DE" dirty="0"/>
+              <a:t>-prozess all </a:t>
+            </a:r>
+            <a:r>
+              <a:rPr lang="de-DE" dirty="0" err="1"/>
+              <a:t>tools</a:t>
+            </a:r>
+            <a:r>
+              <a:rPr lang="de-DE" dirty="0"/>
+              <a:t> </a:t>
+            </a:r>
+            <a:r>
+              <a:rPr lang="de-DE" dirty="0" err="1"/>
+              <a:t>are</a:t>
+            </a:r>
+            <a:r>
+              <a:rPr lang="de-DE" dirty="0"/>
+              <a:t> </a:t>
+            </a:r>
+            <a:r>
+              <a:rPr lang="de-DE" dirty="0" err="1"/>
+              <a:t>installed</a:t>
+            </a:r>
+            <a:r>
+              <a:rPr lang="de-DE" dirty="0"/>
+              <a:t> and </a:t>
+            </a:r>
+            <a:r>
+              <a:rPr lang="de-DE" dirty="0" err="1"/>
+              <a:t>the</a:t>
+            </a:r>
+            <a:r>
+              <a:rPr lang="de-DE" dirty="0"/>
+              <a:t> </a:t>
+            </a:r>
+            <a:r>
+              <a:rPr lang="de-DE" dirty="0" err="1"/>
+              <a:t>setup</a:t>
+            </a:r>
+            <a:r>
+              <a:rPr lang="de-DE" dirty="0"/>
+              <a:t> </a:t>
+            </a:r>
+            <a:r>
+              <a:rPr lang="de-DE" dirty="0" err="1"/>
+              <a:t>is</a:t>
+            </a:r>
+            <a:r>
+              <a:rPr lang="de-DE" dirty="0"/>
+              <a:t> </a:t>
+            </a:r>
+            <a:r>
+              <a:rPr lang="de-DE" dirty="0" err="1"/>
+              <a:t>copied</a:t>
+            </a:r>
+            <a:r>
+              <a:rPr lang="de-DE" dirty="0"/>
+              <a:t> </a:t>
+            </a:r>
+            <a:r>
+              <a:rPr lang="de-DE" dirty="0" err="1"/>
+              <a:t>into</a:t>
+            </a:r>
+            <a:r>
+              <a:rPr lang="de-DE" dirty="0"/>
+              <a:t> </a:t>
+            </a:r>
+          </a:p>
+          <a:p>
+            <a:pPr marL="652436" lvl="1" indent="-285750">
+              <a:buFontTx/>
+              <a:buChar char="-"/>
+            </a:pPr>
+            <a:r>
+              <a:rPr lang="de-DE" dirty="0"/>
+              <a:t>The </a:t>
+            </a:r>
+            <a:r>
+              <a:rPr lang="de-DE" dirty="0" err="1"/>
+              <a:t>experiment</a:t>
+            </a:r>
+            <a:r>
+              <a:rPr lang="de-DE" dirty="0"/>
+              <a:t> </a:t>
+            </a:r>
+            <a:r>
+              <a:rPr lang="de-DE" dirty="0" err="1"/>
+              <a:t>starts</a:t>
+            </a:r>
+            <a:r>
+              <a:rPr lang="de-DE" dirty="0"/>
+              <a:t> </a:t>
+            </a:r>
+            <a:r>
+              <a:rPr lang="de-DE" dirty="0" err="1"/>
+              <a:t>automaticly</a:t>
+            </a:r>
+            <a:endParaRPr lang="de-DE" dirty="0"/>
+          </a:p>
+          <a:p>
+            <a:pPr marL="652436" lvl="1" indent="-285750">
+              <a:buFontTx/>
+              <a:buChar char="-"/>
+            </a:pPr>
+            <a:r>
+              <a:rPr lang="de-DE" dirty="0"/>
+              <a:t>The </a:t>
+            </a:r>
+            <a:r>
+              <a:rPr lang="de-DE" dirty="0" err="1"/>
+              <a:t>dokumentation</a:t>
+            </a:r>
+            <a:r>
+              <a:rPr lang="de-DE" dirty="0"/>
+              <a:t> </a:t>
+            </a:r>
+            <a:r>
+              <a:rPr lang="de-DE" dirty="0" err="1"/>
+              <a:t>are</a:t>
+            </a:r>
+            <a:r>
+              <a:rPr lang="de-DE" dirty="0"/>
+              <a:t> </a:t>
+            </a:r>
+            <a:r>
+              <a:rPr lang="de-DE" dirty="0" err="1"/>
+              <a:t>generated</a:t>
+            </a:r>
+            <a:r>
+              <a:rPr lang="de-DE" dirty="0"/>
+              <a:t> after </a:t>
+            </a:r>
+            <a:r>
+              <a:rPr lang="de-DE" dirty="0" err="1"/>
+              <a:t>that</a:t>
+            </a:r>
             <a:endParaRPr lang="de-DE" dirty="0"/>
           </a:p>
         </p:txBody>
@@ -7266,7 +8902,7 @@
           <p:cNvPr id="6" name="Textplatzhalter 5">
             <a:extLst>
               <a:ext uri="{FF2B5EF4-FFF2-40B4-BE49-F238E27FC236}">
-                <a16:creationId xmlns:a16="http://schemas.microsoft.com/office/drawing/2014/main" id="{67895B57-FD4E-4D32-8FCD-1EEB6750D6FC}"/>
+                <a16:creationId xmlns:a16="http://schemas.microsoft.com/office/drawing/2014/main" id="{4B52E9A6-8496-4219-B5B5-201824BC8DC8}"/>
               </a:ext>
             </a:extLst>
           </p:cNvPr>
@@ -7283,8 +8919,16 @@
           <a:lstStyle/>
           <a:p>
             <a:r>
-              <a:rPr lang="en-US" dirty="0"/>
-              <a:t>Reproducibility</a:t>
+              <a:rPr lang="de-DE" dirty="0" err="1"/>
+              <a:t>Build</a:t>
+            </a:r>
+            <a:r>
+              <a:rPr lang="de-DE" dirty="0"/>
+              <a:t> and </a:t>
+            </a:r>
+            <a:r>
+              <a:rPr lang="de-DE" dirty="0" err="1"/>
+              <a:t>run</a:t>
             </a:r>
             <a:r>
               <a:rPr lang="de-DE" dirty="0"/>
@@ -7292,7 +8936,15 @@
             </a:r>
             <a:r>
               <a:rPr lang="de-DE" dirty="0" err="1"/>
-              <a:t>results</a:t>
+              <a:t>the</a:t>
+            </a:r>
+            <a:r>
+              <a:rPr lang="de-DE" dirty="0"/>
+              <a:t> </a:t>
+            </a:r>
+            <a:r>
+              <a:rPr lang="de-DE" dirty="0" err="1"/>
+              <a:t>experiment</a:t>
             </a:r>
             <a:endParaRPr lang="de-DE" dirty="0"/>
           </a:p>
@@ -7303,7 +8955,7 @@
           <p:cNvPr id="7" name="Titel 6">
             <a:extLst>
               <a:ext uri="{FF2B5EF4-FFF2-40B4-BE49-F238E27FC236}">
-                <a16:creationId xmlns:a16="http://schemas.microsoft.com/office/drawing/2014/main" id="{FBBEDBA6-8DE0-42BF-AA1D-F79969837E33}"/>
+                <a16:creationId xmlns:a16="http://schemas.microsoft.com/office/drawing/2014/main" id="{DFB92155-06B4-408D-8FDB-D7D0133EF8DE}"/>
               </a:ext>
             </a:extLst>
           </p:cNvPr>
@@ -7320,18 +8972,9 @@
           <a:lstStyle/>
           <a:p>
             <a:r>
-              <a:rPr lang="de-DE" dirty="0" err="1"/>
-              <a:t>Decoupling</a:t>
-            </a:r>
-            <a:r>
-              <a:rPr lang="de-DE" dirty="0"/>
-              <a:t> </a:t>
-            </a:r>
-            <a:r>
-              <a:rPr lang="de-DE" dirty="0" err="1"/>
-              <a:t>Dependency</a:t>
-            </a:r>
-            <a:endParaRPr lang="de-DE" dirty="0"/>
+              <a:rPr lang="de-DE" dirty="0"/>
+              <a:t>Docker</a:t>
+            </a:r>
           </a:p>
         </p:txBody>
       </p:sp>
@@ -7340,7 +8983,7 @@
           <p:cNvPr id="8" name="Textfeld 7">
             <a:extLst>
               <a:ext uri="{FF2B5EF4-FFF2-40B4-BE49-F238E27FC236}">
-                <a16:creationId xmlns:a16="http://schemas.microsoft.com/office/drawing/2014/main" id="{AE9E72B9-3695-4FA7-B8D0-9D67FC5E6807}"/>
+                <a16:creationId xmlns:a16="http://schemas.microsoft.com/office/drawing/2014/main" id="{A9C85F14-7823-49DC-9FFC-1244E26D38F1}"/>
               </a:ext>
             </a:extLst>
           </p:cNvPr>
@@ -7349,8 +8992,8 @@
         </p:nvSpPr>
         <p:spPr>
           <a:xfrm>
-            <a:off x="8316416" y="4390169"/>
-            <a:ext cx="643125" cy="307777"/>
+            <a:off x="8455816" y="4390169"/>
+            <a:ext cx="413896" cy="307777"/>
           </a:xfrm>
           <a:prstGeom prst="rect">
             <a:avLst/>
@@ -7365,7 +9008,7 @@
           <a:p>
             <a:r>
               <a:rPr lang="de-DE" dirty="0"/>
-              <a:t>[2][4]</a:t>
+              <a:t>[3]</a:t>
             </a:r>
           </a:p>
         </p:txBody>
@@ -7373,7 +9016,7 @@
     </p:spTree>
     <p:extLst>
       <p:ext uri="{BB962C8B-B14F-4D97-AF65-F5344CB8AC3E}">
-        <p14:creationId xmlns:p14="http://schemas.microsoft.com/office/powerpoint/2010/main" val="2619176930"/>
+        <p14:creationId xmlns:p14="http://schemas.microsoft.com/office/powerpoint/2010/main" val="3929917390"/>
       </p:ext>
     </p:extLst>
   </p:cSld>
@@ -7405,7 +9048,7 @@
           <p:cNvPr id="4" name="Foliennummernplatzhalter 3">
             <a:extLst>
               <a:ext uri="{FF2B5EF4-FFF2-40B4-BE49-F238E27FC236}">
-                <a16:creationId xmlns:a16="http://schemas.microsoft.com/office/drawing/2014/main" id="{4ACC42FE-0514-43E1-9346-E6BF7CAEFEF6}"/>
+                <a16:creationId xmlns:a16="http://schemas.microsoft.com/office/drawing/2014/main" id="{744B1ACA-0EC4-43DD-A3D5-268F208289D0}"/>
               </a:ext>
             </a:extLst>
           </p:cNvPr>
@@ -7439,7 +9082,7 @@
           <p:cNvPr id="5" name="Inhaltsplatzhalter 4">
             <a:extLst>
               <a:ext uri="{FF2B5EF4-FFF2-40B4-BE49-F238E27FC236}">
-                <a16:creationId xmlns:a16="http://schemas.microsoft.com/office/drawing/2014/main" id="{02121EEB-4CD9-44DE-A987-64A022A871FD}"/>
+                <a16:creationId xmlns:a16="http://schemas.microsoft.com/office/drawing/2014/main" id="{202EA48B-FB28-4FDF-BDAE-41D41EE37810}"/>
               </a:ext>
             </a:extLst>
           </p:cNvPr>
@@ -7454,512 +9097,193 @@
         <p:txBody>
           <a:bodyPr/>
           <a:lstStyle/>
+          <a:p>
+            <a:r>
+              <a:rPr lang="en-US" dirty="0"/>
+              <a:t>Git</a:t>
+            </a:r>
+            <a:r>
+              <a:rPr lang="de-DE" dirty="0"/>
+              <a:t> and GitHub:</a:t>
+            </a:r>
+          </a:p>
+          <a:p>
+            <a:pPr marL="285750" indent="-285750">
+              <a:buFont typeface="Symbol" panose="05050102010706020507" pitchFamily="18" charset="2"/>
+              <a:buChar char="-"/>
+            </a:pPr>
+            <a:r>
+              <a:rPr lang="de-DE" dirty="0"/>
+              <a:t>For a </a:t>
+            </a:r>
+            <a:r>
+              <a:rPr lang="de-DE" dirty="0" err="1"/>
+              <a:t>traceable</a:t>
+            </a:r>
+            <a:r>
+              <a:rPr lang="de-DE" dirty="0"/>
+              <a:t> </a:t>
+            </a:r>
+            <a:r>
+              <a:rPr lang="de-DE" dirty="0" err="1"/>
+              <a:t>project</a:t>
+            </a:r>
+            <a:r>
+              <a:rPr lang="de-DE" dirty="0"/>
+              <a:t> </a:t>
+            </a:r>
+            <a:r>
+              <a:rPr lang="de-DE" dirty="0" err="1"/>
+              <a:t>history</a:t>
+            </a:r>
+            <a:endParaRPr lang="de-DE" dirty="0"/>
+          </a:p>
+          <a:p>
+            <a:pPr marL="285750" indent="-285750">
+              <a:buFont typeface="Symbol" panose="05050102010706020507" pitchFamily="18" charset="2"/>
+              <a:buChar char="-"/>
+            </a:pPr>
+            <a:r>
+              <a:rPr lang="de-DE" dirty="0" err="1"/>
+              <a:t>To</a:t>
+            </a:r>
+            <a:r>
+              <a:rPr lang="de-DE" dirty="0"/>
+              <a:t> </a:t>
+            </a:r>
+            <a:r>
+              <a:rPr lang="de-DE" dirty="0" err="1"/>
+              <a:t>organize</a:t>
+            </a:r>
+            <a:r>
+              <a:rPr lang="de-DE" dirty="0"/>
+              <a:t> </a:t>
+            </a:r>
+            <a:r>
+              <a:rPr lang="de-DE" dirty="0" err="1"/>
+              <a:t>the</a:t>
+            </a:r>
+            <a:r>
+              <a:rPr lang="de-DE" dirty="0"/>
+              <a:t> </a:t>
+            </a:r>
+            <a:r>
+              <a:rPr lang="de-DE" dirty="0" err="1"/>
+              <a:t>project</a:t>
+            </a:r>
+            <a:r>
+              <a:rPr lang="de-DE" dirty="0"/>
+              <a:t> in </a:t>
+            </a:r>
+            <a:r>
+              <a:rPr lang="de-DE" dirty="0" err="1"/>
+              <a:t>the</a:t>
+            </a:r>
+            <a:r>
+              <a:rPr lang="de-DE" dirty="0"/>
+              <a:t> </a:t>
+            </a:r>
+            <a:r>
+              <a:rPr lang="de-DE" dirty="0" err="1"/>
+              <a:t>team</a:t>
+            </a:r>
+            <a:endParaRPr lang="de-DE" dirty="0"/>
+          </a:p>
+          <a:p>
+            <a:pPr marL="285750" indent="-285750">
+              <a:buFont typeface="Symbol" panose="05050102010706020507" pitchFamily="18" charset="2"/>
+              <a:buChar char="-"/>
+            </a:pPr>
+            <a:r>
+              <a:rPr lang="de-DE" dirty="0" err="1"/>
+              <a:t>No</a:t>
+            </a:r>
+            <a:r>
+              <a:rPr lang="de-DE" dirty="0"/>
+              <a:t> </a:t>
+            </a:r>
+            <a:r>
+              <a:rPr lang="de-DE" dirty="0" err="1"/>
+              <a:t>garantee</a:t>
+            </a:r>
+            <a:r>
+              <a:rPr lang="de-DE" dirty="0"/>
+              <a:t> </a:t>
+            </a:r>
+            <a:r>
+              <a:rPr lang="de-DE" dirty="0" err="1"/>
+              <a:t>for</a:t>
+            </a:r>
+            <a:r>
+              <a:rPr lang="de-DE" dirty="0"/>
+              <a:t> </a:t>
+            </a:r>
+            <a:r>
+              <a:rPr lang="de-DE" dirty="0" err="1"/>
+              <a:t>long</a:t>
+            </a:r>
+            <a:r>
+              <a:rPr lang="de-DE" dirty="0"/>
+              <a:t>-term </a:t>
+            </a:r>
+            <a:r>
+              <a:rPr lang="de-DE" dirty="0" err="1"/>
+              <a:t>documentation</a:t>
+            </a:r>
+            <a:r>
+              <a:rPr lang="de-DE" dirty="0"/>
+              <a:t> at GitHub</a:t>
+            </a:r>
+          </a:p>
+          <a:p>
+            <a:pPr marL="285750" indent="-285750">
+              <a:buFont typeface="Symbol" panose="05050102010706020507" pitchFamily="18" charset="2"/>
+              <a:buChar char="-"/>
+            </a:pPr>
+            <a:endParaRPr lang="de-DE" dirty="0"/>
+          </a:p>
+          <a:p>
+            <a:r>
+              <a:rPr lang="de-DE" dirty="0" err="1"/>
+              <a:t>Zenodo</a:t>
+            </a:r>
+            <a:endParaRPr lang="de-DE" dirty="0"/>
+          </a:p>
+          <a:p>
+            <a:pPr marL="285750" indent="-285750">
+              <a:buFont typeface="Symbol" panose="05050102010706020507" pitchFamily="18" charset="2"/>
+              <a:buChar char="-"/>
+            </a:pPr>
+            <a:r>
+              <a:rPr lang="en-US" dirty="0"/>
+              <a:t>financed by public funds from the EU</a:t>
+            </a:r>
+          </a:p>
+          <a:p>
+            <a:pPr marL="285750" indent="-285750">
+              <a:buFont typeface="Symbol" panose="05050102010706020507" pitchFamily="18" charset="2"/>
+              <a:buChar char="-"/>
+            </a:pPr>
+            <a:r>
+              <a:rPr lang="en-US" dirty="0"/>
+              <a:t>Link to a releases of the project/experiment</a:t>
+            </a:r>
+          </a:p>
+          <a:p>
+            <a:pPr marL="285750" indent="-285750">
+              <a:buFont typeface="Symbol" panose="05050102010706020507" pitchFamily="18" charset="2"/>
+              <a:buChar char="-"/>
+            </a:pPr>
+            <a:r>
+              <a:rPr lang="en-US" dirty="0"/>
+              <a:t>referenceable by other researchers with a DOI </a:t>
+            </a:r>
+          </a:p>
           <a:p>
             <a:pPr marL="285750" indent="-285750">
               <a:buFontTx/>
               <a:buChar char="-"/>
             </a:pPr>
-            <a:r>
-              <a:rPr lang="de-DE" dirty="0"/>
-              <a:t>Docker </a:t>
-            </a:r>
-            <a:r>
-              <a:rPr lang="de-DE" dirty="0" err="1"/>
-              <a:t>is</a:t>
-            </a:r>
-            <a:r>
-              <a:rPr lang="de-DE" dirty="0"/>
-              <a:t> </a:t>
-            </a:r>
-            <a:r>
-              <a:rPr lang="de-DE" dirty="0" err="1"/>
-              <a:t>used</a:t>
-            </a:r>
-            <a:r>
-              <a:rPr lang="de-DE" dirty="0"/>
-              <a:t> </a:t>
-            </a:r>
-            <a:r>
-              <a:rPr lang="de-DE" dirty="0" err="1"/>
-              <a:t>as</a:t>
-            </a:r>
-            <a:r>
-              <a:rPr lang="de-DE" dirty="0"/>
-              <a:t> </a:t>
-            </a:r>
-            <a:r>
-              <a:rPr lang="de-DE" dirty="0" err="1"/>
-              <a:t>encapsulated</a:t>
-            </a:r>
-            <a:r>
-              <a:rPr lang="de-DE" dirty="0"/>
-              <a:t> </a:t>
-            </a:r>
-            <a:r>
-              <a:rPr lang="de-DE" dirty="0" err="1"/>
-              <a:t>envirement</a:t>
-            </a:r>
-            <a:r>
-              <a:rPr lang="de-DE" dirty="0"/>
-              <a:t> (</a:t>
-            </a:r>
-            <a:r>
-              <a:rPr lang="de-DE" dirty="0" err="1"/>
-              <a:t>container</a:t>
-            </a:r>
-            <a:r>
-              <a:rPr lang="de-DE" dirty="0"/>
-              <a:t>)</a:t>
-            </a:r>
-          </a:p>
-          <a:p>
-            <a:pPr marL="652436" lvl="1" indent="-285750">
-              <a:buFontTx/>
-              <a:buChar char="-"/>
-            </a:pPr>
-            <a:r>
-              <a:rPr lang="de-DE" dirty="0" err="1"/>
-              <a:t>For</a:t>
-            </a:r>
-            <a:r>
-              <a:rPr lang="de-DE" dirty="0"/>
-              <a:t> </a:t>
-            </a:r>
-            <a:r>
-              <a:rPr lang="de-DE" dirty="0" err="1"/>
-              <a:t>developing</a:t>
-            </a:r>
-            <a:r>
-              <a:rPr lang="de-DE" dirty="0"/>
-              <a:t>, </a:t>
-            </a:r>
-            <a:r>
-              <a:rPr lang="de-DE" dirty="0" err="1"/>
-              <a:t>shipping</a:t>
-            </a:r>
-            <a:r>
-              <a:rPr lang="de-DE" dirty="0"/>
-              <a:t> and </a:t>
-            </a:r>
-            <a:r>
-              <a:rPr lang="de-DE" dirty="0" err="1"/>
-              <a:t>running</a:t>
-            </a:r>
-            <a:r>
-              <a:rPr lang="de-DE" dirty="0"/>
-              <a:t> </a:t>
-            </a:r>
-            <a:r>
-              <a:rPr lang="de-DE" dirty="0" err="1"/>
-              <a:t>applications</a:t>
-            </a:r>
-            <a:endParaRPr lang="de-DE" dirty="0"/>
-          </a:p>
-          <a:p>
-            <a:pPr marL="652436" lvl="1" indent="-285750">
-              <a:buFontTx/>
-              <a:buChar char="-"/>
-            </a:pPr>
-            <a:r>
-              <a:rPr lang="de-DE" dirty="0"/>
-              <a:t>Easy </a:t>
-            </a:r>
-            <a:r>
-              <a:rPr lang="de-DE" dirty="0" err="1"/>
-              <a:t>to</a:t>
-            </a:r>
-            <a:r>
-              <a:rPr lang="de-DE" dirty="0"/>
-              <a:t> </a:t>
-            </a:r>
-            <a:r>
-              <a:rPr lang="de-DE" dirty="0" err="1"/>
-              <a:t>share</a:t>
-            </a:r>
-            <a:r>
-              <a:rPr lang="de-DE" dirty="0"/>
-              <a:t> </a:t>
-            </a:r>
-            <a:r>
-              <a:rPr lang="de-DE" dirty="0" err="1"/>
-              <a:t>the</a:t>
-            </a:r>
-            <a:r>
-              <a:rPr lang="de-DE" dirty="0"/>
-              <a:t> same </a:t>
-            </a:r>
-            <a:r>
-              <a:rPr lang="de-DE" dirty="0" err="1"/>
-              <a:t>contend</a:t>
-            </a:r>
-            <a:r>
-              <a:rPr lang="de-DE" dirty="0"/>
-              <a:t> 	</a:t>
-            </a:r>
-          </a:p>
-          <a:p>
-            <a:pPr marL="652436" lvl="1" indent="-285750">
-              <a:buFontTx/>
-              <a:buChar char="-"/>
-            </a:pPr>
-            <a:r>
-              <a:rPr lang="de-DE" dirty="0"/>
-              <a:t>An </a:t>
-            </a:r>
-            <a:r>
-              <a:rPr lang="de-DE" dirty="0" err="1"/>
-              <a:t>image</a:t>
-            </a:r>
-            <a:r>
-              <a:rPr lang="de-DE" dirty="0"/>
-              <a:t> </a:t>
-            </a:r>
-            <a:r>
-              <a:rPr lang="de-DE" dirty="0" err="1"/>
-              <a:t>is</a:t>
-            </a:r>
-            <a:r>
-              <a:rPr lang="de-DE" dirty="0"/>
-              <a:t> a </a:t>
-            </a:r>
-            <a:r>
-              <a:rPr lang="de-DE" dirty="0" err="1"/>
-              <a:t>read</a:t>
-            </a:r>
-            <a:r>
-              <a:rPr lang="de-DE" dirty="0"/>
-              <a:t> </a:t>
-            </a:r>
-            <a:r>
-              <a:rPr lang="de-DE" dirty="0" err="1"/>
-              <a:t>only</a:t>
-            </a:r>
-            <a:r>
-              <a:rPr lang="de-DE" dirty="0"/>
-              <a:t> </a:t>
-            </a:r>
-            <a:r>
-              <a:rPr lang="de-DE" dirty="0" err="1"/>
-              <a:t>template</a:t>
-            </a:r>
-            <a:endParaRPr lang="de-DE" dirty="0"/>
-          </a:p>
-          <a:p>
-            <a:pPr marL="652436" lvl="1" indent="-285750">
-              <a:buFontTx/>
-              <a:buChar char="-"/>
-            </a:pPr>
-            <a:r>
-              <a:rPr lang="de-DE" dirty="0"/>
-              <a:t>A </a:t>
-            </a:r>
-            <a:r>
-              <a:rPr lang="de-DE" dirty="0" err="1"/>
-              <a:t>container</a:t>
-            </a:r>
-            <a:r>
-              <a:rPr lang="de-DE" dirty="0"/>
-              <a:t> </a:t>
-            </a:r>
-            <a:r>
-              <a:rPr lang="de-DE" dirty="0" err="1"/>
-              <a:t>is</a:t>
-            </a:r>
-            <a:r>
-              <a:rPr lang="de-DE" dirty="0"/>
-              <a:t> a </a:t>
-            </a:r>
-            <a:r>
-              <a:rPr lang="de-DE" dirty="0" err="1"/>
-              <a:t>runable</a:t>
-            </a:r>
-            <a:r>
-              <a:rPr lang="de-DE" dirty="0"/>
-              <a:t> </a:t>
-            </a:r>
-            <a:r>
-              <a:rPr lang="de-DE" dirty="0" err="1"/>
-              <a:t>instance</a:t>
-            </a:r>
-            <a:r>
-              <a:rPr lang="de-DE" dirty="0"/>
-              <a:t> </a:t>
-            </a:r>
-            <a:r>
-              <a:rPr lang="de-DE" dirty="0" err="1"/>
-              <a:t>of</a:t>
-            </a:r>
-            <a:r>
-              <a:rPr lang="de-DE" dirty="0"/>
-              <a:t> </a:t>
-            </a:r>
-            <a:r>
-              <a:rPr lang="de-DE" dirty="0" err="1"/>
-              <a:t>the</a:t>
-            </a:r>
-            <a:r>
-              <a:rPr lang="de-DE" dirty="0"/>
-              <a:t> </a:t>
-            </a:r>
-            <a:r>
-              <a:rPr lang="de-DE" dirty="0" err="1"/>
-              <a:t>image</a:t>
-            </a:r>
-            <a:endParaRPr lang="de-DE" dirty="0"/>
-          </a:p>
-          <a:p>
-            <a:pPr marL="652436" lvl="1" indent="-285750">
-              <a:buFontTx/>
-              <a:buChar char="-"/>
-            </a:pPr>
-            <a:endParaRPr lang="de-DE" dirty="0"/>
-          </a:p>
-          <a:p>
-            <a:pPr marL="285750" indent="-285750">
-              <a:buFontTx/>
-              <a:buChar char="-"/>
-            </a:pPr>
-            <a:r>
-              <a:rPr lang="de-DE" dirty="0"/>
-              <a:t>The </a:t>
-            </a:r>
-            <a:r>
-              <a:rPr lang="de-DE" dirty="0" err="1"/>
-              <a:t>container</a:t>
-            </a:r>
-            <a:r>
-              <a:rPr lang="de-DE" dirty="0"/>
-              <a:t> </a:t>
-            </a:r>
-            <a:r>
-              <a:rPr lang="de-DE" dirty="0" err="1"/>
-              <a:t>of</a:t>
-            </a:r>
-            <a:r>
-              <a:rPr lang="de-DE" dirty="0"/>
-              <a:t> </a:t>
-            </a:r>
-            <a:r>
-              <a:rPr lang="de-DE" dirty="0" err="1"/>
-              <a:t>the</a:t>
-            </a:r>
-            <a:r>
-              <a:rPr lang="de-DE" dirty="0"/>
-              <a:t> repro-</a:t>
-            </a:r>
-            <a:r>
-              <a:rPr lang="de-DE" dirty="0" err="1"/>
-              <a:t>package</a:t>
-            </a:r>
-            <a:r>
-              <a:rPr lang="de-DE" dirty="0"/>
-              <a:t>:</a:t>
-            </a:r>
-          </a:p>
-          <a:p>
-            <a:pPr marL="652436" lvl="1" indent="-285750">
-              <a:buFontTx/>
-              <a:buChar char="-"/>
-            </a:pPr>
-            <a:r>
-              <a:rPr lang="de-DE" dirty="0"/>
-              <a:t>Holds </a:t>
-            </a:r>
-            <a:r>
-              <a:rPr lang="de-DE" dirty="0" err="1"/>
-              <a:t>the</a:t>
-            </a:r>
-            <a:r>
-              <a:rPr lang="de-DE" dirty="0"/>
-              <a:t> hole </a:t>
-            </a:r>
-            <a:r>
-              <a:rPr lang="de-DE" dirty="0" err="1"/>
-              <a:t>setup</a:t>
-            </a:r>
-            <a:r>
-              <a:rPr lang="de-DE" dirty="0"/>
-              <a:t> (</a:t>
-            </a:r>
-            <a:r>
-              <a:rPr lang="de-DE" dirty="0" err="1"/>
-              <a:t>data</a:t>
-            </a:r>
-            <a:r>
-              <a:rPr lang="de-DE" dirty="0"/>
-              <a:t>, </a:t>
-            </a:r>
-            <a:r>
-              <a:rPr lang="de-DE" dirty="0" err="1"/>
-              <a:t>sourcecode</a:t>
-            </a:r>
-            <a:r>
-              <a:rPr lang="de-DE" dirty="0"/>
-              <a:t>, </a:t>
-            </a:r>
-            <a:r>
-              <a:rPr lang="de-DE" dirty="0" err="1"/>
-              <a:t>doku</a:t>
-            </a:r>
-            <a:r>
-              <a:rPr lang="de-DE" dirty="0"/>
-              <a:t>) </a:t>
-            </a:r>
-          </a:p>
-          <a:p>
-            <a:pPr marL="652436" lvl="1" indent="-285750">
-              <a:buFontTx/>
-              <a:buChar char="-"/>
-            </a:pPr>
-            <a:r>
-              <a:rPr lang="de-DE" dirty="0" err="1"/>
-              <a:t>During</a:t>
-            </a:r>
-            <a:r>
-              <a:rPr lang="de-DE" dirty="0"/>
-              <a:t> </a:t>
-            </a:r>
-            <a:r>
-              <a:rPr lang="de-DE" dirty="0" err="1"/>
-              <a:t>build</a:t>
-            </a:r>
-            <a:r>
-              <a:rPr lang="de-DE" dirty="0"/>
-              <a:t>-prozess all </a:t>
-            </a:r>
-            <a:r>
-              <a:rPr lang="de-DE" dirty="0" err="1"/>
-              <a:t>tools</a:t>
-            </a:r>
-            <a:r>
-              <a:rPr lang="de-DE" dirty="0"/>
-              <a:t> </a:t>
-            </a:r>
-            <a:r>
-              <a:rPr lang="de-DE" dirty="0" err="1"/>
-              <a:t>are</a:t>
-            </a:r>
-            <a:r>
-              <a:rPr lang="de-DE" dirty="0"/>
-              <a:t> </a:t>
-            </a:r>
-            <a:r>
-              <a:rPr lang="de-DE" dirty="0" err="1"/>
-              <a:t>installed</a:t>
-            </a:r>
-            <a:r>
-              <a:rPr lang="de-DE" dirty="0"/>
-              <a:t> and </a:t>
-            </a:r>
-            <a:r>
-              <a:rPr lang="de-DE" dirty="0" err="1"/>
-              <a:t>the</a:t>
-            </a:r>
-            <a:r>
-              <a:rPr lang="de-DE" dirty="0"/>
-              <a:t> </a:t>
-            </a:r>
-            <a:r>
-              <a:rPr lang="de-DE" dirty="0" err="1"/>
-              <a:t>setup</a:t>
-            </a:r>
-            <a:r>
-              <a:rPr lang="de-DE" dirty="0"/>
-              <a:t> </a:t>
-            </a:r>
-            <a:r>
-              <a:rPr lang="de-DE" dirty="0" err="1"/>
-              <a:t>is</a:t>
-            </a:r>
-            <a:r>
-              <a:rPr lang="de-DE" dirty="0"/>
-              <a:t> </a:t>
-            </a:r>
-            <a:r>
-              <a:rPr lang="de-DE" dirty="0" err="1"/>
-              <a:t>copied</a:t>
-            </a:r>
-            <a:r>
-              <a:rPr lang="de-DE" dirty="0"/>
-              <a:t> </a:t>
-            </a:r>
-            <a:r>
-              <a:rPr lang="de-DE" dirty="0" err="1"/>
-              <a:t>into</a:t>
-            </a:r>
-            <a:r>
-              <a:rPr lang="de-DE" dirty="0"/>
-              <a:t> </a:t>
-            </a:r>
-          </a:p>
-          <a:p>
-            <a:pPr marL="652436" lvl="1" indent="-285750">
-              <a:buFontTx/>
-              <a:buChar char="-"/>
-            </a:pPr>
-            <a:r>
-              <a:rPr lang="de-DE" dirty="0"/>
-              <a:t>The </a:t>
-            </a:r>
-            <a:r>
-              <a:rPr lang="de-DE" dirty="0" err="1"/>
-              <a:t>experiment</a:t>
-            </a:r>
-            <a:r>
-              <a:rPr lang="de-DE" dirty="0"/>
-              <a:t> </a:t>
-            </a:r>
-            <a:r>
-              <a:rPr lang="de-DE" dirty="0" err="1"/>
-              <a:t>starts</a:t>
-            </a:r>
-            <a:r>
-              <a:rPr lang="de-DE" dirty="0"/>
-              <a:t> </a:t>
-            </a:r>
-            <a:r>
-              <a:rPr lang="de-DE" dirty="0" err="1"/>
-              <a:t>automaticly</a:t>
-            </a:r>
-            <a:endParaRPr lang="de-DE" dirty="0"/>
-          </a:p>
-          <a:p>
-            <a:pPr marL="652436" lvl="1" indent="-285750">
-              <a:buFontTx/>
-              <a:buChar char="-"/>
-            </a:pPr>
-            <a:r>
-              <a:rPr lang="de-DE" dirty="0"/>
-              <a:t>The </a:t>
-            </a:r>
-            <a:r>
-              <a:rPr lang="de-DE" dirty="0" err="1"/>
-              <a:t>dokumentation</a:t>
-            </a:r>
-            <a:r>
-              <a:rPr lang="de-DE" dirty="0"/>
-              <a:t> </a:t>
-            </a:r>
-            <a:r>
-              <a:rPr lang="de-DE" dirty="0" err="1"/>
-              <a:t>are</a:t>
-            </a:r>
-            <a:r>
-              <a:rPr lang="de-DE" dirty="0"/>
-              <a:t> </a:t>
-            </a:r>
-            <a:r>
-              <a:rPr lang="de-DE" dirty="0" err="1"/>
-              <a:t>generated</a:t>
-            </a:r>
-            <a:r>
-              <a:rPr lang="de-DE" dirty="0"/>
-              <a:t> after </a:t>
-            </a:r>
-            <a:r>
-              <a:rPr lang="de-DE" dirty="0" err="1"/>
-              <a:t>that</a:t>
-            </a:r>
             <a:endParaRPr lang="de-DE" dirty="0"/>
           </a:p>
         </p:txBody>
@@ -7969,7 +9293,7 @@
           <p:cNvPr id="6" name="Textplatzhalter 5">
             <a:extLst>
               <a:ext uri="{FF2B5EF4-FFF2-40B4-BE49-F238E27FC236}">
-                <a16:creationId xmlns:a16="http://schemas.microsoft.com/office/drawing/2014/main" id="{4B52E9A6-8496-4219-B5B5-201824BC8DC8}"/>
+                <a16:creationId xmlns:a16="http://schemas.microsoft.com/office/drawing/2014/main" id="{05D2FA1E-A40A-4B15-B2AD-81373784F95D}"/>
               </a:ext>
             </a:extLst>
           </p:cNvPr>
@@ -7987,7 +9311,7 @@
           <a:p>
             <a:r>
               <a:rPr lang="de-DE" dirty="0" err="1"/>
-              <a:t>Build</a:t>
+              <a:t>History</a:t>
             </a:r>
             <a:r>
               <a:rPr lang="de-DE" dirty="0"/>
@@ -7995,7 +9319,7 @@
             </a:r>
             <a:r>
               <a:rPr lang="de-DE" dirty="0" err="1"/>
-              <a:t>run</a:t>
+              <a:t>long</a:t>
             </a:r>
             <a:r>
               <a:rPr lang="de-DE" dirty="0"/>
@@ -8003,7 +9327,7 @@
             </a:r>
             <a:r>
               <a:rPr lang="de-DE" dirty="0" err="1"/>
-              <a:t>the</a:t>
+              <a:t>term</a:t>
             </a:r>
             <a:r>
               <a:rPr lang="de-DE" dirty="0"/>
@@ -8011,7 +9335,7 @@
             </a:r>
             <a:r>
               <a:rPr lang="de-DE" dirty="0" err="1"/>
-              <a:t>experiment</a:t>
+              <a:t>availability</a:t>
             </a:r>
             <a:endParaRPr lang="de-DE" dirty="0"/>
           </a:p>
@@ -8022,7 +9346,7 @@
           <p:cNvPr id="7" name="Titel 6">
             <a:extLst>
               <a:ext uri="{FF2B5EF4-FFF2-40B4-BE49-F238E27FC236}">
-                <a16:creationId xmlns:a16="http://schemas.microsoft.com/office/drawing/2014/main" id="{DFB92155-06B4-408D-8FDB-D7D0133EF8DE}"/>
+                <a16:creationId xmlns:a16="http://schemas.microsoft.com/office/drawing/2014/main" id="{F05EAF87-02BF-47BC-9BA9-1AC3FBA2D400}"/>
               </a:ext>
             </a:extLst>
           </p:cNvPr>
@@ -8039,18 +9363,22 @@
           <a:lstStyle/>
           <a:p>
             <a:r>
-              <a:rPr lang="de-DE" dirty="0"/>
-              <a:t>Docker</a:t>
-            </a:r>
-          </a:p>
-        </p:txBody>
-      </p:sp>
-      <p:sp>
-        <p:nvSpPr>
-          <p:cNvPr id="8" name="Textfeld 7">
+              <a:rPr lang="de-DE" dirty="0" err="1"/>
+              <a:t>Zenodo</a:t>
+            </a:r>
+            <a:r>
+              <a:rPr lang="de-DE" dirty="0"/>
+              <a:t> &amp; GitHub</a:t>
+            </a:r>
+          </a:p>
+        </p:txBody>
+      </p:sp>
+      <p:sp>
+        <p:nvSpPr>
+          <p:cNvPr id="2" name="Textfeld 1">
             <a:extLst>
               <a:ext uri="{FF2B5EF4-FFF2-40B4-BE49-F238E27FC236}">
-                <a16:creationId xmlns:a16="http://schemas.microsoft.com/office/drawing/2014/main" id="{A9C85F14-7823-49DC-9FFC-1244E26D38F1}"/>
+                <a16:creationId xmlns:a16="http://schemas.microsoft.com/office/drawing/2014/main" id="{6300362B-B779-45DA-BB3D-72F44E925707}"/>
               </a:ext>
             </a:extLst>
           </p:cNvPr>
@@ -8059,8 +9387,8 @@
         </p:nvSpPr>
         <p:spPr>
           <a:xfrm>
-            <a:off x="8455816" y="4390169"/>
-            <a:ext cx="413896" cy="307777"/>
+            <a:off x="8316416" y="4390169"/>
+            <a:ext cx="720080" cy="307777"/>
           </a:xfrm>
           <a:prstGeom prst="rect">
             <a:avLst/>
@@ -8068,14 +9396,14 @@
           <a:noFill/>
         </p:spPr>
         <p:txBody>
-          <a:bodyPr wrap="none" rtlCol="0">
+          <a:bodyPr wrap="square" rtlCol="0">
             <a:spAutoFit/>
           </a:bodyPr>
           <a:lstStyle/>
           <a:p>
             <a:r>
               <a:rPr lang="de-DE" dirty="0"/>
-              <a:t>[3]</a:t>
+              <a:t>[5][6]</a:t>
             </a:r>
           </a:p>
         </p:txBody>
@@ -8083,7 +9411,7 @@
     </p:spTree>
     <p:extLst>
       <p:ext uri="{BB962C8B-B14F-4D97-AF65-F5344CB8AC3E}">
-        <p14:creationId xmlns:p14="http://schemas.microsoft.com/office/powerpoint/2010/main" val="3929917390"/>
+        <p14:creationId xmlns:p14="http://schemas.microsoft.com/office/powerpoint/2010/main" val="2544547574"/>
       </p:ext>
     </p:extLst>
   </p:cSld>
@@ -8115,7 +9443,7 @@
           <p:cNvPr id="4" name="Foliennummernplatzhalter 3">
             <a:extLst>
               <a:ext uri="{FF2B5EF4-FFF2-40B4-BE49-F238E27FC236}">
-                <a16:creationId xmlns:a16="http://schemas.microsoft.com/office/drawing/2014/main" id="{744B1ACA-0EC4-43DD-A3D5-268F208289D0}"/>
+                <a16:creationId xmlns:a16="http://schemas.microsoft.com/office/drawing/2014/main" id="{C1002355-B78C-4C38-B39E-7A8174F4917F}"/>
               </a:ext>
             </a:extLst>
           </p:cNvPr>
@@ -8146,10 +9474,10 @@
       </p:sp>
       <p:sp>
         <p:nvSpPr>
-          <p:cNvPr id="5" name="Inhaltsplatzhalter 4">
+          <p:cNvPr id="6" name="Textplatzhalter 5">
             <a:extLst>
               <a:ext uri="{FF2B5EF4-FFF2-40B4-BE49-F238E27FC236}">
-                <a16:creationId xmlns:a16="http://schemas.microsoft.com/office/drawing/2014/main" id="{202EA48B-FB28-4FDF-BDAE-41D41EE37810}"/>
+                <a16:creationId xmlns:a16="http://schemas.microsoft.com/office/drawing/2014/main" id="{FE06990D-C7C1-4AA0-AAE8-4B262EBFBDBA}"/>
               </a:ext>
             </a:extLst>
           </p:cNvPr>
@@ -8157,332 +9485,60 @@
             <a:spLocks noGrp="1"/>
           </p:cNvSpPr>
           <p:nvPr>
-            <p:ph idx="1"/>
-          </p:nvPr>
-        </p:nvSpPr>
-        <p:spPr/>
-        <p:txBody>
-          <a:bodyPr/>
-          <a:lstStyle/>
-          <a:p>
-            <a:r>
-              <a:rPr lang="de-DE" dirty="0" err="1"/>
-              <a:t>Git</a:t>
-            </a:r>
-            <a:r>
-              <a:rPr lang="de-DE" dirty="0"/>
-              <a:t> and GitHub:</a:t>
-            </a:r>
-          </a:p>
-          <a:p>
-            <a:pPr marL="285750" indent="-285750">
-              <a:buFont typeface="Symbol" panose="05050102010706020507" pitchFamily="18" charset="2"/>
-              <a:buChar char="-"/>
-            </a:pPr>
-            <a:r>
-              <a:rPr lang="de-DE" dirty="0" err="1"/>
-              <a:t>For</a:t>
-            </a:r>
-            <a:r>
-              <a:rPr lang="de-DE" dirty="0"/>
-              <a:t> a </a:t>
-            </a:r>
-            <a:r>
-              <a:rPr lang="de-DE" dirty="0" err="1"/>
-              <a:t>traceable</a:t>
-            </a:r>
-            <a:r>
-              <a:rPr lang="de-DE" dirty="0"/>
-              <a:t> </a:t>
-            </a:r>
-            <a:r>
-              <a:rPr lang="de-DE" dirty="0" err="1"/>
-              <a:t>project</a:t>
-            </a:r>
-            <a:r>
-              <a:rPr lang="de-DE" dirty="0"/>
-              <a:t> </a:t>
-            </a:r>
-            <a:r>
-              <a:rPr lang="de-DE" dirty="0" err="1"/>
-              <a:t>history</a:t>
-            </a:r>
-            <a:endParaRPr lang="de-DE" dirty="0"/>
-          </a:p>
-          <a:p>
-            <a:pPr marL="285750" indent="-285750">
-              <a:buFont typeface="Symbol" panose="05050102010706020507" pitchFamily="18" charset="2"/>
-              <a:buChar char="-"/>
-            </a:pPr>
-            <a:r>
-              <a:rPr lang="de-DE" dirty="0" err="1"/>
-              <a:t>To</a:t>
-            </a:r>
-            <a:r>
-              <a:rPr lang="de-DE" dirty="0"/>
-              <a:t> </a:t>
-            </a:r>
-            <a:r>
-              <a:rPr lang="de-DE" dirty="0" err="1"/>
-              <a:t>organize</a:t>
-            </a:r>
-            <a:r>
-              <a:rPr lang="de-DE" dirty="0"/>
-              <a:t> </a:t>
-            </a:r>
-            <a:r>
-              <a:rPr lang="de-DE" dirty="0" err="1"/>
-              <a:t>the</a:t>
-            </a:r>
-            <a:r>
-              <a:rPr lang="de-DE" dirty="0"/>
-              <a:t> </a:t>
-            </a:r>
-            <a:r>
-              <a:rPr lang="de-DE" dirty="0" err="1"/>
-              <a:t>project</a:t>
-            </a:r>
-            <a:r>
-              <a:rPr lang="de-DE" dirty="0"/>
-              <a:t> in </a:t>
-            </a:r>
-            <a:r>
-              <a:rPr lang="de-DE" dirty="0" err="1"/>
-              <a:t>the</a:t>
-            </a:r>
-            <a:r>
-              <a:rPr lang="de-DE" dirty="0"/>
-              <a:t> </a:t>
-            </a:r>
-            <a:r>
-              <a:rPr lang="de-DE" dirty="0" err="1"/>
-              <a:t>team</a:t>
-            </a:r>
-            <a:endParaRPr lang="de-DE" dirty="0"/>
-          </a:p>
-          <a:p>
-            <a:pPr marL="285750" indent="-285750">
-              <a:buFont typeface="Symbol" panose="05050102010706020507" pitchFamily="18" charset="2"/>
-              <a:buChar char="-"/>
-            </a:pPr>
-            <a:r>
-              <a:rPr lang="de-DE" dirty="0" err="1"/>
-              <a:t>No</a:t>
-            </a:r>
-            <a:r>
-              <a:rPr lang="de-DE" dirty="0"/>
-              <a:t> </a:t>
-            </a:r>
-            <a:r>
-              <a:rPr lang="de-DE" dirty="0" err="1"/>
-              <a:t>garantee</a:t>
-            </a:r>
-            <a:r>
-              <a:rPr lang="de-DE" dirty="0"/>
-              <a:t> </a:t>
-            </a:r>
-            <a:r>
-              <a:rPr lang="de-DE" dirty="0" err="1"/>
-              <a:t>for</a:t>
-            </a:r>
-            <a:r>
-              <a:rPr lang="de-DE" dirty="0"/>
-              <a:t> </a:t>
-            </a:r>
-            <a:r>
-              <a:rPr lang="de-DE" dirty="0" err="1"/>
-              <a:t>long</a:t>
-            </a:r>
-            <a:r>
-              <a:rPr lang="de-DE" dirty="0"/>
-              <a:t>-term </a:t>
-            </a:r>
-            <a:r>
-              <a:rPr lang="de-DE" dirty="0" err="1"/>
-              <a:t>documentation</a:t>
-            </a:r>
-            <a:r>
-              <a:rPr lang="de-DE" dirty="0"/>
-              <a:t> at GitHub</a:t>
-            </a:r>
-          </a:p>
-          <a:p>
-            <a:pPr marL="285750" indent="-285750">
-              <a:buFont typeface="Symbol" panose="05050102010706020507" pitchFamily="18" charset="2"/>
-              <a:buChar char="-"/>
-            </a:pPr>
-            <a:endParaRPr lang="de-DE" dirty="0"/>
-          </a:p>
-          <a:p>
-            <a:r>
-              <a:rPr lang="de-DE" dirty="0" err="1"/>
-              <a:t>Zenodo</a:t>
-            </a:r>
-            <a:endParaRPr lang="de-DE" dirty="0"/>
-          </a:p>
-          <a:p>
-            <a:pPr marL="285750" indent="-285750">
-              <a:buFont typeface="Symbol" panose="05050102010706020507" pitchFamily="18" charset="2"/>
-              <a:buChar char="-"/>
-            </a:pPr>
-            <a:r>
-              <a:rPr lang="en-US" dirty="0"/>
-              <a:t>financed by public funds from the EU</a:t>
-            </a:r>
-          </a:p>
-          <a:p>
-            <a:pPr marL="285750" indent="-285750">
-              <a:buFont typeface="Symbol" panose="05050102010706020507" pitchFamily="18" charset="2"/>
-              <a:buChar char="-"/>
-            </a:pPr>
-            <a:r>
-              <a:rPr lang="en-US" dirty="0"/>
-              <a:t>Link to a releases of the project/experiment</a:t>
-            </a:r>
-          </a:p>
-          <a:p>
-            <a:pPr marL="285750" indent="-285750">
-              <a:buFont typeface="Symbol" panose="05050102010706020507" pitchFamily="18" charset="2"/>
-              <a:buChar char="-"/>
-            </a:pPr>
-            <a:r>
-              <a:rPr lang="en-US" dirty="0"/>
-              <a:t>referenceable by other researchers with a DOI </a:t>
-            </a:r>
-          </a:p>
-          <a:p>
-            <a:pPr marL="285750" indent="-285750">
-              <a:buFontTx/>
-              <a:buChar char="-"/>
-            </a:pPr>
-            <a:endParaRPr lang="de-DE" dirty="0"/>
-          </a:p>
-        </p:txBody>
-      </p:sp>
-      <p:sp>
-        <p:nvSpPr>
-          <p:cNvPr id="6" name="Textplatzhalter 5">
-            <a:extLst>
-              <a:ext uri="{FF2B5EF4-FFF2-40B4-BE49-F238E27FC236}">
-                <a16:creationId xmlns:a16="http://schemas.microsoft.com/office/drawing/2014/main" id="{05D2FA1E-A40A-4B15-B2AD-81373784F95D}"/>
-              </a:ext>
-            </a:extLst>
-          </p:cNvPr>
-          <p:cNvSpPr>
-            <a:spLocks noGrp="1"/>
-          </p:cNvSpPr>
-          <p:nvPr>
             <p:ph type="body" sz="quarter" idx="13"/>
           </p:nvPr>
-        </p:nvSpPr>
-        <p:spPr/>
-        <p:txBody>
-          <a:bodyPr/>
-          <a:lstStyle/>
-          <a:p>
-            <a:r>
-              <a:rPr lang="de-DE" dirty="0" err="1"/>
-              <a:t>History</a:t>
-            </a:r>
-            <a:r>
-              <a:rPr lang="de-DE" dirty="0"/>
-              <a:t> and </a:t>
-            </a:r>
-            <a:r>
-              <a:rPr lang="de-DE" dirty="0" err="1"/>
-              <a:t>long</a:t>
-            </a:r>
-            <a:r>
-              <a:rPr lang="de-DE" dirty="0"/>
-              <a:t> </a:t>
-            </a:r>
-            <a:r>
-              <a:rPr lang="de-DE" dirty="0" err="1"/>
-              <a:t>term</a:t>
-            </a:r>
-            <a:r>
-              <a:rPr lang="de-DE" dirty="0"/>
-              <a:t> </a:t>
-            </a:r>
-            <a:r>
-              <a:rPr lang="de-DE" dirty="0" err="1"/>
-              <a:t>availability</a:t>
-            </a:r>
-            <a:endParaRPr lang="de-DE" dirty="0"/>
-          </a:p>
-        </p:txBody>
-      </p:sp>
-      <p:sp>
-        <p:nvSpPr>
-          <p:cNvPr id="7" name="Titel 6">
-            <a:extLst>
-              <a:ext uri="{FF2B5EF4-FFF2-40B4-BE49-F238E27FC236}">
-                <a16:creationId xmlns:a16="http://schemas.microsoft.com/office/drawing/2014/main" id="{F05EAF87-02BF-47BC-9BA9-1AC3FBA2D400}"/>
-              </a:ext>
-            </a:extLst>
-          </p:cNvPr>
-          <p:cNvSpPr>
-            <a:spLocks noGrp="1"/>
-          </p:cNvSpPr>
-          <p:nvPr>
-            <p:ph type="title"/>
-          </p:nvPr>
-        </p:nvSpPr>
-        <p:spPr/>
-        <p:txBody>
-          <a:bodyPr/>
-          <a:lstStyle/>
-          <a:p>
-            <a:r>
-              <a:rPr lang="de-DE" dirty="0" err="1"/>
-              <a:t>Zenodo</a:t>
-            </a:r>
-            <a:r>
-              <a:rPr lang="de-DE" dirty="0"/>
-              <a:t> &amp; GitHub</a:t>
-            </a:r>
-          </a:p>
-        </p:txBody>
-      </p:sp>
-      <p:sp>
-        <p:nvSpPr>
-          <p:cNvPr id="2" name="Textfeld 1">
-            <a:extLst>
-              <a:ext uri="{FF2B5EF4-FFF2-40B4-BE49-F238E27FC236}">
-                <a16:creationId xmlns:a16="http://schemas.microsoft.com/office/drawing/2014/main" id="{6300362B-B779-45DA-BB3D-72F44E925707}"/>
-              </a:ext>
-            </a:extLst>
-          </p:cNvPr>
-          <p:cNvSpPr txBox="1"/>
-          <p:nvPr/>
         </p:nvSpPr>
         <p:spPr>
           <a:xfrm>
-            <a:off x="8316416" y="4390169"/>
-            <a:ext cx="720080" cy="307777"/>
+            <a:off x="982782" y="2327081"/>
+            <a:ext cx="7178435" cy="489337"/>
           </a:xfrm>
-          <a:prstGeom prst="rect">
-            <a:avLst/>
-          </a:prstGeom>
-          <a:noFill/>
         </p:spPr>
         <p:txBody>
-          <a:bodyPr wrap="square" rtlCol="0">
-            <a:spAutoFit/>
-          </a:bodyPr>
-          <a:lstStyle/>
-          <a:p>
-            <a:r>
-              <a:rPr lang="de-DE" dirty="0"/>
-              <a:t>[5][6]</a:t>
-            </a:r>
+          <a:bodyPr/>
+          <a:lstStyle/>
+          <a:p>
+            <a:pPr algn="ctr"/>
+            <a:r>
+              <a:rPr lang="de-DE" sz="2800" dirty="0"/>
+              <a:t>Live </a:t>
+            </a:r>
+            <a:r>
+              <a:rPr lang="de-DE" sz="2800" dirty="0" err="1"/>
+              <a:t>demonstration</a:t>
+            </a:r>
+            <a:r>
+              <a:rPr lang="de-DE" sz="2800" dirty="0"/>
+              <a:t> </a:t>
+            </a:r>
+            <a:r>
+              <a:rPr lang="de-DE" sz="2800" dirty="0" err="1"/>
+              <a:t>of</a:t>
+            </a:r>
+            <a:r>
+              <a:rPr lang="de-DE" sz="2800" dirty="0"/>
+              <a:t> </a:t>
+            </a:r>
+            <a:r>
+              <a:rPr lang="de-DE" sz="2800" dirty="0" err="1"/>
+              <a:t>the</a:t>
+            </a:r>
+            <a:r>
+              <a:rPr lang="de-DE" sz="2800" dirty="0"/>
+              <a:t> </a:t>
+            </a:r>
+            <a:r>
+              <a:rPr lang="de-DE" sz="2800" dirty="0" err="1"/>
+              <a:t>experiment</a:t>
+            </a:r>
+            <a:endParaRPr lang="de-DE" sz="2800" dirty="0"/>
           </a:p>
         </p:txBody>
       </p:sp>
     </p:spTree>
     <p:extLst>
       <p:ext uri="{BB962C8B-B14F-4D97-AF65-F5344CB8AC3E}">
-        <p14:creationId xmlns:p14="http://schemas.microsoft.com/office/powerpoint/2010/main" val="2544547574"/>
+        <p14:creationId xmlns:p14="http://schemas.microsoft.com/office/powerpoint/2010/main" val="333255961"/>
       </p:ext>
     </p:extLst>
   </p:cSld>
@@ -8875,11 +9931,17 @@
             <a:endParaRPr lang="en-US" dirty="0"/>
           </a:p>
           <a:p>
+            <a:endParaRPr lang="en-US" dirty="0"/>
+          </a:p>
+          <a:p>
             <a:pPr marL="285750" indent="-285750">
               <a:buFontTx/>
               <a:buChar char="-"/>
             </a:pPr>
-            <a:endParaRPr lang="en-US" dirty="0"/>
+            <a:r>
+              <a:rPr lang="en-US" dirty="0"/>
+              <a:t>Variables &amp; Optimization</a:t>
+            </a:r>
           </a:p>
           <a:p>
             <a:pPr marL="285750" indent="-285750">
@@ -8888,7 +9950,7 @@
             </a:pPr>
             <a:r>
               <a:rPr lang="en-US" dirty="0"/>
-              <a:t>Introduction</a:t>
+              <a:t>Feasible Region &amp; Excel Solver</a:t>
             </a:r>
           </a:p>
           <a:p>
@@ -8898,7 +9960,7 @@
             </a:pPr>
             <a:r>
               <a:rPr lang="en-US" dirty="0"/>
-              <a:t>Variables &amp; Optimization</a:t>
+              <a:t>Reproduction Package</a:t>
             </a:r>
           </a:p>
           <a:p>
@@ -8908,7 +9970,7 @@
             </a:pPr>
             <a:r>
               <a:rPr lang="en-US" dirty="0"/>
-              <a:t>Feasible Region &amp; Excel Solver</a:t>
+              <a:t>Decoupling Dependency</a:t>
             </a:r>
           </a:p>
           <a:p>
@@ -8918,7 +9980,7 @@
             </a:pPr>
             <a:r>
               <a:rPr lang="en-US" dirty="0"/>
-              <a:t>Reproduction Package</a:t>
+              <a:t>Docker</a:t>
             </a:r>
           </a:p>
           <a:p>
@@ -8927,8 +9989,12 @@
               <a:buChar char="-"/>
             </a:pPr>
             <a:r>
+              <a:rPr lang="en-US" dirty="0" err="1"/>
+              <a:t>Zenodo</a:t>
+            </a:r>
+            <a:r>
               <a:rPr lang="en-US" dirty="0"/>
-              <a:t>Decoupling Dependency</a:t>
+              <a:t> &amp; GitHub</a:t>
             </a:r>
           </a:p>
           <a:p>
@@ -8938,22 +10004,11 @@
             </a:pPr>
             <a:r>
               <a:rPr lang="en-US" dirty="0"/>
-              <a:t>Docker</a:t>
-            </a:r>
-          </a:p>
-          <a:p>
-            <a:pPr marL="285750" indent="-285750">
-              <a:buFontTx/>
-              <a:buChar char="-"/>
-            </a:pPr>
-            <a:r>
-              <a:rPr lang="en-US" dirty="0" err="1"/>
-              <a:t>Zenodo</a:t>
-            </a:r>
-            <a:r>
-              <a:rPr lang="en-US" dirty="0"/>
-              <a:t> &amp; GitHub</a:t>
-            </a:r>
+              <a:t>Live demonstration</a:t>
+            </a:r>
+          </a:p>
+          <a:p>
+            <a:endParaRPr lang="en-US" dirty="0"/>
           </a:p>
           <a:p>
             <a:pPr marL="285750" indent="-285750">
@@ -9064,7 +10119,7 @@
           <p:cNvPr id="4" name="Foliennummernplatzhalter 3">
             <a:extLst>
               <a:ext uri="{FF2B5EF4-FFF2-40B4-BE49-F238E27FC236}">
-                <a16:creationId xmlns:a16="http://schemas.microsoft.com/office/drawing/2014/main" id="{B826FC9A-73EC-441D-93ED-2A1087BCC3D3}"/>
+                <a16:creationId xmlns:a16="http://schemas.microsoft.com/office/drawing/2014/main" id="{B7B0A2A7-A151-4473-8933-E2240C12FA35}"/>
               </a:ext>
             </a:extLst>
           </p:cNvPr>
@@ -9081,179 +10136,13 @@
           <a:lstStyle/>
           <a:p>
             <a:r>
-              <a:rPr lang="de-DE"/>
+              <a:rPr lang="de-DE" dirty="0"/>
               <a:t>S. </a:t>
             </a:r>
             <a:fld id="{D7EFD9E5-FB44-4C01-A2C2-48348664E7CC}" type="slidenum">
               <a:rPr lang="de-DE" smtClean="0"/>
               <a:pPr/>
               <a:t>3</a:t>
-            </a:fld>
-            <a:endParaRPr lang="de-DE" dirty="0"/>
-          </a:p>
-        </p:txBody>
-      </p:sp>
-      <p:sp>
-        <p:nvSpPr>
-          <p:cNvPr id="5" name="Inhaltsplatzhalter 4">
-            <a:extLst>
-              <a:ext uri="{FF2B5EF4-FFF2-40B4-BE49-F238E27FC236}">
-                <a16:creationId xmlns:a16="http://schemas.microsoft.com/office/drawing/2014/main" id="{62F123DA-084D-47C0-9922-98C8E8609F90}"/>
-              </a:ext>
-            </a:extLst>
-          </p:cNvPr>
-          <p:cNvSpPr>
-            <a:spLocks noGrp="1"/>
-          </p:cNvSpPr>
-          <p:nvPr>
-            <p:ph idx="1"/>
-          </p:nvPr>
-        </p:nvSpPr>
-        <p:spPr>
-          <a:xfrm>
-            <a:off x="279167" y="2211710"/>
-            <a:ext cx="8568000" cy="2332348"/>
-          </a:xfrm>
-        </p:spPr>
-        <p:txBody>
-          <a:bodyPr>
-            <a:normAutofit/>
-          </a:bodyPr>
-          <a:lstStyle/>
-          <a:p>
-            <a:pPr algn="ctr"/>
-            <a:r>
-              <a:rPr lang="de-DE" sz="2800" dirty="0"/>
-              <a:t>An </a:t>
-            </a:r>
-            <a:r>
-              <a:rPr lang="de-DE" sz="2800" dirty="0" err="1"/>
-              <a:t>overview</a:t>
-            </a:r>
-            <a:r>
-              <a:rPr lang="de-DE" sz="2800" dirty="0"/>
-              <a:t> </a:t>
-            </a:r>
-            <a:r>
-              <a:rPr lang="de-DE" sz="2800" dirty="0" err="1"/>
-              <a:t>of</a:t>
-            </a:r>
-            <a:r>
-              <a:rPr lang="de-DE" sz="2800" dirty="0"/>
-              <a:t> </a:t>
-            </a:r>
-            <a:r>
-              <a:rPr lang="de-DE" sz="2800" dirty="0" err="1"/>
-              <a:t>the</a:t>
-            </a:r>
-            <a:r>
-              <a:rPr lang="de-DE" sz="2800" dirty="0"/>
-              <a:t> </a:t>
-            </a:r>
-            <a:r>
-              <a:rPr lang="de-DE" sz="2800" dirty="0" err="1"/>
-              <a:t>portfolio</a:t>
-            </a:r>
-            <a:r>
-              <a:rPr lang="de-DE" sz="2800" dirty="0"/>
-              <a:t> </a:t>
-            </a:r>
-            <a:r>
-              <a:rPr lang="de-DE" sz="2800" dirty="0" err="1"/>
-              <a:t>exame</a:t>
-            </a:r>
-            <a:endParaRPr lang="de-DE" sz="2800" dirty="0"/>
-          </a:p>
-        </p:txBody>
-      </p:sp>
-      <p:sp>
-        <p:nvSpPr>
-          <p:cNvPr id="7" name="Titel 6">
-            <a:extLst>
-              <a:ext uri="{FF2B5EF4-FFF2-40B4-BE49-F238E27FC236}">
-                <a16:creationId xmlns:a16="http://schemas.microsoft.com/office/drawing/2014/main" id="{47A9EA3D-F61F-4375-9D38-CE6CD02D7E33}"/>
-              </a:ext>
-            </a:extLst>
-          </p:cNvPr>
-          <p:cNvSpPr>
-            <a:spLocks noGrp="1"/>
-          </p:cNvSpPr>
-          <p:nvPr>
-            <p:ph type="title"/>
-          </p:nvPr>
-        </p:nvSpPr>
-        <p:spPr/>
-        <p:txBody>
-          <a:bodyPr/>
-          <a:lstStyle/>
-          <a:p>
-            <a:r>
-              <a:rPr lang="de-DE" dirty="0" err="1"/>
-              <a:t>Introduction</a:t>
-            </a:r>
-            <a:endParaRPr lang="de-DE" dirty="0"/>
-          </a:p>
-        </p:txBody>
-      </p:sp>
-    </p:spTree>
-    <p:extLst>
-      <p:ext uri="{BB962C8B-B14F-4D97-AF65-F5344CB8AC3E}">
-        <p14:creationId xmlns:p14="http://schemas.microsoft.com/office/powerpoint/2010/main" val="524885624"/>
-      </p:ext>
-    </p:extLst>
-  </p:cSld>
-  <p:clrMapOvr>
-    <a:masterClrMapping/>
-  </p:clrMapOvr>
-</p:sld>
-</file>
-
-<file path=ppt/slides/slide4.xml><?xml version="1.0" encoding="utf-8"?>
-<p:sld xmlns:a="http://schemas.openxmlformats.org/drawingml/2006/main" xmlns:r="http://schemas.openxmlformats.org/officeDocument/2006/relationships" xmlns:p="http://schemas.openxmlformats.org/presentationml/2006/main">
-  <p:cSld>
-    <p:spTree>
-      <p:nvGrpSpPr>
-        <p:cNvPr id="1" name=""/>
-        <p:cNvGrpSpPr/>
-        <p:nvPr/>
-      </p:nvGrpSpPr>
-      <p:grpSpPr>
-        <a:xfrm>
-          <a:off x="0" y="0"/>
-          <a:ext cx="0" cy="0"/>
-          <a:chOff x="0" y="0"/>
-          <a:chExt cx="0" cy="0"/>
-        </a:xfrm>
-      </p:grpSpPr>
-      <p:sp>
-        <p:nvSpPr>
-          <p:cNvPr id="4" name="Foliennummernplatzhalter 3">
-            <a:extLst>
-              <a:ext uri="{FF2B5EF4-FFF2-40B4-BE49-F238E27FC236}">
-                <a16:creationId xmlns:a16="http://schemas.microsoft.com/office/drawing/2014/main" id="{B7B0A2A7-A151-4473-8933-E2240C12FA35}"/>
-              </a:ext>
-            </a:extLst>
-          </p:cNvPr>
-          <p:cNvSpPr>
-            <a:spLocks noGrp="1"/>
-          </p:cNvSpPr>
-          <p:nvPr>
-            <p:ph type="sldNum" sz="quarter" idx="12"/>
-          </p:nvPr>
-        </p:nvSpPr>
-        <p:spPr/>
-        <p:txBody>
-          <a:bodyPr/>
-          <a:lstStyle/>
-          <a:p>
-            <a:r>
-              <a:rPr lang="de-DE" dirty="0"/>
-              <a:t>S. </a:t>
-            </a:r>
-            <a:fld id="{D7EFD9E5-FB44-4C01-A2C2-48348664E7CC}" type="slidenum">
-              <a:rPr lang="de-DE" smtClean="0"/>
-              <a:pPr/>
-              <a:t>4</a:t>
             </a:fld>
             <a:endParaRPr lang="de-DE" dirty="0"/>
           </a:p>
@@ -9648,7 +10537,7 @@
             </p:nvSpPr>
             <p:spPr>
               <a:blipFill>
-                <a:blip r:embed="rId2"/>
+                <a:blip r:embed="rId3"/>
                 <a:stretch>
                   <a:fillRect l="-1352" t="-522"/>
                 </a:stretch>
@@ -9669,31 +10558,6 @@
           </p:sp>
         </mc:Fallback>
       </mc:AlternateContent>
-      <p:sp>
-        <p:nvSpPr>
-          <p:cNvPr id="6" name="Textplatzhalter 5">
-            <a:extLst>
-              <a:ext uri="{FF2B5EF4-FFF2-40B4-BE49-F238E27FC236}">
-                <a16:creationId xmlns:a16="http://schemas.microsoft.com/office/drawing/2014/main" id="{2DAB1E2D-7C19-431C-A296-D14A92C8CCA2}"/>
-              </a:ext>
-            </a:extLst>
-          </p:cNvPr>
-          <p:cNvSpPr>
-            <a:spLocks noGrp="1"/>
-          </p:cNvSpPr>
-          <p:nvPr>
-            <p:ph type="body" sz="quarter" idx="13"/>
-          </p:nvPr>
-        </p:nvSpPr>
-        <p:spPr/>
-        <p:txBody>
-          <a:bodyPr/>
-          <a:lstStyle/>
-          <a:p>
-            <a:endParaRPr lang="en-US" dirty="0"/>
-          </a:p>
-        </p:txBody>
-      </p:sp>
       <p:sp>
         <p:nvSpPr>
           <p:cNvPr id="7" name="Titel 6">
@@ -9889,7 +10753,7 @@
                 <a:avLst/>
               </a:prstGeom>
               <a:blipFill>
-                <a:blip r:embed="rId3"/>
+                <a:blip r:embed="rId4"/>
                 <a:stretch>
                   <a:fillRect l="-523" t="-2326" b="-5814"/>
                 </a:stretch>
@@ -9958,7 +10822,7 @@
 </p:sld>
 </file>
 
-<file path=ppt/slides/slide5.xml><?xml version="1.0" encoding="utf-8"?>
+<file path=ppt/slides/slide4.xml><?xml version="1.0" encoding="utf-8"?>
 <p:sld xmlns:a="http://schemas.openxmlformats.org/drawingml/2006/main" xmlns:r="http://schemas.openxmlformats.org/officeDocument/2006/relationships" xmlns:p="http://schemas.openxmlformats.org/presentationml/2006/main">
   <p:cSld>
     <p:spTree>
@@ -10003,7 +10867,7 @@
             <a:fld id="{D7EFD9E5-FB44-4C01-A2C2-48348664E7CC}" type="slidenum">
               <a:rPr lang="de-DE" smtClean="0"/>
               <a:pPr/>
-              <a:t>5</a:t>
+              <a:t>4</a:t>
             </a:fld>
             <a:endParaRPr lang="de-DE" dirty="0"/>
           </a:p>
@@ -10251,12 +11115,12 @@
           <a:graphicData uri="http://schemas.openxmlformats.org/presentationml/2006/ole">
             <mc:AlternateContent xmlns:mc="http://schemas.openxmlformats.org/markup-compatibility/2006">
               <mc:Choice xmlns:v="urn:schemas-microsoft-com:vml" Requires="v">
-                <p:oleObj spid="_x0000_s3076" name="Acrobat Document" r:id="rId3" imgW="4390760" imgH="3295344" progId="Acrobat.Document.DC">
+                <p:oleObj spid="_x0000_s3077" name="Acrobat Document" r:id="rId4" imgW="4390760" imgH="3295344" progId="Acrobat.Document.DC">
                   <p:embed/>
                 </p:oleObj>
               </mc:Choice>
               <mc:Fallback>
-                <p:oleObj name="Acrobat Document" r:id="rId3" imgW="4390760" imgH="3295344" progId="Acrobat.Document.DC">
+                <p:oleObj name="Acrobat Document" r:id="rId4" imgW="4390760" imgH="3295344" progId="Acrobat.Document.DC">
                   <p:embed/>
                   <p:pic>
                     <p:nvPicPr>
@@ -10265,7 +11129,7 @@
                       <p:nvPr/>
                     </p:nvPicPr>
                     <p:blipFill>
-                      <a:blip r:embed="rId4"/>
+                      <a:blip r:embed="rId5"/>
                       <a:stretch>
                         <a:fillRect/>
                       </a:stretch>
@@ -10334,7 +11198,7 @@
 </p:sld>
 </file>
 
-<file path=ppt/slides/slide6.xml><?xml version="1.0" encoding="utf-8"?>
+<file path=ppt/slides/slide5.xml><?xml version="1.0" encoding="utf-8"?>
 <p:sld xmlns:a="http://schemas.openxmlformats.org/drawingml/2006/main" xmlns:r="http://schemas.openxmlformats.org/officeDocument/2006/relationships" xmlns:p="http://schemas.openxmlformats.org/presentationml/2006/main">
   <p:cSld>
     <p:spTree>
@@ -10380,12 +11244,12 @@
           <a:graphicData uri="http://schemas.openxmlformats.org/presentationml/2006/ole">
             <mc:AlternateContent xmlns:mc="http://schemas.openxmlformats.org/markup-compatibility/2006">
               <mc:Choice xmlns:v="urn:schemas-microsoft-com:vml" Requires="v">
-                <p:oleObj spid="_x0000_s2053" name="Acrobat Document" r:id="rId3" imgW="4390760" imgH="3295344" progId="Acrobat.Document.DC">
+                <p:oleObj spid="_x0000_s2054" name="Acrobat Document" r:id="rId4" imgW="4390760" imgH="3295344" progId="Acrobat.Document.DC">
                   <p:embed/>
                 </p:oleObj>
               </mc:Choice>
               <mc:Fallback>
-                <p:oleObj name="Acrobat Document" r:id="rId3" imgW="4390760" imgH="3295344" progId="Acrobat.Document.DC">
+                <p:oleObj name="Acrobat Document" r:id="rId4" imgW="4390760" imgH="3295344" progId="Acrobat.Document.DC">
                   <p:embed/>
                   <p:pic>
                     <p:nvPicPr>
@@ -10394,7 +11258,7 @@
                       <p:nvPr/>
                     </p:nvPicPr>
                     <p:blipFill>
-                      <a:blip r:embed="rId4"/>
+                      <a:blip r:embed="rId5"/>
                       <a:stretch>
                         <a:fillRect/>
                       </a:stretch>
@@ -10443,7 +11307,7 @@
             <a:fld id="{D7EFD9E5-FB44-4C01-A2C2-48348664E7CC}" type="slidenum">
               <a:rPr lang="de-DE" smtClean="0"/>
               <a:pPr/>
-              <a:t>6</a:t>
+              <a:t>5</a:t>
             </a:fld>
             <a:endParaRPr lang="de-DE" dirty="0"/>
           </a:p>
@@ -10647,6 +11511,517 @@
     <p:extLst>
       <p:ext uri="{BB962C8B-B14F-4D97-AF65-F5344CB8AC3E}">
         <p14:creationId xmlns:p14="http://schemas.microsoft.com/office/powerpoint/2010/main" val="1572885810"/>
+      </p:ext>
+    </p:extLst>
+  </p:cSld>
+  <p:clrMapOvr>
+    <a:masterClrMapping/>
+  </p:clrMapOvr>
+</p:sld>
+</file>
+
+<file path=ppt/slides/slide6.xml><?xml version="1.0" encoding="utf-8"?>
+<p:sld xmlns:a="http://schemas.openxmlformats.org/drawingml/2006/main" xmlns:r="http://schemas.openxmlformats.org/officeDocument/2006/relationships" xmlns:p="http://schemas.openxmlformats.org/presentationml/2006/main">
+  <p:cSld>
+    <p:spTree>
+      <p:nvGrpSpPr>
+        <p:cNvPr id="1" name=""/>
+        <p:cNvGrpSpPr/>
+        <p:nvPr/>
+      </p:nvGrpSpPr>
+      <p:grpSpPr>
+        <a:xfrm>
+          <a:off x="0" y="0"/>
+          <a:ext cx="0" cy="0"/>
+          <a:chOff x="0" y="0"/>
+          <a:chExt cx="0" cy="0"/>
+        </a:xfrm>
+      </p:grpSpPr>
+      <p:sp>
+        <p:nvSpPr>
+          <p:cNvPr id="4" name="Foliennummernplatzhalter 3">
+            <a:extLst>
+              <a:ext uri="{FF2B5EF4-FFF2-40B4-BE49-F238E27FC236}">
+                <a16:creationId xmlns:a16="http://schemas.microsoft.com/office/drawing/2014/main" id="{21546FC4-ED08-494A-896D-7AD83FEA6D11}"/>
+              </a:ext>
+            </a:extLst>
+          </p:cNvPr>
+          <p:cNvSpPr>
+            <a:spLocks noGrp="1"/>
+          </p:cNvSpPr>
+          <p:nvPr>
+            <p:ph type="sldNum" sz="quarter" idx="12"/>
+          </p:nvPr>
+        </p:nvSpPr>
+        <p:spPr/>
+        <p:txBody>
+          <a:bodyPr/>
+          <a:lstStyle/>
+          <a:p>
+            <a:r>
+              <a:rPr lang="de-DE"/>
+              <a:t>S. </a:t>
+            </a:r>
+            <a:fld id="{D7EFD9E5-FB44-4C01-A2C2-48348664E7CC}" type="slidenum">
+              <a:rPr lang="de-DE" smtClean="0"/>
+              <a:pPr/>
+              <a:t>6</a:t>
+            </a:fld>
+            <a:endParaRPr lang="de-DE" dirty="0"/>
+          </a:p>
+        </p:txBody>
+      </p:sp>
+      <p:sp>
+        <p:nvSpPr>
+          <p:cNvPr id="6" name="Textplatzhalter 5">
+            <a:extLst>
+              <a:ext uri="{FF2B5EF4-FFF2-40B4-BE49-F238E27FC236}">
+                <a16:creationId xmlns:a16="http://schemas.microsoft.com/office/drawing/2014/main" id="{6F13E46D-E517-4AD5-B596-78C4EB508E48}"/>
+              </a:ext>
+            </a:extLst>
+          </p:cNvPr>
+          <p:cNvSpPr>
+            <a:spLocks noGrp="1"/>
+          </p:cNvSpPr>
+          <p:nvPr>
+            <p:ph type="body" sz="quarter" idx="13"/>
+          </p:nvPr>
+        </p:nvSpPr>
+        <p:spPr/>
+        <p:txBody>
+          <a:bodyPr/>
+          <a:lstStyle/>
+          <a:p>
+            <a:endParaRPr lang="de-DE"/>
+          </a:p>
+        </p:txBody>
+      </p:sp>
+      <p:sp>
+        <p:nvSpPr>
+          <p:cNvPr id="7" name="Titel 6">
+            <a:extLst>
+              <a:ext uri="{FF2B5EF4-FFF2-40B4-BE49-F238E27FC236}">
+                <a16:creationId xmlns:a16="http://schemas.microsoft.com/office/drawing/2014/main" id="{EF08F3ED-3F36-402F-BA5B-570A2AFBC9C1}"/>
+              </a:ext>
+            </a:extLst>
+          </p:cNvPr>
+          <p:cNvSpPr>
+            <a:spLocks noGrp="1"/>
+          </p:cNvSpPr>
+          <p:nvPr>
+            <p:ph type="title"/>
+          </p:nvPr>
+        </p:nvSpPr>
+        <p:spPr/>
+        <p:txBody>
+          <a:bodyPr/>
+          <a:lstStyle/>
+          <a:p>
+            <a:r>
+              <a:rPr lang="de-DE" dirty="0" err="1"/>
+              <a:t>Reproduction</a:t>
+            </a:r>
+            <a:r>
+              <a:rPr lang="de-DE" dirty="0"/>
+              <a:t> Package</a:t>
+            </a:r>
+          </a:p>
+        </p:txBody>
+      </p:sp>
+      <p:sp>
+        <p:nvSpPr>
+          <p:cNvPr id="10" name="Ellipse 9">
+            <a:extLst>
+              <a:ext uri="{FF2B5EF4-FFF2-40B4-BE49-F238E27FC236}">
+                <a16:creationId xmlns:a16="http://schemas.microsoft.com/office/drawing/2014/main" id="{21577849-8C09-463D-8A01-62662EBA5825}"/>
+              </a:ext>
+            </a:extLst>
+          </p:cNvPr>
+          <p:cNvSpPr/>
+          <p:nvPr/>
+        </p:nvSpPr>
+        <p:spPr>
+          <a:xfrm>
+            <a:off x="6040488" y="762355"/>
+            <a:ext cx="2808312" cy="1440160"/>
+          </a:xfrm>
+          <a:prstGeom prst="ellipse">
+            <a:avLst/>
+          </a:prstGeom>
+        </p:spPr>
+        <p:style>
+          <a:lnRef idx="2">
+            <a:schemeClr val="accent1">
+              <a:shade val="50000"/>
+            </a:schemeClr>
+          </a:lnRef>
+          <a:fillRef idx="1">
+            <a:schemeClr val="accent1"/>
+          </a:fillRef>
+          <a:effectRef idx="0">
+            <a:schemeClr val="accent1"/>
+          </a:effectRef>
+          <a:fontRef idx="minor">
+            <a:schemeClr val="lt1"/>
+          </a:fontRef>
+        </p:style>
+        <p:txBody>
+          <a:bodyPr rtlCol="0" anchor="ctr"/>
+          <a:lstStyle/>
+          <a:p>
+            <a:pPr algn="ctr"/>
+            <a:r>
+              <a:rPr lang="de-DE" dirty="0"/>
+              <a:t>sales_data.xls</a:t>
+            </a:r>
+          </a:p>
+          <a:p>
+            <a:pPr algn="ctr"/>
+            <a:r>
+              <a:rPr lang="de-DE" dirty="0"/>
+              <a:t>Excel-Solver</a:t>
+            </a:r>
+          </a:p>
+          <a:p>
+            <a:pPr algn="ctr"/>
+            <a:r>
+              <a:rPr lang="de-DE" dirty="0"/>
+              <a:t>Book: „Head First Data Analysis“</a:t>
+            </a:r>
+          </a:p>
+        </p:txBody>
+      </p:sp>
+      <p:sp>
+        <p:nvSpPr>
+          <p:cNvPr id="13" name="Ellipse 12">
+            <a:extLst>
+              <a:ext uri="{FF2B5EF4-FFF2-40B4-BE49-F238E27FC236}">
+                <a16:creationId xmlns:a16="http://schemas.microsoft.com/office/drawing/2014/main" id="{DC583A71-D0C2-43E2-9A0D-A598A92D332C}"/>
+              </a:ext>
+            </a:extLst>
+          </p:cNvPr>
+          <p:cNvSpPr/>
+          <p:nvPr/>
+        </p:nvSpPr>
+        <p:spPr>
+          <a:xfrm>
+            <a:off x="6040488" y="2931790"/>
+            <a:ext cx="2808312" cy="1440160"/>
+          </a:xfrm>
+          <a:prstGeom prst="ellipse">
+            <a:avLst/>
+          </a:prstGeom>
+        </p:spPr>
+        <p:style>
+          <a:lnRef idx="2">
+            <a:schemeClr val="accent6">
+              <a:shade val="50000"/>
+            </a:schemeClr>
+          </a:lnRef>
+          <a:fillRef idx="1">
+            <a:schemeClr val="accent6"/>
+          </a:fillRef>
+          <a:effectRef idx="0">
+            <a:schemeClr val="accent6"/>
+          </a:effectRef>
+          <a:fontRef idx="minor">
+            <a:schemeClr val="lt1"/>
+          </a:fontRef>
+        </p:style>
+        <p:txBody>
+          <a:bodyPr rtlCol="0" anchor="ctr"/>
+          <a:lstStyle/>
+          <a:p>
+            <a:pPr algn="ctr"/>
+            <a:r>
+              <a:rPr lang="de-DE" dirty="0"/>
+              <a:t>sales_data.csv</a:t>
+            </a:r>
+          </a:p>
+          <a:p>
+            <a:pPr algn="ctr"/>
+            <a:r>
+              <a:rPr lang="de-DE" dirty="0" err="1"/>
+              <a:t>python</a:t>
+            </a:r>
+            <a:r>
+              <a:rPr lang="de-DE" dirty="0"/>
+              <a:t>-Solver</a:t>
+            </a:r>
+          </a:p>
+          <a:p>
+            <a:pPr algn="ctr"/>
+            <a:r>
+              <a:rPr lang="de-DE" dirty="0" err="1"/>
+              <a:t>LaTeX</a:t>
+            </a:r>
+            <a:r>
+              <a:rPr lang="de-DE" dirty="0"/>
+              <a:t>-Paper </a:t>
+            </a:r>
+          </a:p>
+        </p:txBody>
+      </p:sp>
+      <p:sp>
+        <p:nvSpPr>
+          <p:cNvPr id="14" name="Ellipse 13">
+            <a:extLst>
+              <a:ext uri="{FF2B5EF4-FFF2-40B4-BE49-F238E27FC236}">
+                <a16:creationId xmlns:a16="http://schemas.microsoft.com/office/drawing/2014/main" id="{487A77DA-2807-4C92-BD2C-C2C9A6DF19C7}"/>
+              </a:ext>
+            </a:extLst>
+          </p:cNvPr>
+          <p:cNvSpPr/>
+          <p:nvPr/>
+        </p:nvSpPr>
+        <p:spPr>
+          <a:xfrm>
+            <a:off x="352561" y="762355"/>
+            <a:ext cx="2808312" cy="1440160"/>
+          </a:xfrm>
+          <a:prstGeom prst="ellipse">
+            <a:avLst/>
+          </a:prstGeom>
+        </p:spPr>
+        <p:style>
+          <a:lnRef idx="2">
+            <a:schemeClr val="accent1">
+              <a:shade val="50000"/>
+            </a:schemeClr>
+          </a:lnRef>
+          <a:fillRef idx="1">
+            <a:schemeClr val="accent1"/>
+          </a:fillRef>
+          <a:effectRef idx="0">
+            <a:schemeClr val="accent1"/>
+          </a:effectRef>
+          <a:fontRef idx="minor">
+            <a:schemeClr val="lt1"/>
+          </a:fontRef>
+        </p:style>
+        <p:txBody>
+          <a:bodyPr rtlCol="0" anchor="ctr"/>
+          <a:lstStyle/>
+          <a:p>
+            <a:pPr algn="ctr"/>
+            <a:r>
+              <a:rPr lang="de-DE" dirty="0" err="1"/>
+              <a:t>Bathing</a:t>
+            </a:r>
+            <a:r>
+              <a:rPr lang="de-DE" dirty="0"/>
+              <a:t> Friends Unlimited</a:t>
+            </a:r>
+          </a:p>
+        </p:txBody>
+      </p:sp>
+      <p:sp>
+        <p:nvSpPr>
+          <p:cNvPr id="15" name="Ellipse 14">
+            <a:extLst>
+              <a:ext uri="{FF2B5EF4-FFF2-40B4-BE49-F238E27FC236}">
+                <a16:creationId xmlns:a16="http://schemas.microsoft.com/office/drawing/2014/main" id="{42C4AC0F-2E58-49A1-BF95-18A7AAD08BDA}"/>
+              </a:ext>
+            </a:extLst>
+          </p:cNvPr>
+          <p:cNvSpPr/>
+          <p:nvPr/>
+        </p:nvSpPr>
+        <p:spPr>
+          <a:xfrm>
+            <a:off x="352561" y="2931790"/>
+            <a:ext cx="2808312" cy="1440160"/>
+          </a:xfrm>
+          <a:prstGeom prst="ellipse">
+            <a:avLst/>
+          </a:prstGeom>
+        </p:spPr>
+        <p:style>
+          <a:lnRef idx="2">
+            <a:schemeClr val="accent6">
+              <a:shade val="50000"/>
+            </a:schemeClr>
+          </a:lnRef>
+          <a:fillRef idx="1">
+            <a:schemeClr val="accent6"/>
+          </a:fillRef>
+          <a:effectRef idx="0">
+            <a:schemeClr val="accent6"/>
+          </a:effectRef>
+          <a:fontRef idx="minor">
+            <a:schemeClr val="lt1"/>
+          </a:fontRef>
+        </p:style>
+        <p:txBody>
+          <a:bodyPr rtlCol="0" anchor="ctr"/>
+          <a:lstStyle/>
+          <a:p>
+            <a:pPr algn="ctr"/>
+            <a:r>
+              <a:rPr lang="de-DE" dirty="0"/>
+              <a:t>Development-team </a:t>
+            </a:r>
+          </a:p>
+          <a:p>
+            <a:pPr algn="ctr"/>
+            <a:r>
+              <a:rPr lang="de-DE" dirty="0" err="1"/>
+              <a:t>Sippl</a:t>
+            </a:r>
+            <a:r>
+              <a:rPr lang="de-DE" dirty="0"/>
+              <a:t> &amp; Brandl</a:t>
+            </a:r>
+          </a:p>
+        </p:txBody>
+      </p:sp>
+      <p:sp>
+        <p:nvSpPr>
+          <p:cNvPr id="18" name="Pfeil: nach rechts 17">
+            <a:extLst>
+              <a:ext uri="{FF2B5EF4-FFF2-40B4-BE49-F238E27FC236}">
+                <a16:creationId xmlns:a16="http://schemas.microsoft.com/office/drawing/2014/main" id="{17E7D794-6F71-4A59-B5F9-15B489B7E20C}"/>
+              </a:ext>
+            </a:extLst>
+          </p:cNvPr>
+          <p:cNvSpPr/>
+          <p:nvPr/>
+        </p:nvSpPr>
+        <p:spPr>
+          <a:xfrm>
+            <a:off x="3026327" y="1158050"/>
+            <a:ext cx="3177918" cy="638877"/>
+          </a:xfrm>
+          <a:prstGeom prst="rightArrow">
+            <a:avLst/>
+          </a:prstGeom>
+        </p:spPr>
+        <p:style>
+          <a:lnRef idx="1">
+            <a:schemeClr val="dk1"/>
+          </a:lnRef>
+          <a:fillRef idx="2">
+            <a:schemeClr val="dk1"/>
+          </a:fillRef>
+          <a:effectRef idx="1">
+            <a:schemeClr val="dk1"/>
+          </a:effectRef>
+          <a:fontRef idx="minor">
+            <a:schemeClr val="dk1"/>
+          </a:fontRef>
+        </p:style>
+        <p:txBody>
+          <a:bodyPr rtlCol="0" anchor="ctr"/>
+          <a:lstStyle/>
+          <a:p>
+            <a:pPr algn="ctr"/>
+            <a:r>
+              <a:rPr lang="de-DE" dirty="0"/>
+              <a:t>Repeat</a:t>
+            </a:r>
+          </a:p>
+        </p:txBody>
+      </p:sp>
+      <p:sp>
+        <p:nvSpPr>
+          <p:cNvPr id="19" name="Pfeil: nach rechts 18">
+            <a:extLst>
+              <a:ext uri="{FF2B5EF4-FFF2-40B4-BE49-F238E27FC236}">
+                <a16:creationId xmlns:a16="http://schemas.microsoft.com/office/drawing/2014/main" id="{A587B53F-7AA8-4068-A24A-096CC8C348FB}"/>
+              </a:ext>
+            </a:extLst>
+          </p:cNvPr>
+          <p:cNvSpPr/>
+          <p:nvPr/>
+        </p:nvSpPr>
+        <p:spPr>
+          <a:xfrm>
+            <a:off x="3103513" y="3332431"/>
+            <a:ext cx="3177918" cy="638877"/>
+          </a:xfrm>
+          <a:prstGeom prst="rightArrow">
+            <a:avLst/>
+          </a:prstGeom>
+        </p:spPr>
+        <p:style>
+          <a:lnRef idx="1">
+            <a:schemeClr val="dk1"/>
+          </a:lnRef>
+          <a:fillRef idx="2">
+            <a:schemeClr val="dk1"/>
+          </a:fillRef>
+          <a:effectRef idx="1">
+            <a:schemeClr val="dk1"/>
+          </a:effectRef>
+          <a:fontRef idx="minor">
+            <a:schemeClr val="dk1"/>
+          </a:fontRef>
+        </p:style>
+        <p:txBody>
+          <a:bodyPr rtlCol="0" anchor="ctr"/>
+          <a:lstStyle/>
+          <a:p>
+            <a:pPr algn="ctr"/>
+            <a:r>
+              <a:rPr lang="de-DE" dirty="0" err="1"/>
+              <a:t>Replicate</a:t>
+            </a:r>
+            <a:endParaRPr lang="de-DE" dirty="0"/>
+          </a:p>
+        </p:txBody>
+      </p:sp>
+      <p:sp>
+        <p:nvSpPr>
+          <p:cNvPr id="20" name="Pfeil: nach rechts 19">
+            <a:extLst>
+              <a:ext uri="{FF2B5EF4-FFF2-40B4-BE49-F238E27FC236}">
+                <a16:creationId xmlns:a16="http://schemas.microsoft.com/office/drawing/2014/main" id="{A63A7F64-65D2-4715-9C6E-5706021B2D5C}"/>
+              </a:ext>
+            </a:extLst>
+          </p:cNvPr>
+          <p:cNvSpPr/>
+          <p:nvPr/>
+        </p:nvSpPr>
+        <p:spPr>
+          <a:xfrm rot="20307077">
+            <a:off x="2942984" y="2303187"/>
+            <a:ext cx="3498975" cy="638877"/>
+          </a:xfrm>
+          <a:prstGeom prst="rightArrow">
+            <a:avLst/>
+          </a:prstGeom>
+        </p:spPr>
+        <p:style>
+          <a:lnRef idx="1">
+            <a:schemeClr val="dk1"/>
+          </a:lnRef>
+          <a:fillRef idx="2">
+            <a:schemeClr val="dk1"/>
+          </a:fillRef>
+          <a:effectRef idx="1">
+            <a:schemeClr val="dk1"/>
+          </a:effectRef>
+          <a:fontRef idx="minor">
+            <a:schemeClr val="dk1"/>
+          </a:fontRef>
+        </p:style>
+        <p:txBody>
+          <a:bodyPr rtlCol="0" anchor="ctr"/>
+          <a:lstStyle/>
+          <a:p>
+            <a:pPr algn="ctr"/>
+            <a:r>
+              <a:rPr lang="de-DE" dirty="0" err="1"/>
+              <a:t>Reproduce</a:t>
+            </a:r>
+            <a:endParaRPr lang="de-DE" dirty="0"/>
+          </a:p>
+        </p:txBody>
+      </p:sp>
+    </p:spTree>
+    <p:extLst>
+      <p:ext uri="{BB962C8B-B14F-4D97-AF65-F5344CB8AC3E}">
+        <p14:creationId xmlns:p14="http://schemas.microsoft.com/office/powerpoint/2010/main" val="2155217412"/>
       </p:ext>
     </p:extLst>
   </p:cSld>
@@ -10702,517 +12077,6 @@
               <a:rPr lang="de-DE" smtClean="0"/>
               <a:pPr/>
               <a:t>7</a:t>
-            </a:fld>
-            <a:endParaRPr lang="de-DE" dirty="0"/>
-          </a:p>
-        </p:txBody>
-      </p:sp>
-      <p:sp>
-        <p:nvSpPr>
-          <p:cNvPr id="6" name="Textplatzhalter 5">
-            <a:extLst>
-              <a:ext uri="{FF2B5EF4-FFF2-40B4-BE49-F238E27FC236}">
-                <a16:creationId xmlns:a16="http://schemas.microsoft.com/office/drawing/2014/main" id="{6F13E46D-E517-4AD5-B596-78C4EB508E48}"/>
-              </a:ext>
-            </a:extLst>
-          </p:cNvPr>
-          <p:cNvSpPr>
-            <a:spLocks noGrp="1"/>
-          </p:cNvSpPr>
-          <p:nvPr>
-            <p:ph type="body" sz="quarter" idx="13"/>
-          </p:nvPr>
-        </p:nvSpPr>
-        <p:spPr/>
-        <p:txBody>
-          <a:bodyPr/>
-          <a:lstStyle/>
-          <a:p>
-            <a:endParaRPr lang="de-DE"/>
-          </a:p>
-        </p:txBody>
-      </p:sp>
-      <p:sp>
-        <p:nvSpPr>
-          <p:cNvPr id="7" name="Titel 6">
-            <a:extLst>
-              <a:ext uri="{FF2B5EF4-FFF2-40B4-BE49-F238E27FC236}">
-                <a16:creationId xmlns:a16="http://schemas.microsoft.com/office/drawing/2014/main" id="{EF08F3ED-3F36-402F-BA5B-570A2AFBC9C1}"/>
-              </a:ext>
-            </a:extLst>
-          </p:cNvPr>
-          <p:cNvSpPr>
-            <a:spLocks noGrp="1"/>
-          </p:cNvSpPr>
-          <p:nvPr>
-            <p:ph type="title"/>
-          </p:nvPr>
-        </p:nvSpPr>
-        <p:spPr/>
-        <p:txBody>
-          <a:bodyPr/>
-          <a:lstStyle/>
-          <a:p>
-            <a:r>
-              <a:rPr lang="de-DE" dirty="0" err="1"/>
-              <a:t>Reproduction</a:t>
-            </a:r>
-            <a:r>
-              <a:rPr lang="de-DE" dirty="0"/>
-              <a:t> Package</a:t>
-            </a:r>
-          </a:p>
-        </p:txBody>
-      </p:sp>
-      <p:sp>
-        <p:nvSpPr>
-          <p:cNvPr id="10" name="Ellipse 9">
-            <a:extLst>
-              <a:ext uri="{FF2B5EF4-FFF2-40B4-BE49-F238E27FC236}">
-                <a16:creationId xmlns:a16="http://schemas.microsoft.com/office/drawing/2014/main" id="{21577849-8C09-463D-8A01-62662EBA5825}"/>
-              </a:ext>
-            </a:extLst>
-          </p:cNvPr>
-          <p:cNvSpPr/>
-          <p:nvPr/>
-        </p:nvSpPr>
-        <p:spPr>
-          <a:xfrm>
-            <a:off x="6040488" y="762355"/>
-            <a:ext cx="2808312" cy="1440160"/>
-          </a:xfrm>
-          <a:prstGeom prst="ellipse">
-            <a:avLst/>
-          </a:prstGeom>
-        </p:spPr>
-        <p:style>
-          <a:lnRef idx="2">
-            <a:schemeClr val="accent1">
-              <a:shade val="50000"/>
-            </a:schemeClr>
-          </a:lnRef>
-          <a:fillRef idx="1">
-            <a:schemeClr val="accent1"/>
-          </a:fillRef>
-          <a:effectRef idx="0">
-            <a:schemeClr val="accent1"/>
-          </a:effectRef>
-          <a:fontRef idx="minor">
-            <a:schemeClr val="lt1"/>
-          </a:fontRef>
-        </p:style>
-        <p:txBody>
-          <a:bodyPr rtlCol="0" anchor="ctr"/>
-          <a:lstStyle/>
-          <a:p>
-            <a:pPr algn="ctr"/>
-            <a:r>
-              <a:rPr lang="de-DE" dirty="0"/>
-              <a:t>sales_data.xls</a:t>
-            </a:r>
-          </a:p>
-          <a:p>
-            <a:pPr algn="ctr"/>
-            <a:r>
-              <a:rPr lang="de-DE" dirty="0"/>
-              <a:t>Excel-Solver</a:t>
-            </a:r>
-          </a:p>
-          <a:p>
-            <a:pPr algn="ctr"/>
-            <a:r>
-              <a:rPr lang="de-DE" dirty="0"/>
-              <a:t>Book: „Head First Data Analysis“</a:t>
-            </a:r>
-          </a:p>
-        </p:txBody>
-      </p:sp>
-      <p:sp>
-        <p:nvSpPr>
-          <p:cNvPr id="13" name="Ellipse 12">
-            <a:extLst>
-              <a:ext uri="{FF2B5EF4-FFF2-40B4-BE49-F238E27FC236}">
-                <a16:creationId xmlns:a16="http://schemas.microsoft.com/office/drawing/2014/main" id="{DC583A71-D0C2-43E2-9A0D-A598A92D332C}"/>
-              </a:ext>
-            </a:extLst>
-          </p:cNvPr>
-          <p:cNvSpPr/>
-          <p:nvPr/>
-        </p:nvSpPr>
-        <p:spPr>
-          <a:xfrm>
-            <a:off x="6040488" y="2931790"/>
-            <a:ext cx="2808312" cy="1440160"/>
-          </a:xfrm>
-          <a:prstGeom prst="ellipse">
-            <a:avLst/>
-          </a:prstGeom>
-        </p:spPr>
-        <p:style>
-          <a:lnRef idx="2">
-            <a:schemeClr val="accent6">
-              <a:shade val="50000"/>
-            </a:schemeClr>
-          </a:lnRef>
-          <a:fillRef idx="1">
-            <a:schemeClr val="accent6"/>
-          </a:fillRef>
-          <a:effectRef idx="0">
-            <a:schemeClr val="accent6"/>
-          </a:effectRef>
-          <a:fontRef idx="minor">
-            <a:schemeClr val="lt1"/>
-          </a:fontRef>
-        </p:style>
-        <p:txBody>
-          <a:bodyPr rtlCol="0" anchor="ctr"/>
-          <a:lstStyle/>
-          <a:p>
-            <a:pPr algn="ctr"/>
-            <a:r>
-              <a:rPr lang="de-DE" dirty="0"/>
-              <a:t>sales_data.csv</a:t>
-            </a:r>
-          </a:p>
-          <a:p>
-            <a:pPr algn="ctr"/>
-            <a:r>
-              <a:rPr lang="de-DE" dirty="0" err="1"/>
-              <a:t>python</a:t>
-            </a:r>
-            <a:r>
-              <a:rPr lang="de-DE" dirty="0"/>
-              <a:t>-Solver</a:t>
-            </a:r>
-          </a:p>
-          <a:p>
-            <a:pPr algn="ctr"/>
-            <a:r>
-              <a:rPr lang="de-DE" dirty="0" err="1"/>
-              <a:t>LaTeX</a:t>
-            </a:r>
-            <a:r>
-              <a:rPr lang="de-DE" dirty="0"/>
-              <a:t>-Paper </a:t>
-            </a:r>
-          </a:p>
-        </p:txBody>
-      </p:sp>
-      <p:sp>
-        <p:nvSpPr>
-          <p:cNvPr id="14" name="Ellipse 13">
-            <a:extLst>
-              <a:ext uri="{FF2B5EF4-FFF2-40B4-BE49-F238E27FC236}">
-                <a16:creationId xmlns:a16="http://schemas.microsoft.com/office/drawing/2014/main" id="{487A77DA-2807-4C92-BD2C-C2C9A6DF19C7}"/>
-              </a:ext>
-            </a:extLst>
-          </p:cNvPr>
-          <p:cNvSpPr/>
-          <p:nvPr/>
-        </p:nvSpPr>
-        <p:spPr>
-          <a:xfrm>
-            <a:off x="352561" y="762355"/>
-            <a:ext cx="2808312" cy="1440160"/>
-          </a:xfrm>
-          <a:prstGeom prst="ellipse">
-            <a:avLst/>
-          </a:prstGeom>
-        </p:spPr>
-        <p:style>
-          <a:lnRef idx="2">
-            <a:schemeClr val="accent1">
-              <a:shade val="50000"/>
-            </a:schemeClr>
-          </a:lnRef>
-          <a:fillRef idx="1">
-            <a:schemeClr val="accent1"/>
-          </a:fillRef>
-          <a:effectRef idx="0">
-            <a:schemeClr val="accent1"/>
-          </a:effectRef>
-          <a:fontRef idx="minor">
-            <a:schemeClr val="lt1"/>
-          </a:fontRef>
-        </p:style>
-        <p:txBody>
-          <a:bodyPr rtlCol="0" anchor="ctr"/>
-          <a:lstStyle/>
-          <a:p>
-            <a:pPr algn="ctr"/>
-            <a:r>
-              <a:rPr lang="de-DE" dirty="0" err="1"/>
-              <a:t>Bathing</a:t>
-            </a:r>
-            <a:r>
-              <a:rPr lang="de-DE" dirty="0"/>
-              <a:t> Friends Unlimited</a:t>
-            </a:r>
-          </a:p>
-        </p:txBody>
-      </p:sp>
-      <p:sp>
-        <p:nvSpPr>
-          <p:cNvPr id="15" name="Ellipse 14">
-            <a:extLst>
-              <a:ext uri="{FF2B5EF4-FFF2-40B4-BE49-F238E27FC236}">
-                <a16:creationId xmlns:a16="http://schemas.microsoft.com/office/drawing/2014/main" id="{42C4AC0F-2E58-49A1-BF95-18A7AAD08BDA}"/>
-              </a:ext>
-            </a:extLst>
-          </p:cNvPr>
-          <p:cNvSpPr/>
-          <p:nvPr/>
-        </p:nvSpPr>
-        <p:spPr>
-          <a:xfrm>
-            <a:off x="352561" y="2931790"/>
-            <a:ext cx="2808312" cy="1440160"/>
-          </a:xfrm>
-          <a:prstGeom prst="ellipse">
-            <a:avLst/>
-          </a:prstGeom>
-        </p:spPr>
-        <p:style>
-          <a:lnRef idx="2">
-            <a:schemeClr val="accent6">
-              <a:shade val="50000"/>
-            </a:schemeClr>
-          </a:lnRef>
-          <a:fillRef idx="1">
-            <a:schemeClr val="accent6"/>
-          </a:fillRef>
-          <a:effectRef idx="0">
-            <a:schemeClr val="accent6"/>
-          </a:effectRef>
-          <a:fontRef idx="minor">
-            <a:schemeClr val="lt1"/>
-          </a:fontRef>
-        </p:style>
-        <p:txBody>
-          <a:bodyPr rtlCol="0" anchor="ctr"/>
-          <a:lstStyle/>
-          <a:p>
-            <a:pPr algn="ctr"/>
-            <a:r>
-              <a:rPr lang="de-DE" dirty="0"/>
-              <a:t>Development-team </a:t>
-            </a:r>
-          </a:p>
-          <a:p>
-            <a:pPr algn="ctr"/>
-            <a:r>
-              <a:rPr lang="de-DE" dirty="0" err="1"/>
-              <a:t>Sippl</a:t>
-            </a:r>
-            <a:r>
-              <a:rPr lang="de-DE" dirty="0"/>
-              <a:t> &amp; Brandl</a:t>
-            </a:r>
-          </a:p>
-        </p:txBody>
-      </p:sp>
-      <p:sp>
-        <p:nvSpPr>
-          <p:cNvPr id="18" name="Pfeil: nach rechts 17">
-            <a:extLst>
-              <a:ext uri="{FF2B5EF4-FFF2-40B4-BE49-F238E27FC236}">
-                <a16:creationId xmlns:a16="http://schemas.microsoft.com/office/drawing/2014/main" id="{17E7D794-6F71-4A59-B5F9-15B489B7E20C}"/>
-              </a:ext>
-            </a:extLst>
-          </p:cNvPr>
-          <p:cNvSpPr/>
-          <p:nvPr/>
-        </p:nvSpPr>
-        <p:spPr>
-          <a:xfrm>
-            <a:off x="3026327" y="1158050"/>
-            <a:ext cx="3177918" cy="638877"/>
-          </a:xfrm>
-          <a:prstGeom prst="rightArrow">
-            <a:avLst/>
-          </a:prstGeom>
-        </p:spPr>
-        <p:style>
-          <a:lnRef idx="1">
-            <a:schemeClr val="dk1"/>
-          </a:lnRef>
-          <a:fillRef idx="2">
-            <a:schemeClr val="dk1"/>
-          </a:fillRef>
-          <a:effectRef idx="1">
-            <a:schemeClr val="dk1"/>
-          </a:effectRef>
-          <a:fontRef idx="minor">
-            <a:schemeClr val="dk1"/>
-          </a:fontRef>
-        </p:style>
-        <p:txBody>
-          <a:bodyPr rtlCol="0" anchor="ctr"/>
-          <a:lstStyle/>
-          <a:p>
-            <a:pPr algn="ctr"/>
-            <a:r>
-              <a:rPr lang="de-DE" dirty="0"/>
-              <a:t>Repeat</a:t>
-            </a:r>
-          </a:p>
-        </p:txBody>
-      </p:sp>
-      <p:sp>
-        <p:nvSpPr>
-          <p:cNvPr id="19" name="Pfeil: nach rechts 18">
-            <a:extLst>
-              <a:ext uri="{FF2B5EF4-FFF2-40B4-BE49-F238E27FC236}">
-                <a16:creationId xmlns:a16="http://schemas.microsoft.com/office/drawing/2014/main" id="{A587B53F-7AA8-4068-A24A-096CC8C348FB}"/>
-              </a:ext>
-            </a:extLst>
-          </p:cNvPr>
-          <p:cNvSpPr/>
-          <p:nvPr/>
-        </p:nvSpPr>
-        <p:spPr>
-          <a:xfrm>
-            <a:off x="3103513" y="3332431"/>
-            <a:ext cx="3177918" cy="638877"/>
-          </a:xfrm>
-          <a:prstGeom prst="rightArrow">
-            <a:avLst/>
-          </a:prstGeom>
-        </p:spPr>
-        <p:style>
-          <a:lnRef idx="1">
-            <a:schemeClr val="dk1"/>
-          </a:lnRef>
-          <a:fillRef idx="2">
-            <a:schemeClr val="dk1"/>
-          </a:fillRef>
-          <a:effectRef idx="1">
-            <a:schemeClr val="dk1"/>
-          </a:effectRef>
-          <a:fontRef idx="minor">
-            <a:schemeClr val="dk1"/>
-          </a:fontRef>
-        </p:style>
-        <p:txBody>
-          <a:bodyPr rtlCol="0" anchor="ctr"/>
-          <a:lstStyle/>
-          <a:p>
-            <a:pPr algn="ctr"/>
-            <a:r>
-              <a:rPr lang="de-DE" dirty="0" err="1"/>
-              <a:t>Replicate</a:t>
-            </a:r>
-            <a:endParaRPr lang="de-DE" dirty="0"/>
-          </a:p>
-        </p:txBody>
-      </p:sp>
-      <p:sp>
-        <p:nvSpPr>
-          <p:cNvPr id="20" name="Pfeil: nach rechts 19">
-            <a:extLst>
-              <a:ext uri="{FF2B5EF4-FFF2-40B4-BE49-F238E27FC236}">
-                <a16:creationId xmlns:a16="http://schemas.microsoft.com/office/drawing/2014/main" id="{A63A7F64-65D2-4715-9C6E-5706021B2D5C}"/>
-              </a:ext>
-            </a:extLst>
-          </p:cNvPr>
-          <p:cNvSpPr/>
-          <p:nvPr/>
-        </p:nvSpPr>
-        <p:spPr>
-          <a:xfrm rot="20307077">
-            <a:off x="2942984" y="2303187"/>
-            <a:ext cx="3498975" cy="638877"/>
-          </a:xfrm>
-          <a:prstGeom prst="rightArrow">
-            <a:avLst/>
-          </a:prstGeom>
-        </p:spPr>
-        <p:style>
-          <a:lnRef idx="1">
-            <a:schemeClr val="dk1"/>
-          </a:lnRef>
-          <a:fillRef idx="2">
-            <a:schemeClr val="dk1"/>
-          </a:fillRef>
-          <a:effectRef idx="1">
-            <a:schemeClr val="dk1"/>
-          </a:effectRef>
-          <a:fontRef idx="minor">
-            <a:schemeClr val="dk1"/>
-          </a:fontRef>
-        </p:style>
-        <p:txBody>
-          <a:bodyPr rtlCol="0" anchor="ctr"/>
-          <a:lstStyle/>
-          <a:p>
-            <a:pPr algn="ctr"/>
-            <a:r>
-              <a:rPr lang="de-DE" dirty="0" err="1"/>
-              <a:t>Reproduce</a:t>
-            </a:r>
-            <a:endParaRPr lang="de-DE" dirty="0"/>
-          </a:p>
-        </p:txBody>
-      </p:sp>
-    </p:spTree>
-    <p:extLst>
-      <p:ext uri="{BB962C8B-B14F-4D97-AF65-F5344CB8AC3E}">
-        <p14:creationId xmlns:p14="http://schemas.microsoft.com/office/powerpoint/2010/main" val="2155217412"/>
-      </p:ext>
-    </p:extLst>
-  </p:cSld>
-  <p:clrMapOvr>
-    <a:masterClrMapping/>
-  </p:clrMapOvr>
-</p:sld>
-</file>
-
-<file path=ppt/slides/slide8.xml><?xml version="1.0" encoding="utf-8"?>
-<p:sld xmlns:a="http://schemas.openxmlformats.org/drawingml/2006/main" xmlns:r="http://schemas.openxmlformats.org/officeDocument/2006/relationships" xmlns:p="http://schemas.openxmlformats.org/presentationml/2006/main">
-  <p:cSld>
-    <p:spTree>
-      <p:nvGrpSpPr>
-        <p:cNvPr id="1" name=""/>
-        <p:cNvGrpSpPr/>
-        <p:nvPr/>
-      </p:nvGrpSpPr>
-      <p:grpSpPr>
-        <a:xfrm>
-          <a:off x="0" y="0"/>
-          <a:ext cx="0" cy="0"/>
-          <a:chOff x="0" y="0"/>
-          <a:chExt cx="0" cy="0"/>
-        </a:xfrm>
-      </p:grpSpPr>
-      <p:sp>
-        <p:nvSpPr>
-          <p:cNvPr id="4" name="Foliennummernplatzhalter 3">
-            <a:extLst>
-              <a:ext uri="{FF2B5EF4-FFF2-40B4-BE49-F238E27FC236}">
-                <a16:creationId xmlns:a16="http://schemas.microsoft.com/office/drawing/2014/main" id="{21546FC4-ED08-494A-896D-7AD83FEA6D11}"/>
-              </a:ext>
-            </a:extLst>
-          </p:cNvPr>
-          <p:cNvSpPr>
-            <a:spLocks noGrp="1"/>
-          </p:cNvSpPr>
-          <p:nvPr>
-            <p:ph type="sldNum" sz="quarter" idx="12"/>
-          </p:nvPr>
-        </p:nvSpPr>
-        <p:spPr/>
-        <p:txBody>
-          <a:bodyPr/>
-          <a:lstStyle/>
-          <a:p>
-            <a:r>
-              <a:rPr lang="de-DE"/>
-              <a:t>S. </a:t>
-            </a:r>
-            <a:fld id="{D7EFD9E5-FB44-4C01-A2C2-48348664E7CC}" type="slidenum">
-              <a:rPr lang="de-DE" smtClean="0"/>
-              <a:pPr/>
-              <a:t>8</a:t>
             </a:fld>
             <a:endParaRPr lang="de-DE" dirty="0"/>
           </a:p>
@@ -11730,6 +12594,346 @@
 </p:sld>
 </file>
 
+<file path=ppt/slides/slide8.xml><?xml version="1.0" encoding="utf-8"?>
+<p:sld xmlns:a="http://schemas.openxmlformats.org/drawingml/2006/main" xmlns:r="http://schemas.openxmlformats.org/officeDocument/2006/relationships" xmlns:p="http://schemas.openxmlformats.org/presentationml/2006/main">
+  <p:cSld>
+    <p:spTree>
+      <p:nvGrpSpPr>
+        <p:cNvPr id="1" name=""/>
+        <p:cNvGrpSpPr/>
+        <p:nvPr/>
+      </p:nvGrpSpPr>
+      <p:grpSpPr>
+        <a:xfrm>
+          <a:off x="0" y="0"/>
+          <a:ext cx="0" cy="0"/>
+          <a:chOff x="0" y="0"/>
+          <a:chExt cx="0" cy="0"/>
+        </a:xfrm>
+      </p:grpSpPr>
+      <p:sp>
+        <p:nvSpPr>
+          <p:cNvPr id="4" name="Foliennummernplatzhalter 3">
+            <a:extLst>
+              <a:ext uri="{FF2B5EF4-FFF2-40B4-BE49-F238E27FC236}">
+                <a16:creationId xmlns:a16="http://schemas.microsoft.com/office/drawing/2014/main" id="{F9525ADB-1ABE-43A7-8675-F2F22E79F49B}"/>
+              </a:ext>
+            </a:extLst>
+          </p:cNvPr>
+          <p:cNvSpPr>
+            <a:spLocks noGrp="1"/>
+          </p:cNvSpPr>
+          <p:nvPr>
+            <p:ph type="sldNum" sz="quarter" idx="12"/>
+          </p:nvPr>
+        </p:nvSpPr>
+        <p:spPr/>
+        <p:txBody>
+          <a:bodyPr/>
+          <a:lstStyle/>
+          <a:p>
+            <a:r>
+              <a:rPr lang="de-DE"/>
+              <a:t>S. </a:t>
+            </a:r>
+            <a:fld id="{D7EFD9E5-FB44-4C01-A2C2-48348664E7CC}" type="slidenum">
+              <a:rPr lang="de-DE" smtClean="0"/>
+              <a:pPr/>
+              <a:t>8</a:t>
+            </a:fld>
+            <a:endParaRPr lang="de-DE" dirty="0"/>
+          </a:p>
+        </p:txBody>
+      </p:sp>
+      <p:sp>
+        <p:nvSpPr>
+          <p:cNvPr id="5" name="Inhaltsplatzhalter 4">
+            <a:extLst>
+              <a:ext uri="{FF2B5EF4-FFF2-40B4-BE49-F238E27FC236}">
+                <a16:creationId xmlns:a16="http://schemas.microsoft.com/office/drawing/2014/main" id="{63208464-AA7C-4D45-B2C4-6988176A9DD2}"/>
+              </a:ext>
+            </a:extLst>
+          </p:cNvPr>
+          <p:cNvSpPr>
+            <a:spLocks noGrp="1"/>
+          </p:cNvSpPr>
+          <p:nvPr>
+            <p:ph idx="1"/>
+          </p:nvPr>
+        </p:nvSpPr>
+        <p:spPr/>
+        <p:txBody>
+          <a:bodyPr/>
+          <a:lstStyle/>
+          <a:p>
+            <a:endParaRPr lang="de-DE" dirty="0"/>
+          </a:p>
+          <a:p>
+            <a:r>
+              <a:rPr lang="de-DE" dirty="0"/>
+              <a:t>The </a:t>
+            </a:r>
+            <a:r>
+              <a:rPr lang="de-DE" dirty="0" err="1"/>
+              <a:t>main</a:t>
+            </a:r>
+            <a:r>
+              <a:rPr lang="de-DE" dirty="0"/>
+              <a:t> </a:t>
+            </a:r>
+            <a:r>
+              <a:rPr lang="de-DE" dirty="0" err="1"/>
+              <a:t>advantiges</a:t>
+            </a:r>
+            <a:r>
+              <a:rPr lang="de-DE" dirty="0"/>
+              <a:t> </a:t>
+            </a:r>
+            <a:r>
+              <a:rPr lang="de-DE" dirty="0" err="1"/>
+              <a:t>of</a:t>
+            </a:r>
+            <a:r>
+              <a:rPr lang="de-DE" dirty="0"/>
+              <a:t> open source </a:t>
+            </a:r>
+            <a:r>
+              <a:rPr lang="de-DE" dirty="0" err="1"/>
+              <a:t>software</a:t>
+            </a:r>
+            <a:r>
+              <a:rPr lang="de-DE" dirty="0"/>
+              <a:t>:</a:t>
+            </a:r>
+          </a:p>
+          <a:p>
+            <a:pPr marL="285750" indent="-285750">
+              <a:buFontTx/>
+              <a:buChar char="-"/>
+            </a:pPr>
+            <a:r>
+              <a:rPr lang="de-DE" dirty="0"/>
+              <a:t>Long </a:t>
+            </a:r>
+            <a:r>
+              <a:rPr lang="de-DE" dirty="0" err="1"/>
+              <a:t>term</a:t>
+            </a:r>
+            <a:r>
+              <a:rPr lang="de-DE" dirty="0"/>
+              <a:t> </a:t>
+            </a:r>
+            <a:r>
+              <a:rPr lang="de-DE" dirty="0" err="1"/>
+              <a:t>availability</a:t>
+            </a:r>
+            <a:r>
+              <a:rPr lang="de-DE" dirty="0"/>
+              <a:t> </a:t>
+            </a:r>
+          </a:p>
+          <a:p>
+            <a:pPr marL="285750" indent="-285750">
+              <a:buFontTx/>
+              <a:buChar char="-"/>
+            </a:pPr>
+            <a:r>
+              <a:rPr lang="de-DE" dirty="0" err="1"/>
+              <a:t>No</a:t>
+            </a:r>
+            <a:r>
+              <a:rPr lang="de-DE" dirty="0"/>
+              <a:t> </a:t>
+            </a:r>
+            <a:r>
+              <a:rPr lang="de-DE" dirty="0" err="1"/>
+              <a:t>license</a:t>
+            </a:r>
+            <a:r>
+              <a:rPr lang="de-DE" dirty="0"/>
+              <a:t> </a:t>
+            </a:r>
+            <a:r>
+              <a:rPr lang="de-DE" dirty="0" err="1"/>
+              <a:t>fee</a:t>
+            </a:r>
+            <a:endParaRPr lang="de-DE" dirty="0"/>
+          </a:p>
+          <a:p>
+            <a:pPr marL="285750" indent="-285750">
+              <a:buFontTx/>
+              <a:buChar char="-"/>
+            </a:pPr>
+            <a:r>
+              <a:rPr lang="de-DE" dirty="0" err="1"/>
+              <a:t>Availability</a:t>
+            </a:r>
+            <a:r>
+              <a:rPr lang="de-DE" dirty="0"/>
+              <a:t> </a:t>
+            </a:r>
+            <a:r>
+              <a:rPr lang="de-DE" dirty="0" err="1"/>
+              <a:t>of</a:t>
+            </a:r>
+            <a:r>
+              <a:rPr lang="de-DE" dirty="0"/>
+              <a:t> </a:t>
+            </a:r>
+            <a:r>
+              <a:rPr lang="de-DE" dirty="0" err="1"/>
+              <a:t>old</a:t>
+            </a:r>
+            <a:r>
+              <a:rPr lang="de-DE" dirty="0"/>
+              <a:t> </a:t>
+            </a:r>
+            <a:r>
+              <a:rPr lang="de-DE" dirty="0" err="1"/>
+              <a:t>versions</a:t>
+            </a:r>
+            <a:r>
+              <a:rPr lang="de-DE" dirty="0"/>
+              <a:t> </a:t>
+            </a:r>
+          </a:p>
+          <a:p>
+            <a:pPr marL="285750" indent="-285750">
+              <a:buFontTx/>
+              <a:buChar char="-"/>
+            </a:pPr>
+            <a:r>
+              <a:rPr lang="en-US" dirty="0"/>
+              <a:t>Open source alternative for most common tools</a:t>
+            </a:r>
+          </a:p>
+          <a:p>
+            <a:pPr marL="652436" lvl="1" indent="-285750">
+              <a:buFontTx/>
+              <a:buChar char="-"/>
+            </a:pPr>
+            <a:r>
+              <a:rPr lang="en-US" dirty="0"/>
+              <a:t>MS-Word -&gt; LaTeX</a:t>
+            </a:r>
+          </a:p>
+          <a:p>
+            <a:pPr marL="652436" lvl="1" indent="-285750">
+              <a:buFontTx/>
+              <a:buChar char="-"/>
+            </a:pPr>
+            <a:r>
+              <a:rPr lang="en-US" dirty="0"/>
+              <a:t>MS-Excel -&gt; R, </a:t>
+            </a:r>
+            <a:r>
+              <a:rPr lang="en-US" dirty="0" err="1"/>
+              <a:t>Python.Numpy</a:t>
+            </a:r>
+            <a:r>
+              <a:rPr lang="en-US" dirty="0"/>
+              <a:t>/.Matplotlib</a:t>
+            </a:r>
+          </a:p>
+          <a:p>
+            <a:pPr lvl="1" indent="0">
+              <a:buNone/>
+            </a:pPr>
+            <a:endParaRPr lang="de-DE" dirty="0"/>
+          </a:p>
+        </p:txBody>
+      </p:sp>
+      <p:sp>
+        <p:nvSpPr>
+          <p:cNvPr id="6" name="Textplatzhalter 5">
+            <a:extLst>
+              <a:ext uri="{FF2B5EF4-FFF2-40B4-BE49-F238E27FC236}">
+                <a16:creationId xmlns:a16="http://schemas.microsoft.com/office/drawing/2014/main" id="{1E74AD78-AE18-4846-A5FB-52E559F85FC3}"/>
+              </a:ext>
+            </a:extLst>
+          </p:cNvPr>
+          <p:cNvSpPr>
+            <a:spLocks noGrp="1"/>
+          </p:cNvSpPr>
+          <p:nvPr>
+            <p:ph type="body" sz="quarter" idx="13"/>
+          </p:nvPr>
+        </p:nvSpPr>
+        <p:spPr/>
+        <p:txBody>
+          <a:bodyPr/>
+          <a:lstStyle/>
+          <a:p>
+            <a:r>
+              <a:rPr lang="de-DE" dirty="0"/>
+              <a:t>Open source vs. </a:t>
+            </a:r>
+            <a:r>
+              <a:rPr lang="de-DE" dirty="0" err="1"/>
+              <a:t>proprietary</a:t>
+            </a:r>
+            <a:r>
+              <a:rPr lang="de-DE" dirty="0"/>
+              <a:t> </a:t>
+            </a:r>
+            <a:r>
+              <a:rPr lang="de-DE" dirty="0" err="1"/>
+              <a:t>software</a:t>
+            </a:r>
+            <a:endParaRPr lang="de-DE" dirty="0"/>
+          </a:p>
+        </p:txBody>
+      </p:sp>
+      <p:sp>
+        <p:nvSpPr>
+          <p:cNvPr id="7" name="Titel 6">
+            <a:extLst>
+              <a:ext uri="{FF2B5EF4-FFF2-40B4-BE49-F238E27FC236}">
+                <a16:creationId xmlns:a16="http://schemas.microsoft.com/office/drawing/2014/main" id="{8D3F2BF8-FBC7-42CD-A152-75744121A22C}"/>
+              </a:ext>
+            </a:extLst>
+          </p:cNvPr>
+          <p:cNvSpPr>
+            <a:spLocks noGrp="1"/>
+          </p:cNvSpPr>
+          <p:nvPr>
+            <p:ph type="title"/>
+          </p:nvPr>
+        </p:nvSpPr>
+        <p:spPr/>
+        <p:txBody>
+          <a:bodyPr/>
+          <a:lstStyle/>
+          <a:p>
+            <a:r>
+              <a:rPr lang="de-DE" dirty="0" err="1"/>
+              <a:t>Decoupling</a:t>
+            </a:r>
+            <a:r>
+              <a:rPr lang="de-DE" dirty="0"/>
+              <a:t> </a:t>
+            </a:r>
+            <a:r>
+              <a:rPr lang="de-DE" dirty="0" err="1"/>
+              <a:t>Dependency</a:t>
+            </a:r>
+            <a:endParaRPr lang="de-DE" dirty="0"/>
+          </a:p>
+        </p:txBody>
+      </p:sp>
+    </p:spTree>
+    <p:extLst>
+      <p:ext uri="{BB962C8B-B14F-4D97-AF65-F5344CB8AC3E}">
+        <p14:creationId xmlns:p14="http://schemas.microsoft.com/office/powerpoint/2010/main" val="1340538151"/>
+      </p:ext>
+    </p:extLst>
+  </p:cSld>
+  <p:clrMapOvr>
+    <a:masterClrMapping/>
+  </p:clrMapOvr>
+</p:sld>
+</file>
+
 <file path=ppt/slides/slide9.xml><?xml version="1.0" encoding="utf-8"?>
 <p:sld xmlns:a="http://schemas.openxmlformats.org/drawingml/2006/main" xmlns:r="http://schemas.openxmlformats.org/officeDocument/2006/relationships" xmlns:p="http://schemas.openxmlformats.org/presentationml/2006/main">
   <p:cSld>
@@ -11752,7 +12956,7 @@
           <p:cNvPr id="4" name="Foliennummernplatzhalter 3">
             <a:extLst>
               <a:ext uri="{FF2B5EF4-FFF2-40B4-BE49-F238E27FC236}">
-                <a16:creationId xmlns:a16="http://schemas.microsoft.com/office/drawing/2014/main" id="{F9525ADB-1ABE-43A7-8675-F2F22E79F49B}"/>
+                <a16:creationId xmlns:a16="http://schemas.microsoft.com/office/drawing/2014/main" id="{FD6FA2E9-CE11-4C98-8964-580B4E5962A0}"/>
               </a:ext>
             </a:extLst>
           </p:cNvPr>
@@ -11786,7 +12990,7 @@
           <p:cNvPr id="5" name="Inhaltsplatzhalter 4">
             <a:extLst>
               <a:ext uri="{FF2B5EF4-FFF2-40B4-BE49-F238E27FC236}">
-                <a16:creationId xmlns:a16="http://schemas.microsoft.com/office/drawing/2014/main" id="{63208464-AA7C-4D45-B2C4-6988176A9DD2}"/>
+                <a16:creationId xmlns:a16="http://schemas.microsoft.com/office/drawing/2014/main" id="{B59043E2-3FD5-4C75-8E8C-AB6BB2D2314B}"/>
               </a:ext>
             </a:extLst>
           </p:cNvPr>
@@ -11806,12 +13010,8 @@
           </a:p>
           <a:p>
             <a:r>
-              <a:rPr lang="de-DE" dirty="0"/>
-              <a:t>The </a:t>
-            </a:r>
-            <a:r>
-              <a:rPr lang="de-DE" dirty="0" err="1"/>
-              <a:t>main</a:t>
+              <a:rPr lang="de-DE" dirty="0" err="1"/>
+              <a:t>Realize</a:t>
             </a:r>
             <a:r>
               <a:rPr lang="de-DE" dirty="0"/>
@@ -11819,7 +13019,26 @@
             </a:r>
             <a:r>
               <a:rPr lang="de-DE" dirty="0" err="1"/>
-              <a:t>advantiges</a:t>
+              <a:t>the</a:t>
+            </a:r>
+            <a:r>
+              <a:rPr lang="de-DE" dirty="0"/>
+              <a:t> Excel Solver via </a:t>
+            </a:r>
+            <a:r>
+              <a:rPr lang="de-DE" dirty="0" err="1"/>
+              <a:t>python</a:t>
+            </a:r>
+            <a:endParaRPr lang="de-DE" dirty="0"/>
+          </a:p>
+          <a:p>
+            <a:r>
+              <a:rPr lang="de-DE" dirty="0"/>
+              <a:t>	- source code </a:t>
+            </a:r>
+            <a:r>
+              <a:rPr lang="de-DE" dirty="0" err="1"/>
+              <a:t>of</a:t>
             </a:r>
             <a:r>
               <a:rPr lang="de-DE" dirty="0"/>
@@ -11827,33 +13046,7 @@
             </a:r>
             <a:r>
               <a:rPr lang="de-DE" dirty="0" err="1"/>
-              <a:t>of</a:t>
-            </a:r>
-            <a:r>
-              <a:rPr lang="de-DE" dirty="0"/>
-              <a:t> open source </a:t>
-            </a:r>
-            <a:r>
-              <a:rPr lang="de-DE" dirty="0" err="1"/>
-              <a:t>software</a:t>
-            </a:r>
-            <a:r>
-              <a:rPr lang="de-DE" dirty="0"/>
-              <a:t>:</a:t>
-            </a:r>
-          </a:p>
-          <a:p>
-            <a:pPr marL="285750" indent="-285750">
-              <a:buFontTx/>
-              <a:buChar char="-"/>
-            </a:pPr>
-            <a:r>
-              <a:rPr lang="de-DE" dirty="0"/>
-              <a:t>Long </a:t>
-            </a:r>
-            <a:r>
-              <a:rPr lang="de-DE" dirty="0" err="1"/>
-              <a:t>term</a:t>
+              <a:t>the</a:t>
             </a:r>
             <a:r>
               <a:rPr lang="de-DE" dirty="0"/>
@@ -11861,120 +13054,76 @@
             </a:r>
             <a:r>
               <a:rPr lang="de-DE" dirty="0" err="1"/>
-              <a:t>availability</a:t>
+              <a:t>python-solver</a:t>
             </a:r>
             <a:r>
               <a:rPr lang="de-DE" dirty="0"/>
               <a:t> </a:t>
             </a:r>
-          </a:p>
-          <a:p>
-            <a:pPr marL="285750" indent="-285750">
-              <a:buFontTx/>
-              <a:buChar char="-"/>
-            </a:pPr>
-            <a:r>
-              <a:rPr lang="de-DE" dirty="0" err="1"/>
-              <a:t>No</a:t>
-            </a:r>
-            <a:r>
-              <a:rPr lang="de-DE" dirty="0"/>
-              <a:t> </a:t>
-            </a:r>
-            <a:r>
-              <a:rPr lang="de-DE" dirty="0" err="1"/>
-              <a:t>license</a:t>
-            </a:r>
-            <a:r>
-              <a:rPr lang="de-DE" dirty="0"/>
-              <a:t> </a:t>
-            </a:r>
-            <a:r>
-              <a:rPr lang="de-DE" dirty="0" err="1"/>
-              <a:t>fee</a:t>
+            <a:r>
+              <a:rPr lang="de-DE" dirty="0" err="1"/>
+              <a:t>available</a:t>
+            </a:r>
+            <a:r>
+              <a:rPr lang="de-DE" dirty="0"/>
+              <a:t> in </a:t>
+            </a:r>
+            <a:r>
+              <a:rPr lang="de-DE" dirty="0" err="1"/>
+              <a:t>repository</a:t>
             </a:r>
             <a:endParaRPr lang="de-DE" dirty="0"/>
           </a:p>
           <a:p>
-            <a:pPr marL="285750" indent="-285750">
-              <a:buFontTx/>
-              <a:buChar char="-"/>
-            </a:pPr>
-            <a:r>
-              <a:rPr lang="de-DE" dirty="0" err="1"/>
-              <a:t>Availability</a:t>
-            </a:r>
-            <a:r>
-              <a:rPr lang="de-DE" dirty="0"/>
-              <a:t> </a:t>
-            </a:r>
-            <a:r>
-              <a:rPr lang="de-DE" dirty="0" err="1"/>
-              <a:t>of</a:t>
-            </a:r>
-            <a:r>
-              <a:rPr lang="de-DE" dirty="0"/>
-              <a:t> </a:t>
-            </a:r>
-            <a:r>
-              <a:rPr lang="de-DE" dirty="0" err="1"/>
-              <a:t>old</a:t>
-            </a:r>
-            <a:r>
-              <a:rPr lang="de-DE" dirty="0"/>
-              <a:t> </a:t>
-            </a:r>
-            <a:r>
-              <a:rPr lang="de-DE" dirty="0" err="1"/>
-              <a:t>versions</a:t>
-            </a:r>
-            <a:r>
-              <a:rPr lang="de-DE" dirty="0"/>
-              <a:t> </a:t>
-            </a:r>
-          </a:p>
-          <a:p>
-            <a:pPr marL="285750" indent="-285750">
-              <a:buFontTx/>
-              <a:buChar char="-"/>
-            </a:pPr>
+            <a:r>
+              <a:rPr lang="de-DE" dirty="0"/>
+              <a:t>	- </a:t>
+            </a:r>
             <a:r>
               <a:rPr lang="en-US" dirty="0"/>
-              <a:t>Open source alternative for most common tools</a:t>
-            </a:r>
-          </a:p>
-          <a:p>
-            <a:pPr marL="652436" lvl="1" indent="-285750">
-              <a:buFontTx/>
-              <a:buChar char="-"/>
-            </a:pPr>
+              <a:t>Beneficial for researchers who repeat our experiment</a:t>
+            </a:r>
+          </a:p>
+          <a:p>
+            <a:endParaRPr lang="en-US" dirty="0"/>
+          </a:p>
+          <a:p>
+            <a:endParaRPr lang="en-US" dirty="0"/>
+          </a:p>
+          <a:p>
             <a:r>
               <a:rPr lang="en-US" dirty="0"/>
-              <a:t>MS-Word -&gt; LaTeX</a:t>
-            </a:r>
-          </a:p>
-          <a:p>
-            <a:pPr marL="652436" lvl="1" indent="-285750">
-              <a:buFontTx/>
-              <a:buChar char="-"/>
-            </a:pPr>
+              <a:t>Realize the documentation via LaTeX</a:t>
+            </a:r>
+          </a:p>
+          <a:p>
             <a:r>
               <a:rPr lang="en-US" dirty="0"/>
-              <a:t>MS-Excel -&gt; R, </a:t>
+              <a:t>	- Documentation is generate automatically </a:t>
+            </a:r>
+          </a:p>
+          <a:p>
+            <a:r>
+              <a:rPr lang="en-US" dirty="0"/>
+              <a:t>	- best look for scientific Papers</a:t>
+            </a:r>
+          </a:p>
+          <a:p>
+            <a:r>
+              <a:rPr lang="en-US" dirty="0"/>
+              <a:t>	- automatically import of </a:t>
             </a:r>
             <a:r>
               <a:rPr lang="en-US" dirty="0" err="1"/>
-              <a:t>Python.Numpy</a:t>
-            </a:r>
+              <a:t>figtures</a:t>
+            </a:r>
+            <a:endParaRPr lang="en-US" dirty="0"/>
+          </a:p>
+          <a:p>
             <a:r>
               <a:rPr lang="en-US" dirty="0"/>
-              <a:t>/.Matplotlib</a:t>
-            </a:r>
-          </a:p>
-          <a:p>
-            <a:pPr lvl="1" indent="0">
-              <a:buNone/>
-            </a:pPr>
+              <a:t>	- (Output as PDF-File)</a:t>
+            </a:r>
             <a:endParaRPr lang="de-DE" dirty="0"/>
           </a:p>
         </p:txBody>
@@ -11984,7 +13133,7 @@
           <p:cNvPr id="6" name="Textplatzhalter 5">
             <a:extLst>
               <a:ext uri="{FF2B5EF4-FFF2-40B4-BE49-F238E27FC236}">
-                <a16:creationId xmlns:a16="http://schemas.microsoft.com/office/drawing/2014/main" id="{1E74AD78-AE18-4846-A5FB-52E559F85FC3}"/>
+                <a16:creationId xmlns:a16="http://schemas.microsoft.com/office/drawing/2014/main" id="{5DABE3BD-90FE-4A8A-BAA3-0CC28343E955}"/>
               </a:ext>
             </a:extLst>
           </p:cNvPr>
@@ -12002,11 +13151,11 @@
           <a:p>
             <a:r>
               <a:rPr lang="de-DE" dirty="0"/>
-              <a:t>Open source vs. </a:t>
-            </a:r>
-            <a:r>
-              <a:rPr lang="de-DE" dirty="0" err="1"/>
-              <a:t>proprietary</a:t>
+              <a:t>Tools in </a:t>
+            </a:r>
+            <a:r>
+              <a:rPr lang="de-DE" dirty="0" err="1"/>
+              <a:t>our</a:t>
             </a:r>
             <a:r>
               <a:rPr lang="de-DE" dirty="0"/>
@@ -12014,7 +13163,7 @@
             </a:r>
             <a:r>
               <a:rPr lang="de-DE" dirty="0" err="1"/>
-              <a:t>software</a:t>
+              <a:t>experiment</a:t>
             </a:r>
             <a:endParaRPr lang="de-DE" dirty="0"/>
           </a:p>
@@ -12025,7 +13174,7 @@
           <p:cNvPr id="7" name="Titel 6">
             <a:extLst>
               <a:ext uri="{FF2B5EF4-FFF2-40B4-BE49-F238E27FC236}">
-                <a16:creationId xmlns:a16="http://schemas.microsoft.com/office/drawing/2014/main" id="{8D3F2BF8-FBC7-42CD-A152-75744121A22C}"/>
+                <a16:creationId xmlns:a16="http://schemas.microsoft.com/office/drawing/2014/main" id="{AE1D8EBA-52F2-4067-A44F-5F75E34496B7}"/>
               </a:ext>
             </a:extLst>
           </p:cNvPr>
@@ -12060,7 +13209,7 @@
     </p:spTree>
     <p:extLst>
       <p:ext uri="{BB962C8B-B14F-4D97-AF65-F5344CB8AC3E}">
-        <p14:creationId xmlns:p14="http://schemas.microsoft.com/office/powerpoint/2010/main" val="1340538151"/>
+        <p14:creationId xmlns:p14="http://schemas.microsoft.com/office/powerpoint/2010/main" val="1270263777"/>
       </p:ext>
     </p:extLst>
   </p:cSld>
@@ -12914,12 +14063,6 @@
 </file>
 
 <file path=customXml/item1.xml><?xml version="1.0" encoding="utf-8"?>
-<p:properties xmlns:p="http://schemas.microsoft.com/office/2006/metadata/properties" xmlns:xsi="http://www.w3.org/2001/XMLSchema-instance" xmlns:pc="http://schemas.microsoft.com/office/infopath/2007/PartnerControls">
-  <documentManagement/>
-</p:properties>
-</file>
-
-<file path=customXml/item2.xml><?xml version="1.0" encoding="utf-8"?>
 <ct:contentTypeSchema xmlns:ct="http://schemas.microsoft.com/office/2006/metadata/contentType" xmlns:ma="http://schemas.microsoft.com/office/2006/metadata/properties/metaAttributes" ct:_="" ma:_="" ma:contentTypeName="Dokument" ma:contentTypeID="0x0101003DC6390AE56B35438C65966F635EAD35" ma:contentTypeVersion="0" ma:contentTypeDescription="Ein neues Dokument erstellen." ma:contentTypeScope="" ma:versionID="4f3286d4674dd6d9e62b4ad622de0e43">
   <xsd:schema xmlns:xsd="http://www.w3.org/2001/XMLSchema" xmlns:xs="http://www.w3.org/2001/XMLSchema" xmlns:p="http://schemas.microsoft.com/office/2006/metadata/properties" targetNamespace="http://schemas.microsoft.com/office/2006/metadata/properties" ma:root="true" ma:fieldsID="b4f5dc90cf06628c3b90945c8266c24d">
     <xsd:element name="properties">
@@ -13033,6 +14176,12 @@
 </ct:contentTypeSchema>
 </file>
 
+<file path=customXml/item2.xml><?xml version="1.0" encoding="utf-8"?>
+<p:properties xmlns:p="http://schemas.microsoft.com/office/2006/metadata/properties" xmlns:xsi="http://www.w3.org/2001/XMLSchema-instance" xmlns:pc="http://schemas.microsoft.com/office/infopath/2007/PartnerControls">
+  <documentManagement/>
+</p:properties>
+</file>
+
 <file path=customXml/item3.xml><?xml version="1.0" encoding="utf-8"?>
 <?mso-contentType ?>
 <FormTemplates xmlns="http://schemas.microsoft.com/sharepoint/v3/contenttype/forms">
@@ -13043,21 +14192,6 @@
 </file>
 
 <file path=customXml/itemProps1.xml><?xml version="1.0" encoding="utf-8"?>
-<ds:datastoreItem xmlns:ds="http://schemas.openxmlformats.org/officeDocument/2006/customXml" ds:itemID="{6F65AD01-48E5-4010-AD48-B7D7CFBD789F}">
-  <ds:schemaRefs>
-    <ds:schemaRef ds:uri="http://schemas.microsoft.com/office/2006/documentManagement/types"/>
-    <ds:schemaRef ds:uri="http://schemas.microsoft.com/office/infopath/2007/PartnerControls"/>
-    <ds:schemaRef ds:uri="http://www.w3.org/XML/1998/namespace"/>
-    <ds:schemaRef ds:uri="http://schemas.microsoft.com/office/2006/metadata/properties"/>
-    <ds:schemaRef ds:uri="http://purl.org/dc/elements/1.1/"/>
-    <ds:schemaRef ds:uri="http://purl.org/dc/dcmitype/"/>
-    <ds:schemaRef ds:uri="http://schemas.openxmlformats.org/package/2006/metadata/core-properties"/>
-    <ds:schemaRef ds:uri="http://purl.org/dc/terms/"/>
-  </ds:schemaRefs>
-</ds:datastoreItem>
-</file>
-
-<file path=customXml/itemProps2.xml><?xml version="1.0" encoding="utf-8"?>
 <ds:datastoreItem xmlns:ds="http://schemas.openxmlformats.org/officeDocument/2006/customXml" ds:itemID="{2566FAE7-B46A-4DFD-AC4F-E088CCE66172}">
   <ds:schemaRefs>
     <ds:schemaRef ds:uri="http://schemas.microsoft.com/office/2006/metadata/contentType"/>
@@ -13073,6 +14207,21 @@
 </ds:datastoreItem>
 </file>
 
+<file path=customXml/itemProps2.xml><?xml version="1.0" encoding="utf-8"?>
+<ds:datastoreItem xmlns:ds="http://schemas.openxmlformats.org/officeDocument/2006/customXml" ds:itemID="{6F65AD01-48E5-4010-AD48-B7D7CFBD789F}">
+  <ds:schemaRefs>
+    <ds:schemaRef ds:uri="http://schemas.microsoft.com/office/2006/documentManagement/types"/>
+    <ds:schemaRef ds:uri="http://schemas.microsoft.com/office/infopath/2007/PartnerControls"/>
+    <ds:schemaRef ds:uri="http://www.w3.org/XML/1998/namespace"/>
+    <ds:schemaRef ds:uri="http://schemas.microsoft.com/office/2006/metadata/properties"/>
+    <ds:schemaRef ds:uri="http://purl.org/dc/elements/1.1/"/>
+    <ds:schemaRef ds:uri="http://purl.org/dc/dcmitype/"/>
+    <ds:schemaRef ds:uri="http://schemas.openxmlformats.org/package/2006/metadata/core-properties"/>
+    <ds:schemaRef ds:uri="http://purl.org/dc/terms/"/>
+  </ds:schemaRefs>
+</ds:datastoreItem>
+</file>
+
 <file path=customXml/itemProps3.xml><?xml version="1.0" encoding="utf-8"?>
 <ds:datastoreItem xmlns:ds="http://schemas.openxmlformats.org/officeDocument/2006/customXml" ds:itemID="{20CAF0C3-C893-4631-969E-805C1C12F17E}">
   <ds:schemaRefs>

--- a/Präsentation.pptx
+++ b/Präsentation.pptx
@@ -8268,7 +8268,7 @@
           <a:graphicData uri="http://schemas.openxmlformats.org/presentationml/2006/ole">
             <mc:AlternateContent xmlns:mc="http://schemas.openxmlformats.org/markup-compatibility/2006">
               <mc:Choice xmlns:v="urn:schemas-microsoft-com:vml" Requires="v">
-                <p:oleObj spid="_x0000_s4098" name="Acrobat Document" r:id="rId4" imgW="4390760" imgH="3295344" progId="Acrobat.Document.DC">
+                <p:oleObj spid="_x0000_s4099" name="Acrobat Document" r:id="rId4" imgW="4390760" imgH="3295344" progId="Acrobat.Document.DC">
                   <p:embed/>
                 </p:oleObj>
               </mc:Choice>
@@ -10148,8 +10148,8 @@
           </a:p>
         </p:txBody>
       </p:sp>
-      <mc:AlternateContent xmlns:mc="http://schemas.openxmlformats.org/markup-compatibility/2006" xmlns:a14="http://schemas.microsoft.com/office/drawing/2010/main">
-        <mc:Choice Requires="a14">
+      <mc:AlternateContent xmlns:mc="http://schemas.openxmlformats.org/markup-compatibility/2006">
+        <mc:Choice xmlns:a14="http://schemas.microsoft.com/office/drawing/2010/main" Requires="a14">
           <p:sp>
             <p:nvSpPr>
               <p:cNvPr id="5" name="Inhaltsplatzhalter 4">
@@ -10166,10 +10166,38 @@
                 <p:ph idx="1"/>
               </p:nvPr>
             </p:nvSpPr>
-            <p:spPr/>
+            <p:spPr>
+              <a:xfrm>
+                <a:off x="279167" y="915566"/>
+                <a:ext cx="8568000" cy="3628492"/>
+              </a:xfrm>
+            </p:spPr>
             <p:txBody>
               <a:bodyPr/>
               <a:lstStyle/>
+              <a:p>
+                <a:r>
+                  <a:rPr lang="en-US" dirty="0"/>
+                  <a:t>Optimizing the product mix for rubber ducks and fish. (“Head First Data Analysis”)</a:t>
+                </a:r>
+              </a:p>
+              <a:p>
+                <a:pPr marL="285750" indent="-285750">
+                  <a:buFont typeface="Wingdings" panose="05000000000000000000" pitchFamily="2" charset="2"/>
+                  <a:buChar char="à"/>
+                </a:pPr>
+                <a:r>
+                  <a:rPr lang="en-US" dirty="0"/>
+                  <a:t>Maximize the profit</a:t>
+                </a:r>
+              </a:p>
+              <a:p>
+                <a:pPr marL="285750" indent="-285750">
+                  <a:buFont typeface="Wingdings" panose="05000000000000000000" pitchFamily="2" charset="2"/>
+                  <a:buChar char="à"/>
+                </a:pPr>
+                <a:endParaRPr lang="en-US" dirty="0"/>
+              </a:p>
               <a:p>
                 <a:r>
                   <a:rPr lang="en-US" dirty="0"/>
@@ -10187,6 +10215,18 @@
                 </a:r>
               </a:p>
               <a:p>
+                <a:r>
+                  <a:rPr lang="en-US" dirty="0"/>
+                  <a:t>Decision Variables:</a:t>
+                </a:r>
+              </a:p>
+              <a:p>
+                <a:r>
+                  <a:rPr lang="en-US" dirty="0"/>
+                  <a:t>-    Variables which can be controlled and actively changed</a:t>
+                </a:r>
+              </a:p>
+              <a:p>
                 <a:pPr marL="285750" indent="-285750">
                   <a:buFontTx/>
                   <a:buChar char="-"/>
@@ -10196,7 +10236,7 @@
               <a:p>
                 <a:r>
                   <a:rPr lang="en-US" dirty="0"/>
-                  <a:t>Equalization:</a:t>
+                  <a:t>Optimization Problem:</a:t>
                 </a:r>
               </a:p>
               <a:p>
@@ -10518,7 +10558,7 @@
             </p:txBody>
           </p:sp>
         </mc:Choice>
-        <mc:Fallback xmlns="">
+        <mc:Fallback>
           <p:sp>
             <p:nvSpPr>
               <p:cNvPr id="5" name="Inhaltsplatzhalter 4">
@@ -10536,10 +10576,14 @@
               </p:nvPr>
             </p:nvSpPr>
             <p:spPr>
+              <a:xfrm>
+                <a:off x="279167" y="915566"/>
+                <a:ext cx="8568000" cy="3628492"/>
+              </a:xfrm>
               <a:blipFill>
                 <a:blip r:embed="rId3"/>
                 <a:stretch>
-                  <a:fillRect l="-1352" t="-522"/>
+                  <a:fillRect l="-1352" t="-504"/>
                 </a:stretch>
               </a:blipFill>
             </p:spPr>
@@ -10548,7 +10592,7 @@
               <a:lstStyle/>
               <a:p>
                 <a:r>
-                  <a:rPr lang="de-DE">
+                  <a:rPr lang="LID4096">
                     <a:noFill/>
                   </a:rPr>
                   <a:t> </a:t>
@@ -10591,8 +10635,8 @@
           </a:p>
         </p:txBody>
       </p:sp>
-      <mc:AlternateContent xmlns:mc="http://schemas.openxmlformats.org/markup-compatibility/2006" xmlns:a14="http://schemas.microsoft.com/office/drawing/2010/main">
-        <mc:Choice Requires="a14">
+      <mc:AlternateContent xmlns:mc="http://schemas.openxmlformats.org/markup-compatibility/2006">
+        <mc:Choice xmlns:a14="http://schemas.microsoft.com/office/drawing/2010/main" Requires="a14">
           <p:sp>
             <p:nvSpPr>
               <p:cNvPr id="9" name="Textfeld 8">
@@ -10607,7 +10651,7 @@
             </p:nvSpPr>
             <p:spPr>
               <a:xfrm>
-                <a:off x="5364087" y="2571750"/>
+                <a:off x="5175406" y="3922428"/>
                 <a:ext cx="3500745" cy="523220"/>
               </a:xfrm>
               <a:prstGeom prst="rect">
@@ -10729,7 +10773,7 @@
             </p:txBody>
           </p:sp>
         </mc:Choice>
-        <mc:Fallback xmlns="">
+        <mc:Fallback>
           <p:sp>
             <p:nvSpPr>
               <p:cNvPr id="9" name="Textfeld 8">
@@ -10746,7 +10790,7 @@
             </p:nvSpPr>
             <p:spPr>
               <a:xfrm>
-                <a:off x="5364087" y="2571750"/>
+                <a:off x="5175406" y="3922428"/>
                 <a:ext cx="3500745" cy="523220"/>
               </a:xfrm>
               <a:prstGeom prst="rect">
@@ -10755,7 +10799,7 @@
               <a:blipFill>
                 <a:blip r:embed="rId4"/>
                 <a:stretch>
-                  <a:fillRect l="-523" t="-2326" b="-5814"/>
+                  <a:fillRect l="-523" t="-1163" b="-5814"/>
                 </a:stretch>
               </a:blipFill>
             </p:spPr>
@@ -10764,7 +10808,7 @@
               <a:lstStyle/>
               <a:p>
                 <a:r>
-                  <a:rPr lang="de-DE">
+                  <a:rPr lang="LID4096">
                     <a:noFill/>
                   </a:rPr>
                   <a:t> </a:t>
@@ -11115,7 +11159,7 @@
           <a:graphicData uri="http://schemas.openxmlformats.org/presentationml/2006/ole">
             <mc:AlternateContent xmlns:mc="http://schemas.openxmlformats.org/markup-compatibility/2006">
               <mc:Choice xmlns:v="urn:schemas-microsoft-com:vml" Requires="v">
-                <p:oleObj spid="_x0000_s3077" name="Acrobat Document" r:id="rId4" imgW="4390760" imgH="3295344" progId="Acrobat.Document.DC">
+                <p:oleObj spid="_x0000_s3078" name="Acrobat Document" r:id="rId4" imgW="4390760" imgH="3295344" progId="Acrobat.Document.DC">
                   <p:embed/>
                 </p:oleObj>
               </mc:Choice>
@@ -11244,7 +11288,7 @@
           <a:graphicData uri="http://schemas.openxmlformats.org/presentationml/2006/ole">
             <mc:AlternateContent xmlns:mc="http://schemas.openxmlformats.org/markup-compatibility/2006">
               <mc:Choice xmlns:v="urn:schemas-microsoft-com:vml" Requires="v">
-                <p:oleObj spid="_x0000_s2054" name="Acrobat Document" r:id="rId4" imgW="4390760" imgH="3295344" progId="Acrobat.Document.DC">
+                <p:oleObj spid="_x0000_s2055" name="Acrobat Document" r:id="rId4" imgW="4390760" imgH="3295344" progId="Acrobat.Document.DC">
                   <p:embed/>
                 </p:oleObj>
               </mc:Choice>
@@ -12747,7 +12791,7 @@
             </a:r>
             <a:r>
               <a:rPr lang="de-DE" dirty="0" err="1"/>
-              <a:t>license</a:t>
+              <a:t>missing</a:t>
             </a:r>
             <a:r>
               <a:rPr lang="de-DE" dirty="0"/>
@@ -12755,47 +12799,65 @@
             </a:r>
             <a:r>
               <a:rPr lang="de-DE" dirty="0" err="1"/>
+              <a:t>licenses</a:t>
+            </a:r>
+            <a:r>
+              <a:rPr lang="de-DE" dirty="0"/>
+              <a:t> </a:t>
+            </a:r>
+            <a:r>
+              <a:rPr lang="de-DE" dirty="0" err="1"/>
+              <a:t>or</a:t>
+            </a:r>
+            <a:r>
+              <a:rPr lang="de-DE" dirty="0"/>
+              <a:t>  </a:t>
+            </a:r>
+            <a:r>
+              <a:rPr lang="de-DE" dirty="0" err="1"/>
+              <a:t>avoid</a:t>
+            </a:r>
+            <a:r>
+              <a:rPr lang="de-DE" dirty="0"/>
+              <a:t> </a:t>
+            </a:r>
+            <a:r>
+              <a:rPr lang="de-DE" dirty="0" err="1"/>
               <a:t>fee</a:t>
             </a:r>
+            <a:r>
+              <a:rPr lang="de-DE" dirty="0"/>
+              <a:t> </a:t>
+            </a:r>
+            <a:r>
+              <a:rPr lang="de-DE" dirty="0" err="1"/>
+              <a:t>from</a:t>
+            </a:r>
+            <a:r>
+              <a:rPr lang="de-DE" dirty="0"/>
+              <a:t> </a:t>
+            </a:r>
+            <a:r>
+              <a:rPr lang="de-DE" dirty="0" err="1"/>
+              <a:t>licesing</a:t>
+            </a:r>
+            <a:r>
+              <a:rPr lang="de-DE" dirty="0"/>
+              <a:t> </a:t>
+            </a:r>
+            <a:r>
+              <a:rPr lang="de-DE" dirty="0" err="1"/>
+              <a:t>the</a:t>
+            </a:r>
+            <a:r>
+              <a:rPr lang="de-DE" dirty="0"/>
+              <a:t> </a:t>
+            </a:r>
+            <a:r>
+              <a:rPr lang="de-DE" dirty="0" err="1"/>
+              <a:t>tools</a:t>
+            </a:r>
             <a:endParaRPr lang="de-DE" dirty="0"/>
-          </a:p>
-          <a:p>
-            <a:pPr marL="285750" indent="-285750">
-              <a:buFontTx/>
-              <a:buChar char="-"/>
-            </a:pPr>
-            <a:r>
-              <a:rPr lang="de-DE" dirty="0" err="1"/>
-              <a:t>Availability</a:t>
-            </a:r>
-            <a:r>
-              <a:rPr lang="de-DE" dirty="0"/>
-              <a:t> </a:t>
-            </a:r>
-            <a:r>
-              <a:rPr lang="de-DE" dirty="0" err="1"/>
-              <a:t>of</a:t>
-            </a:r>
-            <a:r>
-              <a:rPr lang="de-DE" dirty="0"/>
-              <a:t> </a:t>
-            </a:r>
-            <a:r>
-              <a:rPr lang="de-DE" dirty="0" err="1"/>
-              <a:t>old</a:t>
-            </a:r>
-            <a:r>
-              <a:rPr lang="de-DE" dirty="0"/>
-              <a:t> </a:t>
-            </a:r>
-            <a:r>
-              <a:rPr lang="de-DE" dirty="0" err="1"/>
-              <a:t>versions</a:t>
-            </a:r>
-            <a:r>
-              <a:rPr lang="de-DE" dirty="0"/>
-              <a:t> </a:t>
-            </a:r>
           </a:p>
           <a:p>
             <a:pPr marL="285750" indent="-285750">
@@ -14063,6 +14125,12 @@
 </file>
 
 <file path=customXml/item1.xml><?xml version="1.0" encoding="utf-8"?>
+<p:properties xmlns:p="http://schemas.microsoft.com/office/2006/metadata/properties" xmlns:xsi="http://www.w3.org/2001/XMLSchema-instance" xmlns:pc="http://schemas.microsoft.com/office/infopath/2007/PartnerControls">
+  <documentManagement/>
+</p:properties>
+</file>
+
+<file path=customXml/item2.xml><?xml version="1.0" encoding="utf-8"?>
 <ct:contentTypeSchema xmlns:ct="http://schemas.microsoft.com/office/2006/metadata/contentType" xmlns:ma="http://schemas.microsoft.com/office/2006/metadata/properties/metaAttributes" ct:_="" ma:_="" ma:contentTypeName="Dokument" ma:contentTypeID="0x0101003DC6390AE56B35438C65966F635EAD35" ma:contentTypeVersion="0" ma:contentTypeDescription="Ein neues Dokument erstellen." ma:contentTypeScope="" ma:versionID="4f3286d4674dd6d9e62b4ad622de0e43">
   <xsd:schema xmlns:xsd="http://www.w3.org/2001/XMLSchema" xmlns:xs="http://www.w3.org/2001/XMLSchema" xmlns:p="http://schemas.microsoft.com/office/2006/metadata/properties" targetNamespace="http://schemas.microsoft.com/office/2006/metadata/properties" ma:root="true" ma:fieldsID="b4f5dc90cf06628c3b90945c8266c24d">
     <xsd:element name="properties">
@@ -14176,12 +14244,6 @@
 </ct:contentTypeSchema>
 </file>
 
-<file path=customXml/item2.xml><?xml version="1.0" encoding="utf-8"?>
-<p:properties xmlns:p="http://schemas.microsoft.com/office/2006/metadata/properties" xmlns:xsi="http://www.w3.org/2001/XMLSchema-instance" xmlns:pc="http://schemas.microsoft.com/office/infopath/2007/PartnerControls">
-  <documentManagement/>
-</p:properties>
-</file>
-
 <file path=customXml/item3.xml><?xml version="1.0" encoding="utf-8"?>
 <?mso-contentType ?>
 <FormTemplates xmlns="http://schemas.microsoft.com/sharepoint/v3/contenttype/forms">
@@ -14192,6 +14254,21 @@
 </file>
 
 <file path=customXml/itemProps1.xml><?xml version="1.0" encoding="utf-8"?>
+<ds:datastoreItem xmlns:ds="http://schemas.openxmlformats.org/officeDocument/2006/customXml" ds:itemID="{6F65AD01-48E5-4010-AD48-B7D7CFBD789F}">
+  <ds:schemaRefs>
+    <ds:schemaRef ds:uri="http://schemas.microsoft.com/office/2006/documentManagement/types"/>
+    <ds:schemaRef ds:uri="http://schemas.microsoft.com/office/infopath/2007/PartnerControls"/>
+    <ds:schemaRef ds:uri="http://www.w3.org/XML/1998/namespace"/>
+    <ds:schemaRef ds:uri="http://schemas.microsoft.com/office/2006/metadata/properties"/>
+    <ds:schemaRef ds:uri="http://purl.org/dc/elements/1.1/"/>
+    <ds:schemaRef ds:uri="http://purl.org/dc/dcmitype/"/>
+    <ds:schemaRef ds:uri="http://schemas.openxmlformats.org/package/2006/metadata/core-properties"/>
+    <ds:schemaRef ds:uri="http://purl.org/dc/terms/"/>
+  </ds:schemaRefs>
+</ds:datastoreItem>
+</file>
+
+<file path=customXml/itemProps2.xml><?xml version="1.0" encoding="utf-8"?>
 <ds:datastoreItem xmlns:ds="http://schemas.openxmlformats.org/officeDocument/2006/customXml" ds:itemID="{2566FAE7-B46A-4DFD-AC4F-E088CCE66172}">
   <ds:schemaRefs>
     <ds:schemaRef ds:uri="http://schemas.microsoft.com/office/2006/metadata/contentType"/>
@@ -14207,21 +14284,6 @@
 </ds:datastoreItem>
 </file>
 
-<file path=customXml/itemProps2.xml><?xml version="1.0" encoding="utf-8"?>
-<ds:datastoreItem xmlns:ds="http://schemas.openxmlformats.org/officeDocument/2006/customXml" ds:itemID="{6F65AD01-48E5-4010-AD48-B7D7CFBD789F}">
-  <ds:schemaRefs>
-    <ds:schemaRef ds:uri="http://schemas.microsoft.com/office/2006/documentManagement/types"/>
-    <ds:schemaRef ds:uri="http://schemas.microsoft.com/office/infopath/2007/PartnerControls"/>
-    <ds:schemaRef ds:uri="http://www.w3.org/XML/1998/namespace"/>
-    <ds:schemaRef ds:uri="http://schemas.microsoft.com/office/2006/metadata/properties"/>
-    <ds:schemaRef ds:uri="http://purl.org/dc/elements/1.1/"/>
-    <ds:schemaRef ds:uri="http://purl.org/dc/dcmitype/"/>
-    <ds:schemaRef ds:uri="http://schemas.openxmlformats.org/package/2006/metadata/core-properties"/>
-    <ds:schemaRef ds:uri="http://purl.org/dc/terms/"/>
-  </ds:schemaRefs>
-</ds:datastoreItem>
-</file>
-
 <file path=customXml/itemProps3.xml><?xml version="1.0" encoding="utf-8"?>
 <ds:datastoreItem xmlns:ds="http://schemas.openxmlformats.org/officeDocument/2006/customXml" ds:itemID="{20CAF0C3-C893-4631-969E-805C1C12F17E}">
   <ds:schemaRefs>

--- a/Präsentation.pptx
+++ b/Präsentation.pptx
@@ -8268,7 +8268,7 @@
           <a:graphicData uri="http://schemas.openxmlformats.org/presentationml/2006/ole">
             <mc:AlternateContent xmlns:mc="http://schemas.openxmlformats.org/markup-compatibility/2006">
               <mc:Choice xmlns:v="urn:schemas-microsoft-com:vml" Requires="v">
-                <p:oleObj spid="_x0000_s4099" name="Acrobat Document" r:id="rId4" imgW="4390760" imgH="3295344" progId="Acrobat.Document.DC">
+                <p:oleObj spid="_x0000_s4100" name="Acrobat Document" r:id="rId4" imgW="4390760" imgH="3295344" progId="Acrobat.Document.DC">
                   <p:embed/>
                 </p:oleObj>
               </mc:Choice>
@@ -11159,7 +11159,7 @@
           <a:graphicData uri="http://schemas.openxmlformats.org/presentationml/2006/ole">
             <mc:AlternateContent xmlns:mc="http://schemas.openxmlformats.org/markup-compatibility/2006">
               <mc:Choice xmlns:v="urn:schemas-microsoft-com:vml" Requires="v">
-                <p:oleObj spid="_x0000_s3078" name="Acrobat Document" r:id="rId4" imgW="4390760" imgH="3295344" progId="Acrobat.Document.DC">
+                <p:oleObj spid="_x0000_s3079" name="Acrobat Document" r:id="rId4" imgW="4390760" imgH="3295344" progId="Acrobat.Document.DC">
                   <p:embed/>
                 </p:oleObj>
               </mc:Choice>
@@ -11288,7 +11288,7 @@
           <a:graphicData uri="http://schemas.openxmlformats.org/presentationml/2006/ole">
             <mc:AlternateContent xmlns:mc="http://schemas.openxmlformats.org/markup-compatibility/2006">
               <mc:Choice xmlns:v="urn:schemas-microsoft-com:vml" Requires="v">
-                <p:oleObj spid="_x0000_s2055" name="Acrobat Document" r:id="rId4" imgW="4390760" imgH="3295344" progId="Acrobat.Document.DC">
+                <p:oleObj spid="_x0000_s2056" name="Acrobat Document" r:id="rId4" imgW="4390760" imgH="3295344" progId="Acrobat.Document.DC">
                   <p:embed/>
                 </p:oleObj>
               </mc:Choice>
@@ -12927,8 +12927,12 @@
           <a:lstStyle/>
           <a:p>
             <a:r>
-              <a:rPr lang="de-DE" dirty="0"/>
-              <a:t>Open source vs. </a:t>
+              <a:rPr lang="de-DE" dirty="0" err="1"/>
+              <a:t>Avoid</a:t>
+            </a:r>
+            <a:r>
+              <a:rPr lang="de-DE" dirty="0"/>
+              <a:t> </a:t>
             </a:r>
             <a:r>
               <a:rPr lang="de-DE" dirty="0" err="1"/>
@@ -13065,7 +13069,9 @@
         </p:nvSpPr>
         <p:spPr/>
         <p:txBody>
-          <a:bodyPr/>
+          <a:bodyPr>
+            <a:normAutofit fontScale="92500" lnSpcReduction="20000"/>
+          </a:bodyPr>
           <a:lstStyle/>
           <a:p>
             <a:endParaRPr lang="de-DE" dirty="0"/>
@@ -13096,11 +13102,11 @@
           <a:p>
             <a:r>
               <a:rPr lang="de-DE" dirty="0"/>
-              <a:t>	- source code </a:t>
-            </a:r>
-            <a:r>
-              <a:rPr lang="de-DE" dirty="0" err="1"/>
-              <a:t>of</a:t>
+              <a:t>	- </a:t>
+            </a:r>
+            <a:r>
+              <a:rPr lang="de-DE" dirty="0" err="1"/>
+              <a:t>computes</a:t>
             </a:r>
             <a:r>
               <a:rPr lang="de-DE" dirty="0"/>
@@ -13108,33 +13114,20 @@
             </a:r>
             <a:r>
               <a:rPr lang="de-DE" dirty="0" err="1"/>
-              <a:t>the</a:t>
-            </a:r>
-            <a:r>
-              <a:rPr lang="de-DE" dirty="0"/>
-              <a:t> </a:t>
-            </a:r>
-            <a:r>
-              <a:rPr lang="de-DE" dirty="0" err="1"/>
-              <a:t>python-solver</a:t>
-            </a:r>
-            <a:r>
-              <a:rPr lang="de-DE" dirty="0"/>
-              <a:t> </a:t>
-            </a:r>
-            <a:r>
-              <a:rPr lang="de-DE" dirty="0" err="1"/>
-              <a:t>available</a:t>
-            </a:r>
-            <a:r>
-              <a:rPr lang="de-DE" dirty="0"/>
-              <a:t> in </a:t>
-            </a:r>
-            <a:r>
-              <a:rPr lang="de-DE" dirty="0" err="1"/>
-              <a:t>repository</a:t>
-            </a:r>
-            <a:endParaRPr lang="de-DE" dirty="0"/>
+              <a:t>every</a:t>
+            </a:r>
+            <a:r>
+              <a:rPr lang="de-DE" dirty="0"/>
+              <a:t> possible </a:t>
+            </a:r>
+            <a:r>
+              <a:rPr lang="de-DE" dirty="0" err="1"/>
+              <a:t>product</a:t>
+            </a:r>
+            <a:r>
+              <a:rPr lang="de-DE" dirty="0"/>
+              <a:t> mix </a:t>
+            </a:r>
           </a:p>
           <a:p>
             <a:r>
@@ -13150,6 +13143,35 @@
             <a:endParaRPr lang="en-US" dirty="0"/>
           </a:p>
           <a:p>
+            <a:r>
+              <a:rPr lang="en-US" dirty="0"/>
+              <a:t>Exchange </a:t>
+            </a:r>
+            <a:r>
+              <a:rPr lang="en-US" dirty="0" err="1"/>
+              <a:t>xls</a:t>
+            </a:r>
+            <a:r>
+              <a:rPr lang="en-US" dirty="0"/>
+              <a:t> files with csv files</a:t>
+            </a:r>
+          </a:p>
+          <a:p>
+            <a:r>
+              <a:rPr lang="en-US" dirty="0"/>
+              <a:t>	- easy and light-weighted data format</a:t>
+            </a:r>
+          </a:p>
+          <a:p>
+            <a:r>
+              <a:rPr lang="en-US" dirty="0"/>
+              <a:t>	- csv is supported by many scientific applications</a:t>
+            </a:r>
+          </a:p>
+          <a:p>
+            <a:endParaRPr lang="en-US" dirty="0"/>
+          </a:p>
+          <a:p>
             <a:endParaRPr lang="en-US" dirty="0"/>
           </a:p>
           <a:p>
@@ -13173,13 +13195,8 @@
           <a:p>
             <a:r>
               <a:rPr lang="en-US" dirty="0"/>
-              <a:t>	- automatically import of </a:t>
-            </a:r>
-            <a:r>
-              <a:rPr lang="en-US" dirty="0" err="1"/>
-              <a:t>figtures</a:t>
-            </a:r>
-            <a:endParaRPr lang="en-US" dirty="0"/>
+              <a:t>	- automatically import of figures</a:t>
+            </a:r>
           </a:p>
           <a:p>
             <a:r>

--- a/Präsentation.pptx
+++ b/Präsentation.pptx
@@ -408,7 +408,7 @@
           <a:p>
             <a:fld id="{90BC4B87-6123-4AD5-BA18-D0C615F32DE0}" type="datetimeFigureOut">
               <a:rPr lang="de-DE" smtClean="0"/>
-              <a:t>22.02.2022</a:t>
+              <a:t>23.02.2022</a:t>
             </a:fld>
             <a:endParaRPr lang="de-DE"/>
           </a:p>
@@ -7796,13 +7796,13 @@
               <a:rPr lang="en-US" sz="1800" b="0" i="0" u="none" strike="noStrike" baseline="0" dirty="0">
                 <a:latin typeface="CMR10"/>
               </a:rPr>
-              <a:t>duckies</a:t>
+              <a:t>ducks</a:t>
             </a:r>
             <a:r>
               <a:rPr lang="en-US" sz="1800" b="0" i="0" u="none" strike="noStrike" baseline="0" dirty="0">
                 <a:latin typeface="CMBX12"/>
               </a:rPr>
-              <a:t> vs. Fishes“ </a:t>
+              <a:t> vs. fish“ </a:t>
             </a:r>
             <a:endParaRPr lang="en-US" dirty="0"/>
           </a:p>
@@ -8268,7 +8268,7 @@
           <a:graphicData uri="http://schemas.openxmlformats.org/presentationml/2006/ole">
             <mc:AlternateContent xmlns:mc="http://schemas.openxmlformats.org/markup-compatibility/2006">
               <mc:Choice xmlns:v="urn:schemas-microsoft-com:vml" Requires="v">
-                <p:oleObj spid="_x0000_s4100" name="Acrobat Document" r:id="rId4" imgW="4390760" imgH="3295344" progId="Acrobat.Document.DC">
+                <p:oleObj spid="_x0000_s4107" name="Acrobat Document" r:id="rId4" imgW="4390760" imgH="3295344" progId="Acrobat.Document.DC">
                   <p:embed/>
                 </p:oleObj>
               </mc:Choice>
@@ -10148,8 +10148,8 @@
           </a:p>
         </p:txBody>
       </p:sp>
-      <mc:AlternateContent xmlns:mc="http://schemas.openxmlformats.org/markup-compatibility/2006">
-        <mc:Choice xmlns:a14="http://schemas.microsoft.com/office/drawing/2010/main" Requires="a14">
+      <mc:AlternateContent xmlns:mc="http://schemas.openxmlformats.org/markup-compatibility/2006" xmlns:a14="http://schemas.microsoft.com/office/drawing/2010/main">
+        <mc:Choice Requires="a14">
           <p:sp>
             <p:nvSpPr>
               <p:cNvPr id="5" name="Inhaltsplatzhalter 4">
@@ -10558,7 +10558,7 @@
             </p:txBody>
           </p:sp>
         </mc:Choice>
-        <mc:Fallback>
+        <mc:Fallback xmlns="">
           <p:sp>
             <p:nvSpPr>
               <p:cNvPr id="5" name="Inhaltsplatzhalter 4">
@@ -10740,7 +10740,7 @@
                       <a:rPr lang="de-DE" b="0" i="1" smtClean="0">
                         <a:latin typeface="Cambria Math" panose="02040503050406030204" pitchFamily="18" charset="0"/>
                       </a:rPr>
-                      <m:t>𝐹𝑖𝑠h𝑒𝑠</m:t>
+                      <m:t>𝐹𝑖𝑠h</m:t>
                     </m:r>
                     <m:r>
                       <a:rPr lang="de-DE" b="0" i="1" smtClean="0">
@@ -10764,7 +10764,7 @@
                       <a:rPr lang="de-DE" b="0" i="1" smtClean="0">
                         <a:latin typeface="Cambria Math" panose="02040503050406030204" pitchFamily="18" charset="0"/>
                       </a:rPr>
-                      <m:t>𝐷𝑢𝑐𝑘𝑖𝑒𝑠</m:t>
+                      <m:t>𝐷𝑢𝑐𝑘𝑠</m:t>
                     </m:r>
                   </m:oMath>
                 </a14:m>
@@ -10996,8 +10996,13 @@
           <a:p>
             <a:r>
               <a:rPr lang="en-US" dirty="0"/>
-              <a:t>	400 ducks or</a:t>
-            </a:r>
+              <a:t>	400 </a:t>
+            </a:r>
+            <a:r>
+              <a:rPr lang="en-US"/>
+              <a:t>ducks and</a:t>
+            </a:r>
+            <a:endParaRPr lang="en-US" dirty="0"/>
           </a:p>
           <a:p>
             <a:r>
@@ -11159,7 +11164,7 @@
           <a:graphicData uri="http://schemas.openxmlformats.org/presentationml/2006/ole">
             <mc:AlternateContent xmlns:mc="http://schemas.openxmlformats.org/markup-compatibility/2006">
               <mc:Choice xmlns:v="urn:schemas-microsoft-com:vml" Requires="v">
-                <p:oleObj spid="_x0000_s3079" name="Acrobat Document" r:id="rId4" imgW="4390760" imgH="3295344" progId="Acrobat.Document.DC">
+                <p:oleObj spid="_x0000_s3086" name="Acrobat Document" r:id="rId4" imgW="4390760" imgH="3295344" progId="Acrobat.Document.DC">
                   <p:embed/>
                 </p:oleObj>
               </mc:Choice>
@@ -11288,7 +11293,7 @@
           <a:graphicData uri="http://schemas.openxmlformats.org/presentationml/2006/ole">
             <mc:AlternateContent xmlns:mc="http://schemas.openxmlformats.org/markup-compatibility/2006">
               <mc:Choice xmlns:v="urn:schemas-microsoft-com:vml" Requires="v">
-                <p:oleObj spid="_x0000_s2056" name="Acrobat Document" r:id="rId4" imgW="4390760" imgH="3295344" progId="Acrobat.Document.DC">
+                <p:oleObj spid="_x0000_s2063" name="Acrobat Document" r:id="rId4" imgW="4390760" imgH="3295344" progId="Acrobat.Document.DC">
                   <p:embed/>
                 </p:oleObj>
               </mc:Choice>
@@ -12839,7 +12844,7 @@
             </a:r>
             <a:r>
               <a:rPr lang="de-DE" dirty="0" err="1"/>
-              <a:t>licesing</a:t>
+              <a:t>licensing</a:t>
             </a:r>
             <a:r>
               <a:rPr lang="de-DE" dirty="0"/>
@@ -13136,7 +13141,7 @@
             </a:r>
             <a:r>
               <a:rPr lang="en-US" dirty="0"/>
-              <a:t>Beneficial for researchers who repeat our experiment</a:t>
+              <a:t>Beneficial for researchers who repeat our experiment and have no access to MS-Tools.</a:t>
             </a:r>
           </a:p>
           <a:p>
@@ -13159,7 +13164,13 @@
           <a:p>
             <a:r>
               <a:rPr lang="en-US" dirty="0"/>
-              <a:t>	- easy and light-weighted data format</a:t>
+              <a:t>	- light-weighted data format</a:t>
+            </a:r>
+          </a:p>
+          <a:p>
+            <a:r>
+              <a:rPr lang="en-US" dirty="0"/>
+              <a:t>	- easy to read for humans (plain text)</a:t>
             </a:r>
           </a:p>
           <a:p>
@@ -13189,7 +13200,7 @@
           <a:p>
             <a:r>
               <a:rPr lang="en-US" dirty="0"/>
-              <a:t>	- best look for scientific Papers</a:t>
+              <a:t>	- best look for scientific papers</a:t>
             </a:r>
           </a:p>
           <a:p>
@@ -13200,8 +13211,8 @@
           </a:p>
           <a:p>
             <a:r>
-              <a:rPr lang="en-US" dirty="0"/>
-              <a:t>	- (Output as PDF-File)</a:t>
+              <a:rPr lang="en-US"/>
+              <a:t>	</a:t>
             </a:r>
             <a:endParaRPr lang="de-DE" dirty="0"/>
           </a:p>
